--- a/PPT/PPT2021/DB第06章.pptx
+++ b/PPT/PPT2021/DB第06章.pptx
@@ -5,82 +5,82 @@
     <p:sldMasterId id="2147483648" r:id="rId1"/>
   </p:sldMasterIdLst>
   <p:notesMasterIdLst>
-    <p:notesMasterId r:id="rId73"/>
+    <p:notesMasterId r:id="rId72"/>
   </p:notesMasterIdLst>
   <p:sldIdLst>
-    <p:sldId id="535" r:id="rId3"/>
-    <p:sldId id="536" r:id="rId4"/>
-    <p:sldId id="533" r:id="rId5"/>
-    <p:sldId id="534" r:id="rId6"/>
-    <p:sldId id="256" r:id="rId7"/>
-    <p:sldId id="258" r:id="rId8"/>
-    <p:sldId id="412" r:id="rId9"/>
-    <p:sldId id="260" r:id="rId10"/>
-    <p:sldId id="261" r:id="rId11"/>
-    <p:sldId id="262" r:id="rId12"/>
-    <p:sldId id="264" r:id="rId13"/>
-    <p:sldId id="265" r:id="rId14"/>
-    <p:sldId id="266" r:id="rId15"/>
-    <p:sldId id="267" r:id="rId16"/>
-    <p:sldId id="268" r:id="rId17"/>
-    <p:sldId id="272" r:id="rId18"/>
-    <p:sldId id="273" r:id="rId19"/>
-    <p:sldId id="275" r:id="rId20"/>
-    <p:sldId id="276" r:id="rId21"/>
-    <p:sldId id="277" r:id="rId22"/>
-    <p:sldId id="278" r:id="rId23"/>
-    <p:sldId id="279" r:id="rId24"/>
-    <p:sldId id="282" r:id="rId25"/>
-    <p:sldId id="283" r:id="rId26"/>
-    <p:sldId id="284" r:id="rId27"/>
-    <p:sldId id="285" r:id="rId28"/>
-    <p:sldId id="286" r:id="rId29"/>
-    <p:sldId id="287" r:id="rId30"/>
-    <p:sldId id="288" r:id="rId31"/>
-    <p:sldId id="289" r:id="rId32"/>
-    <p:sldId id="290" r:id="rId33"/>
-    <p:sldId id="291" r:id="rId34"/>
-    <p:sldId id="292" r:id="rId35"/>
-    <p:sldId id="293" r:id="rId36"/>
-    <p:sldId id="294" r:id="rId37"/>
-    <p:sldId id="295" r:id="rId38"/>
-    <p:sldId id="296" r:id="rId39"/>
-    <p:sldId id="297" r:id="rId40"/>
-    <p:sldId id="298" r:id="rId41"/>
-    <p:sldId id="299" r:id="rId42"/>
-    <p:sldId id="300" r:id="rId43"/>
-    <p:sldId id="301" r:id="rId44"/>
-    <p:sldId id="302" r:id="rId45"/>
-    <p:sldId id="303" r:id="rId46"/>
-    <p:sldId id="304" r:id="rId47"/>
-    <p:sldId id="306" r:id="rId48"/>
-    <p:sldId id="307" r:id="rId49"/>
-    <p:sldId id="308" r:id="rId50"/>
-    <p:sldId id="309" r:id="rId51"/>
-    <p:sldId id="312" r:id="rId52"/>
-    <p:sldId id="313" r:id="rId53"/>
-    <p:sldId id="314" r:id="rId54"/>
-    <p:sldId id="315" r:id="rId55"/>
-    <p:sldId id="321" r:id="rId56"/>
-    <p:sldId id="323" r:id="rId57"/>
-    <p:sldId id="324" r:id="rId58"/>
-    <p:sldId id="325" r:id="rId59"/>
-    <p:sldId id="332" r:id="rId60"/>
-    <p:sldId id="333" r:id="rId61"/>
-    <p:sldId id="337" r:id="rId62"/>
-    <p:sldId id="541" r:id="rId63"/>
-    <p:sldId id="542" r:id="rId64"/>
-    <p:sldId id="543" r:id="rId65"/>
-    <p:sldId id="545" r:id="rId66"/>
-    <p:sldId id="544" r:id="rId67"/>
-    <p:sldId id="538" r:id="rId68"/>
-    <p:sldId id="540" r:id="rId69"/>
-    <p:sldId id="539" r:id="rId70"/>
-    <p:sldId id="338" r:id="rId71"/>
-    <p:sldId id="532" r:id="rId72"/>
+    <p:sldId id="535" r:id="rId2"/>
+    <p:sldId id="536" r:id="rId3"/>
+    <p:sldId id="533" r:id="rId4"/>
+    <p:sldId id="534" r:id="rId5"/>
+    <p:sldId id="256" r:id="rId6"/>
+    <p:sldId id="258" r:id="rId7"/>
+    <p:sldId id="412" r:id="rId8"/>
+    <p:sldId id="260" r:id="rId9"/>
+    <p:sldId id="261" r:id="rId10"/>
+    <p:sldId id="262" r:id="rId11"/>
+    <p:sldId id="264" r:id="rId12"/>
+    <p:sldId id="265" r:id="rId13"/>
+    <p:sldId id="266" r:id="rId14"/>
+    <p:sldId id="267" r:id="rId15"/>
+    <p:sldId id="268" r:id="rId16"/>
+    <p:sldId id="272" r:id="rId17"/>
+    <p:sldId id="273" r:id="rId18"/>
+    <p:sldId id="275" r:id="rId19"/>
+    <p:sldId id="276" r:id="rId20"/>
+    <p:sldId id="277" r:id="rId21"/>
+    <p:sldId id="278" r:id="rId22"/>
+    <p:sldId id="279" r:id="rId23"/>
+    <p:sldId id="282" r:id="rId24"/>
+    <p:sldId id="283" r:id="rId25"/>
+    <p:sldId id="284" r:id="rId26"/>
+    <p:sldId id="285" r:id="rId27"/>
+    <p:sldId id="286" r:id="rId28"/>
+    <p:sldId id="287" r:id="rId29"/>
+    <p:sldId id="288" r:id="rId30"/>
+    <p:sldId id="289" r:id="rId31"/>
+    <p:sldId id="290" r:id="rId32"/>
+    <p:sldId id="291" r:id="rId33"/>
+    <p:sldId id="292" r:id="rId34"/>
+    <p:sldId id="293" r:id="rId35"/>
+    <p:sldId id="294" r:id="rId36"/>
+    <p:sldId id="295" r:id="rId37"/>
+    <p:sldId id="296" r:id="rId38"/>
+    <p:sldId id="297" r:id="rId39"/>
+    <p:sldId id="298" r:id="rId40"/>
+    <p:sldId id="299" r:id="rId41"/>
+    <p:sldId id="300" r:id="rId42"/>
+    <p:sldId id="301" r:id="rId43"/>
+    <p:sldId id="302" r:id="rId44"/>
+    <p:sldId id="303" r:id="rId45"/>
+    <p:sldId id="304" r:id="rId46"/>
+    <p:sldId id="306" r:id="rId47"/>
+    <p:sldId id="307" r:id="rId48"/>
+    <p:sldId id="308" r:id="rId49"/>
+    <p:sldId id="309" r:id="rId50"/>
+    <p:sldId id="312" r:id="rId51"/>
+    <p:sldId id="313" r:id="rId52"/>
+    <p:sldId id="314" r:id="rId53"/>
+    <p:sldId id="315" r:id="rId54"/>
+    <p:sldId id="321" r:id="rId55"/>
+    <p:sldId id="323" r:id="rId56"/>
+    <p:sldId id="324" r:id="rId57"/>
+    <p:sldId id="325" r:id="rId58"/>
+    <p:sldId id="332" r:id="rId59"/>
+    <p:sldId id="333" r:id="rId60"/>
+    <p:sldId id="337" r:id="rId61"/>
+    <p:sldId id="541" r:id="rId62"/>
+    <p:sldId id="542" r:id="rId63"/>
+    <p:sldId id="543" r:id="rId64"/>
+    <p:sldId id="545" r:id="rId65"/>
+    <p:sldId id="544" r:id="rId66"/>
+    <p:sldId id="538" r:id="rId67"/>
+    <p:sldId id="540" r:id="rId68"/>
+    <p:sldId id="539" r:id="rId69"/>
+    <p:sldId id="338" r:id="rId70"/>
+    <p:sldId id="532" r:id="rId71"/>
   </p:sldIdLst>
   <p:sldSz cx="9144000" cy="6858000" type="screen4x3"/>
-  <p:notesSz cx="6833870" cy="9979025"/>
+  <p:notesSz cx="6834188" cy="9979025"/>
   <p:defaultTextStyle>
     <a:defPPr>
       <a:defRPr lang="zh-CN"/>
@@ -211,6 +211,22 @@
       </a:defRPr>
     </a:lvl9pPr>
   </p:defaultTextStyle>
+  <p:extLst>
+    <p:ext uri="{EFAFB233-063F-42B5-8137-9DF3F51BA10A}">
+      <p15:sldGuideLst xmlns:p15="http://schemas.microsoft.com/office/powerpoint/2012/main">
+        <p15:guide id="1" orient="horz" pos="2142">
+          <p15:clr>
+            <a:srgbClr val="A4A3A4"/>
+          </p15:clr>
+        </p15:guide>
+        <p15:guide id="2" pos="2880">
+          <p15:clr>
+            <a:srgbClr val="A4A3A4"/>
+          </p15:clr>
+        </p15:guide>
+      </p15:sldGuideLst>
+    </p:ext>
+  </p:extLst>
 </p:presentation>
 </file>
 
@@ -323,6 +339,7 @@
             </a:pPr>
             <a:fld id="{1D557796-EEBA-4DBC-B322-5BD63D8678F2}" type="datetimeFigureOut">
               <a:rPr lang="zh-CN" altLang="en-US"/>
+              <a:t>2021/4/27</a:t>
             </a:fld>
             <a:endParaRPr lang="en-US"/>
           </a:p>
@@ -422,7 +439,6 @@
               <a:rPr lang="zh-CN" altLang="en-US"/>
               <a:t>单击此处编辑母版文本样式</a:t>
             </a:r>
-            <a:endParaRPr lang="zh-CN" altLang="en-US"/>
           </a:p>
           <a:p>
             <a:pPr lvl="1"/>
@@ -430,7 +446,6 @@
               <a:rPr lang="zh-CN" altLang="en-US"/>
               <a:t>第二级</a:t>
             </a:r>
-            <a:endParaRPr lang="zh-CN" altLang="en-US"/>
           </a:p>
           <a:p>
             <a:pPr lvl="2"/>
@@ -438,7 +453,6 @@
               <a:rPr lang="zh-CN" altLang="en-US"/>
               <a:t>第三级</a:t>
             </a:r>
-            <a:endParaRPr lang="zh-CN" altLang="en-US"/>
           </a:p>
           <a:p>
             <a:pPr lvl="3"/>
@@ -446,7 +460,6 @@
               <a:rPr lang="zh-CN" altLang="en-US"/>
               <a:t>第四级</a:t>
             </a:r>
-            <a:endParaRPr lang="zh-CN" altLang="en-US"/>
           </a:p>
           <a:p>
             <a:pPr lvl="4"/>
@@ -454,7 +467,6 @@
               <a:rPr lang="zh-CN" altLang="en-US"/>
               <a:t>第五级</a:t>
             </a:r>
-            <a:endParaRPr lang="zh-CN" altLang="en-US"/>
           </a:p>
         </p:txBody>
       </p:sp>
@@ -533,6 +545,7 @@
           <a:p>
             <a:fld id="{715BC5A8-66ED-42FD-9707-BEFA383793C6}" type="slidenum">
               <a:rPr lang="zh-CN" altLang="en-US"/>
+              <a:t>‹#›</a:t>
             </a:fld>
             <a:endParaRPr lang="en-US" altLang="zh-CN"/>
           </a:p>
@@ -707,7 +720,6 @@
               <a:rPr lang="zh-CN" altLang="en-US" noProof="1"/>
               <a:t>单击此处编辑母版标题样式</a:t>
             </a:r>
-            <a:endParaRPr lang="zh-CN" altLang="en-US" noProof="1"/>
           </a:p>
         </p:txBody>
       </p:sp>
@@ -772,7 +784,6 @@
               <a:rPr lang="zh-CN" altLang="en-US" noProof="1"/>
               <a:t>单击此处编辑母版副标题样式</a:t>
             </a:r>
-            <a:endParaRPr lang="zh-CN" altLang="en-US" noProof="1"/>
           </a:p>
         </p:txBody>
       </p:sp>
@@ -820,7 +831,6 @@
               <a:rPr lang="zh-CN" altLang="en-US" noProof="1"/>
               <a:t>单击此处编辑母版标题样式</a:t>
             </a:r>
-            <a:endParaRPr lang="zh-CN" altLang="en-US" noProof="1"/>
           </a:p>
         </p:txBody>
       </p:sp>
@@ -844,7 +854,6 @@
               <a:rPr lang="zh-CN" altLang="en-US" noProof="1"/>
               <a:t>单击此处编辑母版文本样式</a:t>
             </a:r>
-            <a:endParaRPr lang="zh-CN" altLang="en-US" noProof="1"/>
           </a:p>
           <a:p>
             <a:pPr lvl="1"/>
@@ -852,7 +861,6 @@
               <a:rPr lang="zh-CN" altLang="en-US" noProof="1"/>
               <a:t>第二级</a:t>
             </a:r>
-            <a:endParaRPr lang="zh-CN" altLang="en-US" noProof="1"/>
           </a:p>
           <a:p>
             <a:pPr lvl="2"/>
@@ -860,7 +868,6 @@
               <a:rPr lang="zh-CN" altLang="en-US" noProof="1"/>
               <a:t>第三级</a:t>
             </a:r>
-            <a:endParaRPr lang="zh-CN" altLang="en-US" noProof="1"/>
           </a:p>
           <a:p>
             <a:pPr lvl="3"/>
@@ -868,7 +875,6 @@
               <a:rPr lang="zh-CN" altLang="en-US" noProof="1"/>
               <a:t>第四级</a:t>
             </a:r>
-            <a:endParaRPr lang="zh-CN" altLang="en-US" noProof="1"/>
           </a:p>
           <a:p>
             <a:pPr lvl="4"/>
@@ -876,7 +882,6 @@
               <a:rPr lang="zh-CN" altLang="en-US" noProof="1"/>
               <a:t>第五级</a:t>
             </a:r>
-            <a:endParaRPr lang="zh-CN" altLang="en-US" noProof="1"/>
           </a:p>
         </p:txBody>
       </p:sp>
@@ -929,7 +934,6 @@
               <a:rPr lang="zh-CN" altLang="en-US" noProof="1"/>
               <a:t>单击此处编辑母版标题样式</a:t>
             </a:r>
-            <a:endParaRPr lang="zh-CN" altLang="en-US" noProof="1"/>
           </a:p>
         </p:txBody>
       </p:sp>
@@ -958,7 +962,6 @@
               <a:rPr lang="zh-CN" altLang="en-US" noProof="1"/>
               <a:t>单击此处编辑母版文本样式</a:t>
             </a:r>
-            <a:endParaRPr lang="zh-CN" altLang="en-US" noProof="1"/>
           </a:p>
           <a:p>
             <a:pPr lvl="1"/>
@@ -966,7 +969,6 @@
               <a:rPr lang="zh-CN" altLang="en-US" noProof="1"/>
               <a:t>第二级</a:t>
             </a:r>
-            <a:endParaRPr lang="zh-CN" altLang="en-US" noProof="1"/>
           </a:p>
           <a:p>
             <a:pPr lvl="2"/>
@@ -974,7 +976,6 @@
               <a:rPr lang="zh-CN" altLang="en-US" noProof="1"/>
               <a:t>第三级</a:t>
             </a:r>
-            <a:endParaRPr lang="zh-CN" altLang="en-US" noProof="1"/>
           </a:p>
           <a:p>
             <a:pPr lvl="3"/>
@@ -982,7 +983,6 @@
               <a:rPr lang="zh-CN" altLang="en-US" noProof="1"/>
               <a:t>第四级</a:t>
             </a:r>
-            <a:endParaRPr lang="zh-CN" altLang="en-US" noProof="1"/>
           </a:p>
           <a:p>
             <a:pPr lvl="4"/>
@@ -990,7 +990,6 @@
               <a:rPr lang="zh-CN" altLang="en-US" noProof="1"/>
               <a:t>第五级</a:t>
             </a:r>
-            <a:endParaRPr lang="zh-CN" altLang="en-US" noProof="1"/>
           </a:p>
         </p:txBody>
       </p:sp>
@@ -1038,7 +1037,6 @@
               <a:rPr lang="zh-CN" altLang="en-US" noProof="1"/>
               <a:t>单击此处编辑母版标题样式</a:t>
             </a:r>
-            <a:endParaRPr lang="zh-CN" altLang="en-US" noProof="1"/>
           </a:p>
         </p:txBody>
       </p:sp>
@@ -1062,7 +1060,6 @@
               <a:rPr lang="zh-CN" altLang="en-US" noProof="1"/>
               <a:t>单击此处编辑母版文本样式</a:t>
             </a:r>
-            <a:endParaRPr lang="zh-CN" altLang="en-US" noProof="1"/>
           </a:p>
           <a:p>
             <a:pPr lvl="1"/>
@@ -1070,7 +1067,6 @@
               <a:rPr lang="zh-CN" altLang="en-US" noProof="1"/>
               <a:t>第二级</a:t>
             </a:r>
-            <a:endParaRPr lang="zh-CN" altLang="en-US" noProof="1"/>
           </a:p>
           <a:p>
             <a:pPr lvl="2"/>
@@ -1078,7 +1074,6 @@
               <a:rPr lang="zh-CN" altLang="en-US" noProof="1"/>
               <a:t>第三级</a:t>
             </a:r>
-            <a:endParaRPr lang="zh-CN" altLang="en-US" noProof="1"/>
           </a:p>
           <a:p>
             <a:pPr lvl="3"/>
@@ -1086,7 +1081,6 @@
               <a:rPr lang="zh-CN" altLang="en-US" noProof="1"/>
               <a:t>第四级</a:t>
             </a:r>
-            <a:endParaRPr lang="zh-CN" altLang="en-US" noProof="1"/>
           </a:p>
           <a:p>
             <a:pPr lvl="4"/>
@@ -1094,7 +1088,6 @@
               <a:rPr lang="zh-CN" altLang="en-US" noProof="1"/>
               <a:t>第五级</a:t>
             </a:r>
-            <a:endParaRPr lang="zh-CN" altLang="en-US" noProof="1"/>
           </a:p>
         </p:txBody>
       </p:sp>
@@ -1151,7 +1144,6 @@
               <a:rPr lang="zh-CN" altLang="en-US" noProof="1"/>
               <a:t>单击此处编辑母版标题样式</a:t>
             </a:r>
-            <a:endParaRPr lang="zh-CN" altLang="en-US" noProof="1"/>
           </a:p>
         </p:txBody>
       </p:sp>
@@ -1217,7 +1209,6 @@
               <a:rPr lang="zh-CN" altLang="en-US" noProof="1"/>
               <a:t>单击此处编辑母版文本样式</a:t>
             </a:r>
-            <a:endParaRPr lang="zh-CN" altLang="en-US" noProof="1"/>
           </a:p>
         </p:txBody>
       </p:sp>
@@ -1265,7 +1256,6 @@
               <a:rPr lang="zh-CN" altLang="en-US" noProof="1"/>
               <a:t>单击此处编辑母版标题样式</a:t>
             </a:r>
-            <a:endParaRPr lang="zh-CN" altLang="en-US" noProof="1"/>
           </a:p>
         </p:txBody>
       </p:sp>
@@ -1322,7 +1312,6 @@
               <a:rPr lang="zh-CN" altLang="en-US" noProof="1"/>
               <a:t>单击此处编辑母版文本样式</a:t>
             </a:r>
-            <a:endParaRPr lang="zh-CN" altLang="en-US" noProof="1"/>
           </a:p>
           <a:p>
             <a:pPr lvl="1"/>
@@ -1330,7 +1319,6 @@
               <a:rPr lang="zh-CN" altLang="en-US" noProof="1"/>
               <a:t>第二级</a:t>
             </a:r>
-            <a:endParaRPr lang="zh-CN" altLang="en-US" noProof="1"/>
           </a:p>
           <a:p>
             <a:pPr lvl="2"/>
@@ -1338,7 +1326,6 @@
               <a:rPr lang="zh-CN" altLang="en-US" noProof="1"/>
               <a:t>第三级</a:t>
             </a:r>
-            <a:endParaRPr lang="zh-CN" altLang="en-US" noProof="1"/>
           </a:p>
           <a:p>
             <a:pPr lvl="3"/>
@@ -1346,7 +1333,6 @@
               <a:rPr lang="zh-CN" altLang="en-US" noProof="1"/>
               <a:t>第四级</a:t>
             </a:r>
-            <a:endParaRPr lang="zh-CN" altLang="en-US" noProof="1"/>
           </a:p>
           <a:p>
             <a:pPr lvl="4"/>
@@ -1354,7 +1340,6 @@
               <a:rPr lang="zh-CN" altLang="en-US" noProof="1"/>
               <a:t>第五级</a:t>
             </a:r>
-            <a:endParaRPr lang="zh-CN" altLang="en-US" noProof="1"/>
           </a:p>
         </p:txBody>
       </p:sp>
@@ -1411,7 +1396,6 @@
               <a:rPr lang="zh-CN" altLang="en-US" noProof="1"/>
               <a:t>单击此处编辑母版文本样式</a:t>
             </a:r>
-            <a:endParaRPr lang="zh-CN" altLang="en-US" noProof="1"/>
           </a:p>
           <a:p>
             <a:pPr lvl="1"/>
@@ -1419,7 +1403,6 @@
               <a:rPr lang="zh-CN" altLang="en-US" noProof="1"/>
               <a:t>第二级</a:t>
             </a:r>
-            <a:endParaRPr lang="zh-CN" altLang="en-US" noProof="1"/>
           </a:p>
           <a:p>
             <a:pPr lvl="2"/>
@@ -1427,7 +1410,6 @@
               <a:rPr lang="zh-CN" altLang="en-US" noProof="1"/>
               <a:t>第三级</a:t>
             </a:r>
-            <a:endParaRPr lang="zh-CN" altLang="en-US" noProof="1"/>
           </a:p>
           <a:p>
             <a:pPr lvl="3"/>
@@ -1435,7 +1417,6 @@
               <a:rPr lang="zh-CN" altLang="en-US" noProof="1"/>
               <a:t>第四级</a:t>
             </a:r>
-            <a:endParaRPr lang="zh-CN" altLang="en-US" noProof="1"/>
           </a:p>
           <a:p>
             <a:pPr lvl="4"/>
@@ -1443,7 +1424,6 @@
               <a:rPr lang="zh-CN" altLang="en-US" noProof="1"/>
               <a:t>第五级</a:t>
             </a:r>
-            <a:endParaRPr lang="zh-CN" altLang="en-US" noProof="1"/>
           </a:p>
         </p:txBody>
       </p:sp>
@@ -1500,7 +1480,6 @@
               <a:rPr lang="zh-CN" altLang="en-US" noProof="1"/>
               <a:t>单击此处编辑母版标题样式</a:t>
             </a:r>
-            <a:endParaRPr lang="zh-CN" altLang="en-US" noProof="1"/>
           </a:p>
         </p:txBody>
       </p:sp>
@@ -1566,7 +1545,6 @@
               <a:rPr lang="zh-CN" altLang="en-US" noProof="1"/>
               <a:t>单击此处编辑母版文本样式</a:t>
             </a:r>
-            <a:endParaRPr lang="zh-CN" altLang="en-US" noProof="1"/>
           </a:p>
         </p:txBody>
       </p:sp>
@@ -1623,7 +1601,6 @@
               <a:rPr lang="zh-CN" altLang="en-US" noProof="1"/>
               <a:t>单击此处编辑母版文本样式</a:t>
             </a:r>
-            <a:endParaRPr lang="zh-CN" altLang="en-US" noProof="1"/>
           </a:p>
           <a:p>
             <a:pPr lvl="1"/>
@@ -1631,7 +1608,6 @@
               <a:rPr lang="zh-CN" altLang="en-US" noProof="1"/>
               <a:t>第二级</a:t>
             </a:r>
-            <a:endParaRPr lang="zh-CN" altLang="en-US" noProof="1"/>
           </a:p>
           <a:p>
             <a:pPr lvl="2"/>
@@ -1639,7 +1615,6 @@
               <a:rPr lang="zh-CN" altLang="en-US" noProof="1"/>
               <a:t>第三级</a:t>
             </a:r>
-            <a:endParaRPr lang="zh-CN" altLang="en-US" noProof="1"/>
           </a:p>
           <a:p>
             <a:pPr lvl="3"/>
@@ -1647,7 +1622,6 @@
               <a:rPr lang="zh-CN" altLang="en-US" noProof="1"/>
               <a:t>第四级</a:t>
             </a:r>
-            <a:endParaRPr lang="zh-CN" altLang="en-US" noProof="1"/>
           </a:p>
           <a:p>
             <a:pPr lvl="4"/>
@@ -1655,7 +1629,6 @@
               <a:rPr lang="zh-CN" altLang="en-US" noProof="1"/>
               <a:t>第五级</a:t>
             </a:r>
-            <a:endParaRPr lang="zh-CN" altLang="en-US" noProof="1"/>
           </a:p>
         </p:txBody>
       </p:sp>
@@ -1721,7 +1694,6 @@
               <a:rPr lang="zh-CN" altLang="en-US" noProof="1"/>
               <a:t>单击此处编辑母版文本样式</a:t>
             </a:r>
-            <a:endParaRPr lang="zh-CN" altLang="en-US" noProof="1"/>
           </a:p>
         </p:txBody>
       </p:sp>
@@ -1778,7 +1750,6 @@
               <a:rPr lang="zh-CN" altLang="en-US" noProof="1"/>
               <a:t>单击此处编辑母版文本样式</a:t>
             </a:r>
-            <a:endParaRPr lang="zh-CN" altLang="en-US" noProof="1"/>
           </a:p>
           <a:p>
             <a:pPr lvl="1"/>
@@ -1786,7 +1757,6 @@
               <a:rPr lang="zh-CN" altLang="en-US" noProof="1"/>
               <a:t>第二级</a:t>
             </a:r>
-            <a:endParaRPr lang="zh-CN" altLang="en-US" noProof="1"/>
           </a:p>
           <a:p>
             <a:pPr lvl="2"/>
@@ -1794,7 +1764,6 @@
               <a:rPr lang="zh-CN" altLang="en-US" noProof="1"/>
               <a:t>第三级</a:t>
             </a:r>
-            <a:endParaRPr lang="zh-CN" altLang="en-US" noProof="1"/>
           </a:p>
           <a:p>
             <a:pPr lvl="3"/>
@@ -1802,7 +1771,6 @@
               <a:rPr lang="zh-CN" altLang="en-US" noProof="1"/>
               <a:t>第四级</a:t>
             </a:r>
-            <a:endParaRPr lang="zh-CN" altLang="en-US" noProof="1"/>
           </a:p>
           <a:p>
             <a:pPr lvl="4"/>
@@ -1810,7 +1778,6 @@
               <a:rPr lang="zh-CN" altLang="en-US" noProof="1"/>
               <a:t>第五级</a:t>
             </a:r>
-            <a:endParaRPr lang="zh-CN" altLang="en-US" noProof="1"/>
           </a:p>
         </p:txBody>
       </p:sp>
@@ -1858,7 +1825,6 @@
               <a:rPr lang="zh-CN" altLang="en-US" noProof="1"/>
               <a:t>单击此处编辑母版标题样式</a:t>
             </a:r>
-            <a:endParaRPr lang="zh-CN" altLang="en-US" noProof="1"/>
           </a:p>
         </p:txBody>
       </p:sp>
@@ -1940,7 +1906,6 @@
               <a:rPr lang="zh-CN" altLang="en-US" noProof="1"/>
               <a:t>单击此处编辑母版标题样式</a:t>
             </a:r>
-            <a:endParaRPr lang="zh-CN" altLang="en-US" noProof="1"/>
           </a:p>
         </p:txBody>
       </p:sp>
@@ -1997,7 +1962,6 @@
               <a:rPr lang="zh-CN" altLang="en-US" noProof="1"/>
               <a:t>单击此处编辑母版文本样式</a:t>
             </a:r>
-            <a:endParaRPr lang="zh-CN" altLang="en-US" noProof="1"/>
           </a:p>
           <a:p>
             <a:pPr lvl="1"/>
@@ -2005,7 +1969,6 @@
               <a:rPr lang="zh-CN" altLang="en-US" noProof="1"/>
               <a:t>第二级</a:t>
             </a:r>
-            <a:endParaRPr lang="zh-CN" altLang="en-US" noProof="1"/>
           </a:p>
           <a:p>
             <a:pPr lvl="2"/>
@@ -2013,7 +1976,6 @@
               <a:rPr lang="zh-CN" altLang="en-US" noProof="1"/>
               <a:t>第三级</a:t>
             </a:r>
-            <a:endParaRPr lang="zh-CN" altLang="en-US" noProof="1"/>
           </a:p>
           <a:p>
             <a:pPr lvl="3"/>
@@ -2021,7 +1983,6 @@
               <a:rPr lang="zh-CN" altLang="en-US" noProof="1"/>
               <a:t>第四级</a:t>
             </a:r>
-            <a:endParaRPr lang="zh-CN" altLang="en-US" noProof="1"/>
           </a:p>
           <a:p>
             <a:pPr lvl="4"/>
@@ -2029,7 +1990,6 @@
               <a:rPr lang="zh-CN" altLang="en-US" noProof="1"/>
               <a:t>第五级</a:t>
             </a:r>
-            <a:endParaRPr lang="zh-CN" altLang="en-US" noProof="1"/>
           </a:p>
         </p:txBody>
       </p:sp>
@@ -2095,7 +2055,6 @@
               <a:rPr lang="zh-CN" altLang="en-US" noProof="1"/>
               <a:t>单击此处编辑母版文本样式</a:t>
             </a:r>
-            <a:endParaRPr lang="zh-CN" altLang="en-US" noProof="1"/>
           </a:p>
         </p:txBody>
       </p:sp>
@@ -2152,7 +2111,6 @@
               <a:rPr lang="zh-CN" altLang="en-US" noProof="1"/>
               <a:t>单击此处编辑母版标题样式</a:t>
             </a:r>
-            <a:endParaRPr lang="zh-CN" altLang="en-US" noProof="1"/>
           </a:p>
         </p:txBody>
       </p:sp>
@@ -2280,7 +2238,6 @@
               <a:rPr lang="zh-CN" altLang="en-US" noProof="1"/>
               <a:t>单击此处编辑母版文本样式</a:t>
             </a:r>
-            <a:endParaRPr lang="zh-CN" altLang="en-US" noProof="1"/>
           </a:p>
         </p:txBody>
       </p:sp>
@@ -2326,7 +2283,7 @@
           <p:nvPr userDrawn="1"/>
         </p:nvPicPr>
         <p:blipFill>
-          <a:blip r:embed="rId12">
+          <a:blip r:embed="rId13">
             <a:extLst>
               <a:ext uri="{28A0092B-C50C-407E-A947-70E740481C1C}">
                 <a14:useLocalDpi xmlns:a14="http://schemas.microsoft.com/office/drawing/2010/main" val="0"/>
@@ -2380,7 +2337,7 @@
           <p:nvPr userDrawn="1"/>
         </p:nvPicPr>
         <p:blipFill>
-          <a:blip r:embed="rId13">
+          <a:blip r:embed="rId14">
             <a:extLst>
               <a:ext uri="{28A0092B-C50C-407E-A947-70E740481C1C}">
                 <a14:useLocalDpi xmlns:a14="http://schemas.microsoft.com/office/drawing/2010/main" val="0"/>
@@ -2434,7 +2391,7 @@
           <p:nvPr userDrawn="1"/>
         </p:nvPicPr>
         <p:blipFill>
-          <a:blip r:embed="rId13">
+          <a:blip r:embed="rId14">
             <a:extLst>
               <a:ext uri="{28A0092B-C50C-407E-A947-70E740481C1C}">
                 <a14:useLocalDpi xmlns:a14="http://schemas.microsoft.com/office/drawing/2010/main" val="0"/>
@@ -2530,7 +2487,6 @@
               <a:rPr lang="zh-CN" altLang="zh-CN"/>
               <a:t>单击此处编辑母版标题样式</a:t>
             </a:r>
-            <a:endParaRPr lang="zh-CN" altLang="zh-CN"/>
           </a:p>
         </p:txBody>
       </p:sp>
@@ -2585,7 +2541,6 @@
               <a:rPr lang="zh-CN" altLang="zh-CN"/>
               <a:t>单击此处编辑母版文本样式</a:t>
             </a:r>
-            <a:endParaRPr lang="zh-CN" altLang="zh-CN"/>
           </a:p>
           <a:p>
             <a:pPr lvl="1"/>
@@ -2593,7 +2548,6 @@
               <a:rPr lang="zh-CN" altLang="zh-CN"/>
               <a:t>第二级</a:t>
             </a:r>
-            <a:endParaRPr lang="zh-CN" altLang="zh-CN"/>
           </a:p>
           <a:p>
             <a:pPr lvl="2"/>
@@ -2601,7 +2555,6 @@
               <a:rPr lang="zh-CN" altLang="zh-CN"/>
               <a:t>第三级</a:t>
             </a:r>
-            <a:endParaRPr lang="zh-CN" altLang="zh-CN"/>
           </a:p>
           <a:p>
             <a:pPr lvl="3"/>
@@ -2609,7 +2562,6 @@
               <a:rPr lang="zh-CN" altLang="zh-CN"/>
               <a:t>第四级</a:t>
             </a:r>
-            <a:endParaRPr lang="zh-CN" altLang="zh-CN"/>
           </a:p>
           <a:p>
             <a:pPr lvl="4"/>
@@ -2617,7 +2569,6 @@
               <a:rPr lang="zh-CN" altLang="zh-CN"/>
               <a:t>第五级</a:t>
             </a:r>
-            <a:endParaRPr lang="zh-CN" altLang="zh-CN"/>
           </a:p>
         </p:txBody>
       </p:sp>
@@ -2780,11 +2731,6 @@
               </a:rPr>
               <a:t>An Introduction to Database System</a:t>
             </a:r>
-            <a:endParaRPr lang="en-US" altLang="zh-CN" sz="1600" b="1">
-              <a:solidFill>
-                <a:schemeClr val="bg1"/>
-              </a:solidFill>
-            </a:endParaRPr>
           </a:p>
         </p:txBody>
       </p:sp>
@@ -3275,7 +3221,7 @@
           <p:nvPr/>
         </p:nvPicPr>
         <p:blipFill>
-          <a:blip r:embed="rId1">
+          <a:blip r:embed="rId2">
             <a:lum bright="4000" contrast="-2000"/>
             <a:extLst>
               <a:ext uri="{28A0092B-C50C-407E-A947-70E740481C1C}">
@@ -3747,9 +3693,6 @@
               </a:rPr>
               <a:t>问题的提出（续）</a:t>
             </a:r>
-            <a:endParaRPr lang="zh-CN" altLang="en-US" sz="3600">
-              <a:sym typeface="微软雅黑" panose="020B0503020204020204" pitchFamily="34" charset="-122"/>
-            </a:endParaRPr>
           </a:p>
         </p:txBody>
       </p:sp>
@@ -3791,12 +3734,6 @@
               </a:rPr>
               <a:t>数据依赖</a:t>
             </a:r>
-            <a:endParaRPr lang="zh-CN" altLang="en-US" noProof="1">
-              <a:solidFill>
-                <a:srgbClr val="0066FF"/>
-              </a:solidFill>
-              <a:sym typeface="Calibri" panose="020F0502020204030204" pitchFamily="34" charset="0"/>
-            </a:endParaRPr>
           </a:p>
           <a:p>
             <a:pPr>
@@ -3841,9 +3778,6 @@
               </a:rPr>
               <a:t>关系</a:t>
             </a:r>
-            <a:endParaRPr lang="zh-CN" altLang="en-US" sz="2000" noProof="1">
-              <a:sym typeface="Calibri" panose="020F0502020204030204" pitchFamily="34" charset="0"/>
-            </a:endParaRPr>
           </a:p>
           <a:p>
             <a:pPr marL="1257300" lvl="2" indent="-342900" algn="l">
@@ -3920,10 +3854,6 @@
               </a:rPr>
               <a:t>是语义的体现</a:t>
             </a:r>
-            <a:endParaRPr lang="zh-CN" altLang="en-US" noProof="1">
-              <a:cs typeface="+mn-ea"/>
-              <a:sym typeface="Calibri" panose="020F0502020204030204" pitchFamily="34" charset="0"/>
-            </a:endParaRPr>
           </a:p>
           <a:p>
             <a:pPr>
@@ -3944,9 +3874,6 @@
               </a:rPr>
               <a:t>:</a:t>
             </a:r>
-            <a:endParaRPr lang="en-US" altLang="zh-CN" sz="2200" noProof="1">
-              <a:sym typeface="Calibri" panose="020F0502020204030204" pitchFamily="34" charset="0"/>
-            </a:endParaRPr>
           </a:p>
           <a:p>
             <a:pPr marL="627380" lvl="1" algn="l">
@@ -4000,10 +3927,6 @@
               </a:rPr>
               <a:t>）</a:t>
             </a:r>
-            <a:endParaRPr lang="zh-CN" altLang="en-US" sz="2200" noProof="1">
-              <a:cs typeface="+mn-ea"/>
-              <a:sym typeface="Calibri" panose="020F0502020204030204" pitchFamily="34" charset="0"/>
-            </a:endParaRPr>
           </a:p>
           <a:p>
             <a:pPr marL="627380" lvl="1" algn="l">
@@ -4244,9 +4167,6 @@
               </a:rPr>
               <a:t>问题的提出（续）</a:t>
             </a:r>
-            <a:endParaRPr lang="zh-CN" altLang="en-US" sz="3600">
-              <a:sym typeface="微软雅黑" panose="020B0503020204020204" pitchFamily="34" charset="-122"/>
-            </a:endParaRPr>
           </a:p>
         </p:txBody>
       </p:sp>
@@ -4450,9 +4370,6 @@
               </a:rPr>
               <a:t>Sname</a:t>
             </a:r>
-            <a:endParaRPr lang="en-US" altLang="zh-CN" noProof="1">
-              <a:cs typeface="+mn-ea"/>
-            </a:endParaRPr>
           </a:p>
           <a:p>
             <a:pPr marL="1257300" lvl="2" indent="-342900" algn="l">
@@ -4760,9 +4677,6 @@
               </a:rPr>
               <a:t>问题的提出（续）</a:t>
             </a:r>
-            <a:endParaRPr lang="zh-CN" altLang="en-US" sz="3600">
-              <a:sym typeface="微软雅黑" panose="020B0503020204020204" pitchFamily="34" charset="-122"/>
-            </a:endParaRPr>
           </a:p>
         </p:txBody>
       </p:sp>
@@ -4826,9 +4740,6 @@
               </a:rPr>
               <a:t>涉及的对象包括：	</a:t>
             </a:r>
-            <a:endParaRPr lang="zh-CN" altLang="en-US" dirty="0">
-              <a:sym typeface="Calibri" panose="020F0502020204030204" pitchFamily="34" charset="0"/>
-            </a:endParaRPr>
           </a:p>
           <a:p>
             <a:pPr marL="971550" lvl="2" indent="-342900" algn="l">
@@ -4856,9 +4767,6 @@
               </a:rPr>
               <a:t>）</a:t>
             </a:r>
-            <a:endParaRPr lang="zh-CN" altLang="en-US" dirty="0">
-              <a:sym typeface="Calibri" panose="020F0502020204030204" pitchFamily="34" charset="0"/>
-            </a:endParaRPr>
           </a:p>
           <a:p>
             <a:pPr marL="971550" lvl="2" indent="-342900" algn="l">
@@ -4886,9 +4794,6 @@
               </a:rPr>
               <a:t>）</a:t>
             </a:r>
-            <a:endParaRPr lang="zh-CN" altLang="en-US" dirty="0">
-              <a:sym typeface="Calibri" panose="020F0502020204030204" pitchFamily="34" charset="0"/>
-            </a:endParaRPr>
           </a:p>
           <a:p>
             <a:pPr marL="971550" lvl="2" indent="-342900" algn="l">
@@ -4916,9 +4821,6 @@
               </a:rPr>
               <a:t>）</a:t>
             </a:r>
-            <a:endParaRPr lang="zh-CN" altLang="en-US" dirty="0">
-              <a:sym typeface="Calibri" panose="020F0502020204030204" pitchFamily="34" charset="0"/>
-            </a:endParaRPr>
           </a:p>
           <a:p>
             <a:pPr marL="971550" lvl="2" indent="-342900" algn="l">
@@ -4946,9 +4848,6 @@
               </a:rPr>
               <a:t>）</a:t>
             </a:r>
-            <a:endParaRPr lang="zh-CN" altLang="en-US" dirty="0">
-              <a:sym typeface="Calibri" panose="020F0502020204030204" pitchFamily="34" charset="0"/>
-            </a:endParaRPr>
           </a:p>
           <a:p>
             <a:pPr marL="971550" lvl="2" indent="-342900" algn="l">
@@ -5161,9 +5060,6 @@
               </a:rPr>
               <a:t>问题的提出（续）</a:t>
             </a:r>
-            <a:endParaRPr lang="zh-CN" altLang="en-US" sz="3600">
-              <a:sym typeface="微软雅黑" panose="020B0503020204020204" pitchFamily="34" charset="-122"/>
-            </a:endParaRPr>
           </a:p>
         </p:txBody>
       </p:sp>
@@ -5331,12 +5227,6 @@
               </a:rPr>
               <a:t>}  </a:t>
             </a:r>
-            <a:endParaRPr lang="zh-CN" altLang="en-US" dirty="0">
-              <a:highlight>
-                <a:srgbClr val="FFFF00"/>
-              </a:highlight>
-              <a:sym typeface="Calibri" panose="020F0502020204030204" pitchFamily="34" charset="0"/>
-            </a:endParaRPr>
           </a:p>
           <a:p>
             <a:pPr lvl="2" indent="-285750" algn="l">
@@ -5350,9 +5240,6 @@
               </a:rPr>
               <a:t>现实世界的已知事实（语义）：</a:t>
             </a:r>
-            <a:endParaRPr lang="zh-CN" altLang="en-US" dirty="0">
-              <a:sym typeface="Calibri" panose="020F0502020204030204" pitchFamily="34" charset="0"/>
-            </a:endParaRPr>
           </a:p>
           <a:p>
             <a:pPr lvl="3" indent="-228600" algn="l">
@@ -5369,10 +5256,6 @@
               </a:rPr>
               <a:t>一个系有若干学生， 但一个学生只属于一个系；</a:t>
             </a:r>
-            <a:endParaRPr lang="zh-CN" altLang="en-US" dirty="0">
-              <a:latin typeface="宋体" panose="02010600030101010101" pitchFamily="2" charset="-122"/>
-              <a:sym typeface="宋体" panose="02010600030101010101" pitchFamily="2" charset="-122"/>
-            </a:endParaRPr>
           </a:p>
           <a:p>
             <a:pPr lvl="3" indent="-228600" algn="l">
@@ -5389,10 +5272,6 @@
               </a:rPr>
               <a:t>一个系只有一名（正职）负责人；</a:t>
             </a:r>
-            <a:endParaRPr lang="zh-CN" altLang="en-US" dirty="0">
-              <a:latin typeface="宋体" panose="02010600030101010101" pitchFamily="2" charset="-122"/>
-              <a:sym typeface="宋体" panose="02010600030101010101" pitchFamily="2" charset="-122"/>
-            </a:endParaRPr>
           </a:p>
           <a:p>
             <a:pPr lvl="3" indent="-228600" algn="l">
@@ -5409,10 +5288,6 @@
               </a:rPr>
               <a:t>一个学生可以选修多门课程，每门课程有若干学生选修；</a:t>
             </a:r>
-            <a:endParaRPr lang="zh-CN" altLang="en-US" dirty="0">
-              <a:latin typeface="宋体" panose="02010600030101010101" pitchFamily="2" charset="-122"/>
-              <a:sym typeface="宋体" panose="02010600030101010101" pitchFamily="2" charset="-122"/>
-            </a:endParaRPr>
           </a:p>
           <a:p>
             <a:pPr lvl="3" indent="-228600" algn="l">
@@ -5429,10 +5304,6 @@
               </a:rPr>
               <a:t>每个学生学习每一门课程有一个成绩。   </a:t>
             </a:r>
-            <a:endParaRPr lang="zh-CN" altLang="en-US" dirty="0">
-              <a:latin typeface="宋体" panose="02010600030101010101" pitchFamily="2" charset="-122"/>
-              <a:sym typeface="宋体" panose="02010600030101010101" pitchFamily="2" charset="-122"/>
-            </a:endParaRPr>
           </a:p>
         </p:txBody>
       </p:sp>
@@ -5617,9 +5488,6 @@
               </a:rPr>
               <a:t>问题的提出（续）</a:t>
             </a:r>
-            <a:endParaRPr lang="zh-CN" altLang="en-US" sz="3600">
-              <a:sym typeface="微软雅黑" panose="020B0503020204020204" pitchFamily="34" charset="-122"/>
-            </a:endParaRPr>
           </a:p>
         </p:txBody>
       </p:sp>
@@ -5702,9 +5570,6 @@
               </a:rPr>
               <a:t>：</a:t>
             </a:r>
-            <a:endParaRPr lang="zh-CN" altLang="en-US" dirty="0">
-              <a:sym typeface="Calibri" panose="020F0502020204030204" pitchFamily="34" charset="0"/>
-            </a:endParaRPr>
           </a:p>
           <a:p>
             <a:pPr>
@@ -5790,9 +5655,6 @@
               </a:rPr>
               <a:t>)→ Grade}</a:t>
             </a:r>
-            <a:endParaRPr lang="en-US" altLang="zh-CN" sz="2400" dirty="0">
-              <a:sym typeface="Calibri" panose="020F0502020204030204" pitchFamily="34" charset="0"/>
-            </a:endParaRPr>
           </a:p>
         </p:txBody>
       </p:sp>
@@ -5805,7 +5667,7 @@
           <p:nvPr/>
         </p:nvPicPr>
         <p:blipFill>
-          <a:blip r:embed="rId1">
+          <a:blip r:embed="rId2">
             <a:extLst>
               <a:ext uri="{28A0092B-C50C-407E-A947-70E740481C1C}">
                 <a14:useLocalDpi xmlns:a14="http://schemas.microsoft.com/office/drawing/2010/main" val="0"/>
@@ -6008,9 +5870,6 @@
               </a:rPr>
               <a:t>问题的提出（续）</a:t>
             </a:r>
-            <a:endParaRPr lang="zh-CN" altLang="en-US" sz="3600">
-              <a:sym typeface="微软雅黑" panose="020B0503020204020204" pitchFamily="34" charset="-122"/>
-            </a:endParaRPr>
           </a:p>
         </p:txBody>
       </p:sp>
@@ -6102,12 +5961,6 @@
               </a:rPr>
               <a:t>数据冗余</a:t>
             </a:r>
-            <a:endParaRPr lang="zh-CN" altLang="en-US" sz="1800" noProof="1">
-              <a:solidFill>
-                <a:srgbClr val="0066FF"/>
-              </a:solidFill>
-              <a:sym typeface="Calibri" panose="020F0502020204030204" pitchFamily="34" charset="0"/>
-            </a:endParaRPr>
           </a:p>
           <a:p>
             <a:pPr lvl="1" indent="-285750" algn="l">
@@ -6137,10 +5990,6 @@
               </a:rPr>
               <a:t>每一个系主任的姓名重复出现</a:t>
             </a:r>
-            <a:endParaRPr lang="zh-CN" altLang="en-US" sz="1800" noProof="1">
-              <a:cs typeface="+mn-ea"/>
-              <a:sym typeface="Calibri" panose="020F0502020204030204" pitchFamily="34" charset="0"/>
-            </a:endParaRPr>
           </a:p>
           <a:p>
             <a:pPr>
@@ -6194,9 +6043,6 @@
               </a:rPr>
               <a:t>）</a:t>
             </a:r>
-            <a:endParaRPr lang="zh-CN" altLang="en-US" sz="1800" noProof="1">
-              <a:sym typeface="Calibri" panose="020F0502020204030204" pitchFamily="34" charset="0"/>
-            </a:endParaRPr>
           </a:p>
           <a:p>
             <a:pPr lvl="1" algn="l">
@@ -6226,10 +6072,6 @@
               </a:rPr>
               <a:t>某系更换系主任后，须修改有关的每一个元组。</a:t>
             </a:r>
-            <a:endParaRPr lang="zh-CN" altLang="en-US" sz="1800" noProof="1">
-              <a:cs typeface="+mn-ea"/>
-              <a:sym typeface="Calibri" panose="020F0502020204030204" pitchFamily="34" charset="0"/>
-            </a:endParaRPr>
           </a:p>
           <a:p>
             <a:pPr>
@@ -6280,9 +6122,6 @@
               </a:rPr>
               <a:t>）</a:t>
             </a:r>
-            <a:endParaRPr lang="zh-CN" altLang="en-US" sz="1800" noProof="1">
-              <a:sym typeface="Calibri" panose="020F0502020204030204" pitchFamily="34" charset="0"/>
-            </a:endParaRPr>
           </a:p>
           <a:p>
             <a:pPr lvl="1" indent="-285750" algn="l">
@@ -6298,10 +6137,6 @@
               </a:rPr>
               <a:t>    如果一个系刚成立，尚无学生，则无法把这个系及其系主任存入数据库。</a:t>
             </a:r>
-            <a:endParaRPr lang="zh-CN" altLang="en-US" sz="1800" noProof="1">
-              <a:cs typeface="+mn-ea"/>
-              <a:sym typeface="Calibri" panose="020F0502020204030204" pitchFamily="34" charset="0"/>
-            </a:endParaRPr>
           </a:p>
           <a:p>
             <a:pPr>
@@ -6355,9 +6190,6 @@
               </a:rPr>
               <a:t>）</a:t>
             </a:r>
-            <a:endParaRPr lang="zh-CN" altLang="en-US" sz="1800" noProof="1">
-              <a:sym typeface="Calibri" panose="020F0502020204030204" pitchFamily="34" charset="0"/>
-            </a:endParaRPr>
           </a:p>
           <a:p>
             <a:pPr lvl="1" algn="l">
@@ -6373,10 +6205,6 @@
               </a:rPr>
               <a:t>如果某个系的学生全部毕业了， 则在删除该系学生信息的同时，把这个系及其系主任的信息也丢掉了。</a:t>
             </a:r>
-            <a:endParaRPr lang="zh-CN" altLang="en-US" sz="1800" noProof="1">
-              <a:cs typeface="+mn-ea"/>
-              <a:sym typeface="Calibri" panose="020F0502020204030204" pitchFamily="34" charset="0"/>
-            </a:endParaRPr>
           </a:p>
           <a:p>
             <a:pPr lvl="1" algn="l">
@@ -6573,9 +6401,6 @@
               </a:rPr>
               <a:t>问题的提出（续）</a:t>
             </a:r>
-            <a:endParaRPr lang="zh-CN" altLang="en-US" sz="3600">
-              <a:sym typeface="微软雅黑" panose="020B0503020204020204" pitchFamily="34" charset="-122"/>
-            </a:endParaRPr>
           </a:p>
         </p:txBody>
       </p:sp>
@@ -6748,9 +6573,6 @@
               </a:rPr>
               <a:t>引起的。</a:t>
             </a:r>
-            <a:endParaRPr lang="zh-CN" altLang="en-US" sz="2000" dirty="0">
-              <a:sym typeface="Calibri" panose="020F0502020204030204" pitchFamily="34" charset="0"/>
-            </a:endParaRPr>
           </a:p>
           <a:p>
             <a:pPr>
@@ -6804,9 +6626,6 @@
               </a:rPr>
               <a:t>改造关系模式来消除其中不合适的数据依赖</a:t>
             </a:r>
-            <a:endParaRPr lang="zh-CN" altLang="en-US" sz="2000" dirty="0">
-              <a:sym typeface="Calibri" panose="020F0502020204030204" pitchFamily="34" charset="0"/>
-            </a:endParaRPr>
           </a:p>
         </p:txBody>
       </p:sp>
@@ -6991,9 +6810,6 @@
               </a:rPr>
               <a:t>问题的提出（续）</a:t>
             </a:r>
-            <a:endParaRPr lang="zh-CN" altLang="en-US" sz="3600">
-              <a:sym typeface="微软雅黑" panose="020B0503020204020204" pitchFamily="34" charset="-122"/>
-            </a:endParaRPr>
           </a:p>
         </p:txBody>
       </p:sp>
@@ -7342,12 +7158,6 @@
               </a:rPr>
               <a:t> 函数依赖</a:t>
             </a:r>
-            <a:endParaRPr lang="zh-CN" altLang="en-US">
-              <a:solidFill>
-                <a:srgbClr val="00B050"/>
-              </a:solidFill>
-              <a:sym typeface="Calibri" panose="020F0502020204030204" pitchFamily="34" charset="0"/>
-            </a:endParaRPr>
           </a:p>
           <a:p>
             <a:pPr>
@@ -7367,9 +7177,6 @@
               </a:rPr>
               <a:t>码</a:t>
             </a:r>
-            <a:endParaRPr lang="zh-CN" altLang="en-US">
-              <a:sym typeface="Calibri" panose="020F0502020204030204" pitchFamily="34" charset="0"/>
-            </a:endParaRPr>
           </a:p>
           <a:p>
             <a:pPr>
@@ -7389,9 +7196,6 @@
               </a:rPr>
               <a:t>范式</a:t>
             </a:r>
-            <a:endParaRPr lang="zh-CN" altLang="en-US">
-              <a:sym typeface="Calibri" panose="020F0502020204030204" pitchFamily="34" charset="0"/>
-            </a:endParaRPr>
           </a:p>
           <a:p>
             <a:pPr>
@@ -7459,9 +7263,6 @@
               </a:rPr>
               <a:t>多值依赖</a:t>
             </a:r>
-            <a:endParaRPr lang="zh-CN" altLang="en-US">
-              <a:sym typeface="Calibri" panose="020F0502020204030204" pitchFamily="34" charset="0"/>
-            </a:endParaRPr>
           </a:p>
           <a:p>
             <a:pPr>
@@ -7564,9 +7365,6 @@
               </a:rPr>
               <a:t>函数依赖</a:t>
             </a:r>
-            <a:endParaRPr lang="zh-CN" altLang="en-US" sz="3600">
-              <a:sym typeface="Calibri" panose="020F0502020204030204" pitchFamily="34" charset="0"/>
-            </a:endParaRPr>
           </a:p>
         </p:txBody>
       </p:sp>
@@ -7735,7 +7533,7 @@
           <p:nvPr/>
         </p:nvPicPr>
         <p:blipFill>
-          <a:blip r:embed="rId1">
+          <a:blip r:embed="rId2">
             <a:extLst>
               <a:ext uri="{28A0092B-C50C-407E-A947-70E740481C1C}">
                 <a14:useLocalDpi xmlns:a14="http://schemas.microsoft.com/office/drawing/2010/main" val="0"/>
@@ -7942,9 +7740,6 @@
               </a:rPr>
               <a:t>  函数依赖</a:t>
             </a:r>
-            <a:endParaRPr lang="zh-CN" altLang="en-US" sz="3600">
-              <a:sym typeface="微软雅黑" panose="020B0503020204020204" pitchFamily="34" charset="-122"/>
-            </a:endParaRPr>
           </a:p>
         </p:txBody>
       </p:sp>
@@ -8000,12 +7795,6 @@
               </a:rPr>
               <a:t>】</a:t>
             </a:r>
-            <a:endParaRPr lang="zh-CN" altLang="en-US" dirty="0">
-              <a:highlight>
-                <a:srgbClr val="FFFF00"/>
-              </a:highlight>
-              <a:sym typeface="Calibri" panose="020F0502020204030204" pitchFamily="34" charset="0"/>
-            </a:endParaRPr>
           </a:p>
           <a:p>
             <a:pPr>
@@ -8079,9 +7868,6 @@
               </a:rPr>
               <a:t>的子集。</a:t>
             </a:r>
-            <a:endParaRPr lang="zh-CN" altLang="en-US" sz="2400" dirty="0">
-              <a:sym typeface="Calibri" panose="020F0502020204030204" pitchFamily="34" charset="0"/>
-            </a:endParaRPr>
           </a:p>
           <a:p>
             <a:pPr>
@@ -8457,7 +8243,6 @@
               <a:rPr lang="zh-CN" altLang="en-US" sz="3600"/>
               <a:t>函数依赖（续）</a:t>
             </a:r>
-            <a:endParaRPr lang="zh-CN" altLang="en-US" sz="3600"/>
           </a:p>
         </p:txBody>
       </p:sp>
@@ -8526,7 +8311,6 @@
               <a:rPr lang="en-US" altLang="zh-CN" dirty="0"/>
               <a:t>),         </a:t>
             </a:r>
-            <a:endParaRPr lang="en-US" altLang="zh-CN" dirty="0"/>
           </a:p>
           <a:p>
             <a:pPr marL="57150">
@@ -8546,7 +8330,6 @@
               <a:rPr lang="en-US" altLang="zh-CN" dirty="0"/>
               <a:t>:</a:t>
             </a:r>
-            <a:endParaRPr lang="en-US" altLang="zh-CN" dirty="0"/>
           </a:p>
           <a:p>
             <a:pPr marL="57150">
@@ -8844,9 +8627,6 @@
                 </a:rPr>
                 <a:t>。</a:t>
               </a:r>
-              <a:endParaRPr lang="zh-CN" altLang="en-US" sz="2400" b="1">
-                <a:latin typeface="Times New Roman" panose="02020603050405020304" pitchFamily="18" charset="0"/>
-              </a:endParaRPr>
             </a:p>
             <a:p>
               <a:pPr>
@@ -9043,7 +8823,7 @@
           <p:nvPr/>
         </p:nvPicPr>
         <p:blipFill>
-          <a:blip r:embed="rId1">
+          <a:blip r:embed="rId2">
             <a:extLst>
               <a:ext uri="{28A0092B-C50C-407E-A947-70E740481C1C}">
                 <a14:useLocalDpi xmlns:a14="http://schemas.microsoft.com/office/drawing/2010/main" val="0"/>
@@ -9078,7 +8858,7 @@
           <p:nvPr/>
         </p:nvPicPr>
         <p:blipFill>
-          <a:blip r:embed="rId2">
+          <a:blip r:embed="rId3">
             <a:extLst>
               <a:ext uri="{28A0092B-C50C-407E-A947-70E740481C1C}">
                 <a14:useLocalDpi xmlns:a14="http://schemas.microsoft.com/office/drawing/2010/main" val="0"/>
@@ -9149,7 +8929,6 @@
               <a:rPr lang="zh-CN" altLang="en-US" sz="3600"/>
               <a:t>函数依赖（续）</a:t>
             </a:r>
-            <a:endParaRPr lang="zh-CN" altLang="en-US" sz="3600"/>
           </a:p>
         </p:txBody>
       </p:sp>
@@ -9470,11 +9249,41 @@
             <a:tbl>
               <a:tblPr/>
               <a:tblGrid>
-                <a:gridCol w="1584325"/>
-                <a:gridCol w="1466850"/>
-                <a:gridCol w="1527175"/>
-                <a:gridCol w="1527175"/>
-                <a:gridCol w="1527175"/>
+                <a:gridCol w="1584325">
+                  <a:extLst>
+                    <a:ext uri="{9D8B030D-6E8A-4147-A177-3AD203B41FA5}">
+                      <a16:colId xmlns:a16="http://schemas.microsoft.com/office/drawing/2014/main" val="20000"/>
+                    </a:ext>
+                  </a:extLst>
+                </a:gridCol>
+                <a:gridCol w="1466850">
+                  <a:extLst>
+                    <a:ext uri="{9D8B030D-6E8A-4147-A177-3AD203B41FA5}">
+                      <a16:colId xmlns:a16="http://schemas.microsoft.com/office/drawing/2014/main" val="20001"/>
+                    </a:ext>
+                  </a:extLst>
+                </a:gridCol>
+                <a:gridCol w="1527175">
+                  <a:extLst>
+                    <a:ext uri="{9D8B030D-6E8A-4147-A177-3AD203B41FA5}">
+                      <a16:colId xmlns:a16="http://schemas.microsoft.com/office/drawing/2014/main" val="20002"/>
+                    </a:ext>
+                  </a:extLst>
+                </a:gridCol>
+                <a:gridCol w="1527175">
+                  <a:extLst>
+                    <a:ext uri="{9D8B030D-6E8A-4147-A177-3AD203B41FA5}">
+                      <a16:colId xmlns:a16="http://schemas.microsoft.com/office/drawing/2014/main" val="20003"/>
+                    </a:ext>
+                  </a:extLst>
+                </a:gridCol>
+                <a:gridCol w="1527175">
+                  <a:extLst>
+                    <a:ext uri="{9D8B030D-6E8A-4147-A177-3AD203B41FA5}">
+                      <a16:colId xmlns:a16="http://schemas.microsoft.com/office/drawing/2014/main" val="20004"/>
+                    </a:ext>
+                  </a:extLst>
+                </a:gridCol>
               </a:tblGrid>
               <a:tr h="482623">
                 <a:tc>
@@ -9512,18 +9321,6 @@
                         </a:rPr>
                         <a:t>Sno</a:t>
                       </a:r>
-                      <a:endParaRPr kumimoji="0" lang="en-US" sz="2400" b="1" i="0" u="none" strike="noStrike" cap="none" normalizeH="0" baseline="0">
-                        <a:ln>
-                          <a:noFill/>
-                        </a:ln>
-                        <a:solidFill>
-                          <a:schemeClr val="tx1"/>
-                        </a:solidFill>
-                        <a:effectLst/>
-                        <a:latin typeface="Times New Roman" panose="02020603050405020304" pitchFamily="18" charset="0"/>
-                        <a:ea typeface="宋体" panose="02010600030101010101" pitchFamily="2" charset="-122"/>
-                        <a:sym typeface="Times New Roman" panose="02020603050405020304" pitchFamily="18" charset="0"/>
-                      </a:endParaRPr>
                     </a:p>
                   </a:txBody>
                   <a:tcPr marT="45123" marB="45123" horzOverflow="overflow">
@@ -9607,18 +9404,6 @@
                         </a:rPr>
                         <a:t>Sname</a:t>
                       </a:r>
-                      <a:endParaRPr kumimoji="0" lang="en-US" sz="2400" b="1" i="0" u="none" strike="noStrike" cap="none" normalizeH="0" baseline="0">
-                        <a:ln>
-                          <a:noFill/>
-                        </a:ln>
-                        <a:solidFill>
-                          <a:schemeClr val="tx1"/>
-                        </a:solidFill>
-                        <a:effectLst/>
-                        <a:latin typeface="Times New Roman" panose="02020603050405020304" pitchFamily="18" charset="0"/>
-                        <a:ea typeface="宋体" panose="02010600030101010101" pitchFamily="2" charset="-122"/>
-                        <a:sym typeface="Times New Roman" panose="02020603050405020304" pitchFamily="18" charset="0"/>
-                      </a:endParaRPr>
                     </a:p>
                   </a:txBody>
                   <a:tcPr marT="45123" marB="45123" horzOverflow="overflow">
@@ -9702,18 +9487,6 @@
                         </a:rPr>
                         <a:t>Ssex</a:t>
                       </a:r>
-                      <a:endParaRPr kumimoji="0" lang="en-US" sz="2400" b="1" i="0" u="none" strike="noStrike" cap="none" normalizeH="0" baseline="0">
-                        <a:ln>
-                          <a:noFill/>
-                        </a:ln>
-                        <a:solidFill>
-                          <a:schemeClr val="tx1"/>
-                        </a:solidFill>
-                        <a:effectLst/>
-                        <a:latin typeface="Times New Roman" panose="02020603050405020304" pitchFamily="18" charset="0"/>
-                        <a:ea typeface="宋体" panose="02010600030101010101" pitchFamily="2" charset="-122"/>
-                        <a:sym typeface="Times New Roman" panose="02020603050405020304" pitchFamily="18" charset="0"/>
-                      </a:endParaRPr>
                     </a:p>
                   </a:txBody>
                   <a:tcPr marT="45123" marB="45123" horzOverflow="overflow">
@@ -9797,18 +9570,6 @@
                         </a:rPr>
                         <a:t>Sage</a:t>
                       </a:r>
-                      <a:endParaRPr kumimoji="0" lang="en-US" sz="2400" b="1" i="0" u="none" strike="noStrike" cap="none" normalizeH="0" baseline="0">
-                        <a:ln>
-                          <a:noFill/>
-                        </a:ln>
-                        <a:solidFill>
-                          <a:schemeClr val="tx1"/>
-                        </a:solidFill>
-                        <a:effectLst/>
-                        <a:latin typeface="Times New Roman" panose="02020603050405020304" pitchFamily="18" charset="0"/>
-                        <a:ea typeface="宋体" panose="02010600030101010101" pitchFamily="2" charset="-122"/>
-                        <a:sym typeface="Times New Roman" panose="02020603050405020304" pitchFamily="18" charset="0"/>
-                      </a:endParaRPr>
                     </a:p>
                   </a:txBody>
                   <a:tcPr marT="45123" marB="45123" horzOverflow="overflow">
@@ -9892,18 +9653,6 @@
                         </a:rPr>
                         <a:t>Sdept</a:t>
                       </a:r>
-                      <a:endParaRPr kumimoji="0" lang="en-US" sz="2400" b="1" i="0" u="none" strike="noStrike" cap="none" normalizeH="0" baseline="0">
-                        <a:ln>
-                          <a:noFill/>
-                        </a:ln>
-                        <a:solidFill>
-                          <a:schemeClr val="tx1"/>
-                        </a:solidFill>
-                        <a:effectLst/>
-                        <a:latin typeface="Times New Roman" panose="02020603050405020304" pitchFamily="18" charset="0"/>
-                        <a:ea typeface="宋体" panose="02010600030101010101" pitchFamily="2" charset="-122"/>
-                        <a:sym typeface="Times New Roman" panose="02020603050405020304" pitchFamily="18" charset="0"/>
-                      </a:endParaRPr>
                     </a:p>
                   </a:txBody>
                   <a:tcPr marT="45123" marB="45123" horzOverflow="overflow">
@@ -9952,6 +9701,11 @@
                     <a:noFill/>
                   </a:tcPr>
                 </a:tc>
+                <a:extLst>
+                  <a:ext uri="{0D108BD9-81ED-4DB2-BD59-A6C34878D82A}">
+                    <a16:rowId xmlns:a16="http://schemas.microsoft.com/office/drawing/2014/main" val="10000"/>
+                  </a:ext>
+                </a:extLst>
               </a:tr>
               <a:tr h="451284">
                 <a:tc>
@@ -10104,18 +9858,6 @@
                         </a:rPr>
                         <a:t>张三</a:t>
                       </a:r>
-                      <a:endParaRPr kumimoji="0" lang="zh-CN" sz="2400" b="1" i="0" u="none" strike="noStrike" cap="none" normalizeH="0" baseline="0">
-                        <a:ln>
-                          <a:noFill/>
-                        </a:ln>
-                        <a:solidFill>
-                          <a:schemeClr val="tx1"/>
-                        </a:solidFill>
-                        <a:effectLst/>
-                        <a:latin typeface="Times New Roman" panose="02020603050405020304" pitchFamily="18" charset="0"/>
-                        <a:ea typeface="宋体" panose="02010600030101010101" pitchFamily="2" charset="-122"/>
-                        <a:sym typeface="Times New Roman" panose="02020603050405020304" pitchFamily="18" charset="0"/>
-                      </a:endParaRPr>
                     </a:p>
                   </a:txBody>
                   <a:tcPr marT="45123" marB="45123" horzOverflow="overflow">
@@ -10199,18 +9941,6 @@
                         </a:rPr>
                         <a:t>男</a:t>
                       </a:r>
-                      <a:endParaRPr kumimoji="0" lang="zh-CN" sz="2400" b="1" i="0" u="none" strike="noStrike" cap="none" normalizeH="0" baseline="0">
-                        <a:ln>
-                          <a:noFill/>
-                        </a:ln>
-                        <a:solidFill>
-                          <a:schemeClr val="tx1"/>
-                        </a:solidFill>
-                        <a:effectLst/>
-                        <a:latin typeface="Times New Roman" panose="02020603050405020304" pitchFamily="18" charset="0"/>
-                        <a:ea typeface="宋体" panose="02010600030101010101" pitchFamily="2" charset="-122"/>
-                        <a:sym typeface="Times New Roman" panose="02020603050405020304" pitchFamily="18" charset="0"/>
-                      </a:endParaRPr>
                     </a:p>
                   </a:txBody>
                   <a:tcPr marT="45123" marB="45123" horzOverflow="overflow">
@@ -10294,18 +10024,6 @@
                         </a:rPr>
                         <a:t>20</a:t>
                       </a:r>
-                      <a:endParaRPr kumimoji="0" lang="en-US" sz="2400" b="1" i="0" u="none" strike="noStrike" cap="none" normalizeH="0" baseline="0">
-                        <a:ln>
-                          <a:noFill/>
-                        </a:ln>
-                        <a:solidFill>
-                          <a:schemeClr val="tx1"/>
-                        </a:solidFill>
-                        <a:effectLst/>
-                        <a:latin typeface="Times New Roman" panose="02020603050405020304" pitchFamily="18" charset="0"/>
-                        <a:ea typeface="宋体" panose="02010600030101010101" pitchFamily="2" charset="-122"/>
-                        <a:sym typeface="Times New Roman" panose="02020603050405020304" pitchFamily="18" charset="0"/>
-                      </a:endParaRPr>
                     </a:p>
                   </a:txBody>
                   <a:tcPr marT="45123" marB="45123" horzOverflow="overflow">
@@ -10389,18 +10107,6 @@
                         </a:rPr>
                         <a:t>计算机系</a:t>
                       </a:r>
-                      <a:endParaRPr kumimoji="0" lang="zh-CN" sz="2400" b="1" i="0" u="none" strike="noStrike" cap="none" normalizeH="0" baseline="0">
-                        <a:ln>
-                          <a:noFill/>
-                        </a:ln>
-                        <a:solidFill>
-                          <a:schemeClr val="tx1"/>
-                        </a:solidFill>
-                        <a:effectLst/>
-                        <a:latin typeface="Times New Roman" panose="02020603050405020304" pitchFamily="18" charset="0"/>
-                        <a:ea typeface="宋体" panose="02010600030101010101" pitchFamily="2" charset="-122"/>
-                        <a:sym typeface="Times New Roman" panose="02020603050405020304" pitchFamily="18" charset="0"/>
-                      </a:endParaRPr>
                     </a:p>
                   </a:txBody>
                   <a:tcPr marT="45123" marB="45123" horzOverflow="overflow">
@@ -10449,6 +10155,11 @@
                     <a:noFill/>
                   </a:tcPr>
                 </a:tc>
+                <a:extLst>
+                  <a:ext uri="{0D108BD9-81ED-4DB2-BD59-A6C34878D82A}">
+                    <a16:rowId xmlns:a16="http://schemas.microsoft.com/office/drawing/2014/main" val="10001"/>
+                  </a:ext>
+                </a:extLst>
               </a:tr>
               <a:tr h="451284">
                 <a:tc>
@@ -10486,18 +10197,6 @@
                         </a:rPr>
                         <a:t>S1</a:t>
                       </a:r>
-                      <a:endParaRPr kumimoji="0" lang="en-US" sz="2400" b="1" i="0" u="none" strike="noStrike" cap="none" normalizeH="0" baseline="0">
-                        <a:ln>
-                          <a:noFill/>
-                        </a:ln>
-                        <a:solidFill>
-                          <a:schemeClr val="tx1"/>
-                        </a:solidFill>
-                        <a:effectLst/>
-                        <a:latin typeface="Times New Roman" panose="02020603050405020304" pitchFamily="18" charset="0"/>
-                        <a:ea typeface="宋体" panose="02010600030101010101" pitchFamily="2" charset="-122"/>
-                        <a:sym typeface="Times New Roman" panose="02020603050405020304" pitchFamily="18" charset="0"/>
-                      </a:endParaRPr>
                     </a:p>
                   </a:txBody>
                   <a:tcPr marT="45123" marB="45123" horzOverflow="overflow">
@@ -10581,18 +10280,6 @@
                         </a:rPr>
                         <a:t>李四</a:t>
                       </a:r>
-                      <a:endParaRPr kumimoji="0" lang="zh-CN" sz="2400" b="1" i="0" u="none" strike="noStrike" cap="none" normalizeH="0" baseline="0">
-                        <a:ln>
-                          <a:noFill/>
-                        </a:ln>
-                        <a:solidFill>
-                          <a:schemeClr val="tx1"/>
-                        </a:solidFill>
-                        <a:effectLst/>
-                        <a:latin typeface="Times New Roman" panose="02020603050405020304" pitchFamily="18" charset="0"/>
-                        <a:ea typeface="宋体" panose="02010600030101010101" pitchFamily="2" charset="-122"/>
-                        <a:sym typeface="Times New Roman" panose="02020603050405020304" pitchFamily="18" charset="0"/>
-                      </a:endParaRPr>
                     </a:p>
                   </a:txBody>
                   <a:tcPr marT="45123" marB="45123" horzOverflow="overflow">
@@ -10676,18 +10363,6 @@
                         </a:rPr>
                         <a:t>女</a:t>
                       </a:r>
-                      <a:endParaRPr kumimoji="0" lang="zh-CN" sz="2400" b="1" i="0" u="none" strike="noStrike" cap="none" normalizeH="0" baseline="0">
-                        <a:ln>
-                          <a:noFill/>
-                        </a:ln>
-                        <a:solidFill>
-                          <a:schemeClr val="tx1"/>
-                        </a:solidFill>
-                        <a:effectLst/>
-                        <a:latin typeface="Times New Roman" panose="02020603050405020304" pitchFamily="18" charset="0"/>
-                        <a:ea typeface="宋体" panose="02010600030101010101" pitchFamily="2" charset="-122"/>
-                        <a:sym typeface="Times New Roman" panose="02020603050405020304" pitchFamily="18" charset="0"/>
-                      </a:endParaRPr>
                     </a:p>
                   </a:txBody>
                   <a:tcPr marT="45123" marB="45123" horzOverflow="overflow">
@@ -10771,18 +10446,6 @@
                         </a:rPr>
                         <a:t>21</a:t>
                       </a:r>
-                      <a:endParaRPr kumimoji="0" lang="en-US" sz="2400" b="1" i="0" u="none" strike="noStrike" cap="none" normalizeH="0" baseline="0">
-                        <a:ln>
-                          <a:noFill/>
-                        </a:ln>
-                        <a:solidFill>
-                          <a:schemeClr val="tx1"/>
-                        </a:solidFill>
-                        <a:effectLst/>
-                        <a:latin typeface="Times New Roman" panose="02020603050405020304" pitchFamily="18" charset="0"/>
-                        <a:ea typeface="宋体" panose="02010600030101010101" pitchFamily="2" charset="-122"/>
-                        <a:sym typeface="Times New Roman" panose="02020603050405020304" pitchFamily="18" charset="0"/>
-                      </a:endParaRPr>
                     </a:p>
                   </a:txBody>
                   <a:tcPr marT="45123" marB="45123" horzOverflow="overflow">
@@ -10866,18 +10529,6 @@
                         </a:rPr>
                         <a:t>自动化系</a:t>
                       </a:r>
-                      <a:endParaRPr kumimoji="0" lang="zh-CN" sz="2400" b="1" i="0" u="none" strike="noStrike" cap="none" normalizeH="0" baseline="0">
-                        <a:ln>
-                          <a:noFill/>
-                        </a:ln>
-                        <a:solidFill>
-                          <a:schemeClr val="tx1"/>
-                        </a:solidFill>
-                        <a:effectLst/>
-                        <a:latin typeface="Times New Roman" panose="02020603050405020304" pitchFamily="18" charset="0"/>
-                        <a:ea typeface="宋体" panose="02010600030101010101" pitchFamily="2" charset="-122"/>
-                        <a:sym typeface="Times New Roman" panose="02020603050405020304" pitchFamily="18" charset="0"/>
-                      </a:endParaRPr>
                     </a:p>
                   </a:txBody>
                   <a:tcPr marT="45123" marB="45123" horzOverflow="overflow">
@@ -10926,6 +10577,11 @@
                     <a:noFill/>
                   </a:tcPr>
                 </a:tc>
+                <a:extLst>
+                  <a:ext uri="{0D108BD9-81ED-4DB2-BD59-A6C34878D82A}">
+                    <a16:rowId xmlns:a16="http://schemas.microsoft.com/office/drawing/2014/main" val="10002"/>
+                  </a:ext>
+                </a:extLst>
               </a:tr>
               <a:tr h="451284">
                 <a:tc>
@@ -10963,18 +10619,6 @@
                         </a:rPr>
                         <a:t>S3</a:t>
                       </a:r>
-                      <a:endParaRPr kumimoji="0" lang="en-US" sz="2400" b="1" i="0" u="none" strike="noStrike" cap="none" normalizeH="0" baseline="0">
-                        <a:ln>
-                          <a:noFill/>
-                        </a:ln>
-                        <a:solidFill>
-                          <a:schemeClr val="tx1"/>
-                        </a:solidFill>
-                        <a:effectLst/>
-                        <a:latin typeface="Times New Roman" panose="02020603050405020304" pitchFamily="18" charset="0"/>
-                        <a:ea typeface="宋体" panose="02010600030101010101" pitchFamily="2" charset="-122"/>
-                        <a:sym typeface="Times New Roman" panose="02020603050405020304" pitchFamily="18" charset="0"/>
-                      </a:endParaRPr>
                     </a:p>
                   </a:txBody>
                   <a:tcPr marT="45123" marB="45123" horzOverflow="overflow">
@@ -11058,18 +10702,6 @@
                         </a:rPr>
                         <a:t>王五</a:t>
                       </a:r>
-                      <a:endParaRPr kumimoji="0" lang="zh-CN" sz="2400" b="1" i="0" u="none" strike="noStrike" cap="none" normalizeH="0" baseline="0">
-                        <a:ln>
-                          <a:noFill/>
-                        </a:ln>
-                        <a:solidFill>
-                          <a:schemeClr val="tx1"/>
-                        </a:solidFill>
-                        <a:effectLst/>
-                        <a:latin typeface="Times New Roman" panose="02020603050405020304" pitchFamily="18" charset="0"/>
-                        <a:ea typeface="宋体" panose="02010600030101010101" pitchFamily="2" charset="-122"/>
-                        <a:sym typeface="Times New Roman" panose="02020603050405020304" pitchFamily="18" charset="0"/>
-                      </a:endParaRPr>
                     </a:p>
                   </a:txBody>
                   <a:tcPr marT="45123" marB="45123" horzOverflow="overflow">
@@ -11153,18 +10785,6 @@
                         </a:rPr>
                         <a:t>男</a:t>
                       </a:r>
-                      <a:endParaRPr kumimoji="0" lang="zh-CN" sz="2400" b="1" i="0" u="none" strike="noStrike" cap="none" normalizeH="0" baseline="0">
-                        <a:ln>
-                          <a:noFill/>
-                        </a:ln>
-                        <a:solidFill>
-                          <a:schemeClr val="tx1"/>
-                        </a:solidFill>
-                        <a:effectLst/>
-                        <a:latin typeface="Times New Roman" panose="02020603050405020304" pitchFamily="18" charset="0"/>
-                        <a:ea typeface="宋体" panose="02010600030101010101" pitchFamily="2" charset="-122"/>
-                        <a:sym typeface="Times New Roman" panose="02020603050405020304" pitchFamily="18" charset="0"/>
-                      </a:endParaRPr>
                     </a:p>
                   </a:txBody>
                   <a:tcPr marT="45123" marB="45123" horzOverflow="overflow">
@@ -11248,18 +10868,6 @@
                         </a:rPr>
                         <a:t>20</a:t>
                       </a:r>
-                      <a:endParaRPr kumimoji="0" lang="en-US" sz="2400" b="1" i="0" u="none" strike="noStrike" cap="none" normalizeH="0" baseline="0">
-                        <a:ln>
-                          <a:noFill/>
-                        </a:ln>
-                        <a:solidFill>
-                          <a:schemeClr val="tx1"/>
-                        </a:solidFill>
-                        <a:effectLst/>
-                        <a:latin typeface="Times New Roman" panose="02020603050405020304" pitchFamily="18" charset="0"/>
-                        <a:ea typeface="宋体" panose="02010600030101010101" pitchFamily="2" charset="-122"/>
-                        <a:sym typeface="Times New Roman" panose="02020603050405020304" pitchFamily="18" charset="0"/>
-                      </a:endParaRPr>
                     </a:p>
                   </a:txBody>
                   <a:tcPr marT="45123" marB="45123" horzOverflow="overflow">
@@ -11343,18 +10951,6 @@
                         </a:rPr>
                         <a:t>计算机系</a:t>
                       </a:r>
-                      <a:endParaRPr kumimoji="0" lang="zh-CN" sz="2400" b="1" i="0" u="none" strike="noStrike" cap="none" normalizeH="0" baseline="0">
-                        <a:ln>
-                          <a:noFill/>
-                        </a:ln>
-                        <a:solidFill>
-                          <a:schemeClr val="tx1"/>
-                        </a:solidFill>
-                        <a:effectLst/>
-                        <a:latin typeface="Times New Roman" panose="02020603050405020304" pitchFamily="18" charset="0"/>
-                        <a:ea typeface="宋体" panose="02010600030101010101" pitchFamily="2" charset="-122"/>
-                        <a:sym typeface="Times New Roman" panose="02020603050405020304" pitchFamily="18" charset="0"/>
-                      </a:endParaRPr>
                     </a:p>
                   </a:txBody>
                   <a:tcPr marT="45123" marB="45123" horzOverflow="overflow">
@@ -11403,6 +10999,11 @@
                     <a:noFill/>
                   </a:tcPr>
                 </a:tc>
+                <a:extLst>
+                  <a:ext uri="{0D108BD9-81ED-4DB2-BD59-A6C34878D82A}">
+                    <a16:rowId xmlns:a16="http://schemas.microsoft.com/office/drawing/2014/main" val="10003"/>
+                  </a:ext>
+                </a:extLst>
               </a:tr>
               <a:tr h="451284">
                 <a:tc>
@@ -11440,18 +11041,6 @@
                         </a:rPr>
                         <a:t>S4</a:t>
                       </a:r>
-                      <a:endParaRPr kumimoji="0" lang="en-US" sz="2400" b="1" i="0" u="none" strike="noStrike" cap="none" normalizeH="0" baseline="0">
-                        <a:ln>
-                          <a:noFill/>
-                        </a:ln>
-                        <a:solidFill>
-                          <a:schemeClr val="tx1"/>
-                        </a:solidFill>
-                        <a:effectLst/>
-                        <a:latin typeface="Times New Roman" panose="02020603050405020304" pitchFamily="18" charset="0"/>
-                        <a:ea typeface="宋体" panose="02010600030101010101" pitchFamily="2" charset="-122"/>
-                        <a:sym typeface="Times New Roman" panose="02020603050405020304" pitchFamily="18" charset="0"/>
-                      </a:endParaRPr>
                     </a:p>
                   </a:txBody>
                   <a:tcPr marT="45123" marB="45123" horzOverflow="overflow">
@@ -11535,18 +11124,6 @@
                         </a:rPr>
                         <a:t>赵六</a:t>
                       </a:r>
-                      <a:endParaRPr kumimoji="0" lang="zh-CN" sz="2400" b="1" i="0" u="none" strike="noStrike" cap="none" normalizeH="0" baseline="0">
-                        <a:ln>
-                          <a:noFill/>
-                        </a:ln>
-                        <a:solidFill>
-                          <a:schemeClr val="tx1"/>
-                        </a:solidFill>
-                        <a:effectLst/>
-                        <a:latin typeface="Times New Roman" panose="02020603050405020304" pitchFamily="18" charset="0"/>
-                        <a:ea typeface="宋体" panose="02010600030101010101" pitchFamily="2" charset="-122"/>
-                        <a:sym typeface="Times New Roman" panose="02020603050405020304" pitchFamily="18" charset="0"/>
-                      </a:endParaRPr>
                     </a:p>
                   </a:txBody>
                   <a:tcPr marT="45123" marB="45123" horzOverflow="overflow">
@@ -11630,18 +11207,6 @@
                         </a:rPr>
                         <a:t>男</a:t>
                       </a:r>
-                      <a:endParaRPr kumimoji="0" lang="zh-CN" sz="2400" b="1" i="0" u="none" strike="noStrike" cap="none" normalizeH="0" baseline="0">
-                        <a:ln>
-                          <a:noFill/>
-                        </a:ln>
-                        <a:solidFill>
-                          <a:schemeClr val="tx1"/>
-                        </a:solidFill>
-                        <a:effectLst/>
-                        <a:latin typeface="Times New Roman" panose="02020603050405020304" pitchFamily="18" charset="0"/>
-                        <a:ea typeface="宋体" panose="02010600030101010101" pitchFamily="2" charset="-122"/>
-                        <a:sym typeface="Times New Roman" panose="02020603050405020304" pitchFamily="18" charset="0"/>
-                      </a:endParaRPr>
                     </a:p>
                   </a:txBody>
                   <a:tcPr marT="45123" marB="45123" horzOverflow="overflow">
@@ -11725,18 +11290,6 @@
                         </a:rPr>
                         <a:t>21</a:t>
                       </a:r>
-                      <a:endParaRPr kumimoji="0" lang="en-US" sz="2400" b="1" i="0" u="none" strike="noStrike" cap="none" normalizeH="0" baseline="0">
-                        <a:ln>
-                          <a:noFill/>
-                        </a:ln>
-                        <a:solidFill>
-                          <a:schemeClr val="tx1"/>
-                        </a:solidFill>
-                        <a:effectLst/>
-                        <a:latin typeface="Times New Roman" panose="02020603050405020304" pitchFamily="18" charset="0"/>
-                        <a:ea typeface="宋体" panose="02010600030101010101" pitchFamily="2" charset="-122"/>
-                        <a:sym typeface="Times New Roman" panose="02020603050405020304" pitchFamily="18" charset="0"/>
-                      </a:endParaRPr>
                     </a:p>
                   </a:txBody>
                   <a:tcPr marT="45123" marB="45123" horzOverflow="overflow">
@@ -11820,18 +11373,6 @@
                         </a:rPr>
                         <a:t>计算机系</a:t>
                       </a:r>
-                      <a:endParaRPr kumimoji="0" lang="zh-CN" sz="2400" b="1" i="0" u="none" strike="noStrike" cap="none" normalizeH="0" baseline="0">
-                        <a:ln>
-                          <a:noFill/>
-                        </a:ln>
-                        <a:solidFill>
-                          <a:schemeClr val="tx1"/>
-                        </a:solidFill>
-                        <a:effectLst/>
-                        <a:latin typeface="Times New Roman" panose="02020603050405020304" pitchFamily="18" charset="0"/>
-                        <a:ea typeface="宋体" panose="02010600030101010101" pitchFamily="2" charset="-122"/>
-                        <a:sym typeface="Times New Roman" panose="02020603050405020304" pitchFamily="18" charset="0"/>
-                      </a:endParaRPr>
                     </a:p>
                   </a:txBody>
                   <a:tcPr marT="45123" marB="45123" horzOverflow="overflow">
@@ -11880,6 +11421,11 @@
                     <a:noFill/>
                   </a:tcPr>
                 </a:tc>
+                <a:extLst>
+                  <a:ext uri="{0D108BD9-81ED-4DB2-BD59-A6C34878D82A}">
+                    <a16:rowId xmlns:a16="http://schemas.microsoft.com/office/drawing/2014/main" val="10004"/>
+                  </a:ext>
+                </a:extLst>
               </a:tr>
               <a:tr h="451284">
                 <a:tc>
@@ -11917,18 +11463,6 @@
                         </a:rPr>
                         <a:t>S5</a:t>
                       </a:r>
-                      <a:endParaRPr kumimoji="0" lang="en-US" sz="2400" b="1" i="0" u="none" strike="noStrike" cap="none" normalizeH="0" baseline="0">
-                        <a:ln>
-                          <a:noFill/>
-                        </a:ln>
-                        <a:solidFill>
-                          <a:schemeClr val="tx1"/>
-                        </a:solidFill>
-                        <a:effectLst/>
-                        <a:latin typeface="Times New Roman" panose="02020603050405020304" pitchFamily="18" charset="0"/>
-                        <a:ea typeface="宋体" panose="02010600030101010101" pitchFamily="2" charset="-122"/>
-                        <a:sym typeface="Times New Roman" panose="02020603050405020304" pitchFamily="18" charset="0"/>
-                      </a:endParaRPr>
                     </a:p>
                   </a:txBody>
                   <a:tcPr marT="45123" marB="45123" horzOverflow="overflow">
@@ -12012,18 +11546,6 @@
                         </a:rPr>
                         <a:t>田七</a:t>
                       </a:r>
-                      <a:endParaRPr kumimoji="0" lang="zh-CN" sz="2400" b="1" i="0" u="none" strike="noStrike" cap="none" normalizeH="0" baseline="0">
-                        <a:ln>
-                          <a:noFill/>
-                        </a:ln>
-                        <a:solidFill>
-                          <a:schemeClr val="tx1"/>
-                        </a:solidFill>
-                        <a:effectLst/>
-                        <a:latin typeface="Times New Roman" panose="02020603050405020304" pitchFamily="18" charset="0"/>
-                        <a:ea typeface="宋体" panose="02010600030101010101" pitchFamily="2" charset="-122"/>
-                        <a:sym typeface="Times New Roman" panose="02020603050405020304" pitchFamily="18" charset="0"/>
-                      </a:endParaRPr>
                     </a:p>
                   </a:txBody>
                   <a:tcPr marT="45123" marB="45123" horzOverflow="overflow">
@@ -12112,18 +11634,6 @@
                         </a:rPr>
                         <a:t>男</a:t>
                       </a:r>
-                      <a:endParaRPr kumimoji="0" lang="zh-CN" sz="2400" b="1" i="0" u="none" strike="noStrike" cap="none" normalizeH="0" baseline="0">
-                        <a:ln>
-                          <a:noFill/>
-                        </a:ln>
-                        <a:solidFill>
-                          <a:schemeClr val="tx1"/>
-                        </a:solidFill>
-                        <a:effectLst/>
-                        <a:latin typeface="Times New Roman" panose="02020603050405020304" pitchFamily="18" charset="0"/>
-                        <a:ea typeface="宋体" panose="02010600030101010101" pitchFamily="2" charset="-122"/>
-                        <a:sym typeface="Times New Roman" panose="02020603050405020304" pitchFamily="18" charset="0"/>
-                      </a:endParaRPr>
                     </a:p>
                   </a:txBody>
                   <a:tcPr marT="45123" marB="45123" horzOverflow="overflow">
@@ -12207,18 +11717,6 @@
                         </a:rPr>
                         <a:t>20</a:t>
                       </a:r>
-                      <a:endParaRPr kumimoji="0" lang="en-US" sz="2400" b="1" i="0" u="none" strike="noStrike" cap="none" normalizeH="0" baseline="0">
-                        <a:ln>
-                          <a:noFill/>
-                        </a:ln>
-                        <a:solidFill>
-                          <a:schemeClr val="tx1"/>
-                        </a:solidFill>
-                        <a:effectLst/>
-                        <a:latin typeface="Times New Roman" panose="02020603050405020304" pitchFamily="18" charset="0"/>
-                        <a:ea typeface="宋体" panose="02010600030101010101" pitchFamily="2" charset="-122"/>
-                        <a:sym typeface="Times New Roman" panose="02020603050405020304" pitchFamily="18" charset="0"/>
-                      </a:endParaRPr>
                     </a:p>
                   </a:txBody>
                   <a:tcPr marT="45123" marB="45123" horzOverflow="overflow">
@@ -12302,18 +11800,6 @@
                         </a:rPr>
                         <a:t>计算机系</a:t>
                       </a:r>
-                      <a:endParaRPr kumimoji="0" lang="zh-CN" sz="2400" b="1" i="0" u="none" strike="noStrike" cap="none" normalizeH="0" baseline="0">
-                        <a:ln>
-                          <a:noFill/>
-                        </a:ln>
-                        <a:solidFill>
-                          <a:schemeClr val="tx1"/>
-                        </a:solidFill>
-                        <a:effectLst/>
-                        <a:latin typeface="Times New Roman" panose="02020603050405020304" pitchFamily="18" charset="0"/>
-                        <a:ea typeface="宋体" panose="02010600030101010101" pitchFamily="2" charset="-122"/>
-                        <a:sym typeface="Times New Roman" panose="02020603050405020304" pitchFamily="18" charset="0"/>
-                      </a:endParaRPr>
                     </a:p>
                   </a:txBody>
                   <a:tcPr marT="45123" marB="45123" horzOverflow="overflow">
@@ -12362,6 +11848,11 @@
                     <a:noFill/>
                   </a:tcPr>
                 </a:tc>
+                <a:extLst>
+                  <a:ext uri="{0D108BD9-81ED-4DB2-BD59-A6C34878D82A}">
+                    <a16:rowId xmlns:a16="http://schemas.microsoft.com/office/drawing/2014/main" val="10005"/>
+                  </a:ext>
+                </a:extLst>
               </a:tr>
               <a:tr h="602643">
                 <a:tc>
@@ -13309,6 +12800,11 @@
                     <a:noFill/>
                   </a:tcPr>
                 </a:tc>
+                <a:extLst>
+                  <a:ext uri="{0D108BD9-81ED-4DB2-BD59-A6C34878D82A}">
+                    <a16:rowId xmlns:a16="http://schemas.microsoft.com/office/drawing/2014/main" val="10006"/>
+                  </a:ext>
+                </a:extLst>
               </a:tr>
             </a:tbl>
           </a:graphicData>
@@ -13705,9 +13201,6 @@
               </a:rPr>
               <a:t> 平凡函数依赖与非平凡函数依赖</a:t>
             </a:r>
-            <a:endParaRPr lang="zh-CN" altLang="en-US" sz="3600">
-              <a:sym typeface="微软雅黑" panose="020B0503020204020204" pitchFamily="34" charset="-122"/>
-            </a:endParaRPr>
           </a:p>
         </p:txBody>
       </p:sp>
@@ -13823,9 +13316,6 @@
               </a:rPr>
               <a:t>。</a:t>
             </a:r>
-            <a:endParaRPr lang="zh-CN" altLang="en-US" dirty="0">
-              <a:sym typeface="Calibri" panose="020F0502020204030204" pitchFamily="34" charset="0"/>
-            </a:endParaRPr>
           </a:p>
           <a:p>
             <a:pPr>
@@ -13926,9 +13416,6 @@
               </a:rPr>
               <a:t>。</a:t>
             </a:r>
-            <a:endParaRPr lang="zh-CN" altLang="en-US" dirty="0">
-              <a:sym typeface="Calibri" panose="020F0502020204030204" pitchFamily="34" charset="0"/>
-            </a:endParaRPr>
           </a:p>
           <a:p>
             <a:pPr lvl="1" indent="-285750"/>
@@ -14342,9 +13829,6 @@
               </a:rPr>
               <a:t>平凡函数依赖与非平凡函数依赖（续）</a:t>
             </a:r>
-            <a:endParaRPr lang="zh-CN" altLang="en-US" sz="3600">
-              <a:sym typeface="微软雅黑" panose="020B0503020204020204" pitchFamily="34" charset="-122"/>
-            </a:endParaRPr>
           </a:p>
         </p:txBody>
       </p:sp>
@@ -14430,15 +13914,6 @@
               </a:rPr>
               <a:t>决定因素</a:t>
             </a:r>
-            <a:endParaRPr lang="zh-CN" altLang="en-US" dirty="0">
-              <a:solidFill>
-                <a:srgbClr val="FF00FF"/>
-              </a:solidFill>
-              <a:highlight>
-                <a:srgbClr val="FFFF00"/>
-              </a:highlight>
-              <a:sym typeface="Calibri" panose="020F0502020204030204" pitchFamily="34" charset="0"/>
-            </a:endParaRPr>
           </a:p>
           <a:p>
             <a:pPr>
@@ -14534,9 +14009,6 @@
               </a:rPr>
               <a:t>。</a:t>
             </a:r>
-            <a:endParaRPr lang="zh-CN" altLang="en-US" dirty="0">
-              <a:sym typeface="Calibri" panose="020F0502020204030204" pitchFamily="34" charset="0"/>
-            </a:endParaRPr>
           </a:p>
           <a:p>
             <a:pPr>
@@ -14799,9 +14271,6 @@
               </a:rPr>
               <a:t> 完全函数依赖与部分函数依赖</a:t>
             </a:r>
-            <a:endParaRPr lang="zh-CN" altLang="en-US" sz="3600">
-              <a:sym typeface="微软雅黑" panose="020B0503020204020204" pitchFamily="34" charset="-122"/>
-            </a:endParaRPr>
           </a:p>
         </p:txBody>
       </p:sp>
@@ -14857,12 +14326,6 @@
               </a:rPr>
               <a:t>6.2 】</a:t>
             </a:r>
-            <a:endParaRPr lang="en-US" altLang="zh-CN" dirty="0">
-              <a:highlight>
-                <a:srgbClr val="FFFF00"/>
-              </a:highlight>
-              <a:sym typeface="Calibri" panose="020F0502020204030204" pitchFamily="34" charset="0"/>
-            </a:endParaRPr>
           </a:p>
           <a:p>
             <a:pPr>
@@ -15199,9 +14662,6 @@
               </a:rPr>
               <a:t>Y</a:t>
             </a:r>
-            <a:endParaRPr lang="en-US" altLang="zh-CN" i="1" dirty="0">
-              <a:sym typeface="Calibri" panose="020F0502020204030204" pitchFamily="34" charset="0"/>
-            </a:endParaRPr>
           </a:p>
         </p:txBody>
       </p:sp>
@@ -15265,14 +14725,6 @@
               </a:rPr>
               <a:t>F</a:t>
             </a:r>
-            <a:endParaRPr lang="en-US" altLang="zh-CN" b="1" i="1" dirty="0">
-              <a:solidFill>
-                <a:srgbClr val="000000"/>
-              </a:solidFill>
-              <a:latin typeface="Times New Roman" panose="02020603050405020304" pitchFamily="18" charset="0"/>
-              <a:ea typeface="黑体" panose="02010609060101010101" pitchFamily="49" charset="-122"/>
-              <a:sym typeface="Times New Roman" panose="02020603050405020304" pitchFamily="18" charset="0"/>
-            </a:endParaRPr>
           </a:p>
         </p:txBody>
       </p:sp>
@@ -15336,14 +14788,6 @@
               </a:rPr>
               <a:t>P</a:t>
             </a:r>
-            <a:endParaRPr lang="en-US" altLang="zh-CN" sz="2000" b="1" i="1">
-              <a:solidFill>
-                <a:srgbClr val="000000"/>
-              </a:solidFill>
-              <a:latin typeface="Times New Roman" panose="02020603050405020304" pitchFamily="18" charset="0"/>
-              <a:ea typeface="黑体" panose="02010609060101010101" pitchFamily="49" charset="-122"/>
-              <a:sym typeface="Times New Roman" panose="02020603050405020304" pitchFamily="18" charset="0"/>
-            </a:endParaRPr>
           </a:p>
         </p:txBody>
       </p:sp>
@@ -15433,14 +14877,6 @@
               </a:rPr>
               <a:t>*</a:t>
             </a:r>
-            <a:endParaRPr lang="zh-CN" altLang="en-US" sz="1400" b="1">
-              <a:solidFill>
-                <a:srgbClr val="953734"/>
-              </a:solidFill>
-              <a:latin typeface="微软雅黑" panose="020B0503020204020204" pitchFamily="34" charset="-122"/>
-              <a:ea typeface="微软雅黑" panose="020B0503020204020204" pitchFamily="34" charset="-122"/>
-              <a:sym typeface="微软雅黑" panose="020B0503020204020204" pitchFamily="34" charset="-122"/>
-            </a:endParaRPr>
           </a:p>
         </p:txBody>
       </p:sp>
@@ -15530,9 +14966,6 @@
               </a:rPr>
               <a:t>完全函数依赖与部分函数依赖（续）</a:t>
             </a:r>
-            <a:endParaRPr lang="zh-CN" altLang="en-US" sz="3600">
-              <a:sym typeface="微软雅黑" panose="020B0503020204020204" pitchFamily="34" charset="-122"/>
-            </a:endParaRPr>
           </a:p>
         </p:txBody>
       </p:sp>
@@ -15621,9 +15054,6 @@
               </a:rPr>
               <a:t>中，有：</a:t>
             </a:r>
-            <a:endParaRPr lang="zh-CN" altLang="en-US" dirty="0">
-              <a:sym typeface="Calibri" panose="020F0502020204030204" pitchFamily="34" charset="0"/>
-            </a:endParaRPr>
           </a:p>
           <a:p>
             <a:pPr lvl="1" indent="-285750" algn="l">
@@ -15673,9 +15103,6 @@
               </a:rPr>
               <a:t>， </a:t>
             </a:r>
-            <a:endParaRPr lang="zh-CN" altLang="en-US" dirty="0">
-              <a:sym typeface="Calibri" panose="020F0502020204030204" pitchFamily="34" charset="0"/>
-            </a:endParaRPr>
           </a:p>
           <a:p>
             <a:pPr>
@@ -15895,14 +15322,6 @@
               </a:rPr>
               <a:t>F</a:t>
             </a:r>
-            <a:endParaRPr lang="en-US" altLang="zh-CN" b="1">
-              <a:solidFill>
-                <a:srgbClr val="000000"/>
-              </a:solidFill>
-              <a:latin typeface="Times New Roman" panose="02020603050405020304" pitchFamily="18" charset="0"/>
-              <a:ea typeface="黑体" panose="02010609060101010101" pitchFamily="49" charset="-122"/>
-              <a:sym typeface="Times New Roman" panose="02020603050405020304" pitchFamily="18" charset="0"/>
-            </a:endParaRPr>
           </a:p>
         </p:txBody>
       </p:sp>
@@ -15966,14 +15385,6 @@
               </a:rPr>
               <a:t>P</a:t>
             </a:r>
-            <a:endParaRPr lang="en-US" altLang="zh-CN" b="1">
-              <a:solidFill>
-                <a:srgbClr val="000000"/>
-              </a:solidFill>
-              <a:latin typeface="Times New Roman" panose="02020603050405020304" pitchFamily="18" charset="0"/>
-              <a:ea typeface="黑体" panose="02010609060101010101" pitchFamily="49" charset="-122"/>
-              <a:sym typeface="Times New Roman" panose="02020603050405020304" pitchFamily="18" charset="0"/>
-            </a:endParaRPr>
           </a:p>
         </p:txBody>
       </p:sp>
@@ -16037,14 +15448,6 @@
               </a:rPr>
               <a:t>P</a:t>
             </a:r>
-            <a:endParaRPr lang="en-US" altLang="zh-CN" b="1">
-              <a:solidFill>
-                <a:srgbClr val="000000"/>
-              </a:solidFill>
-              <a:latin typeface="Times New Roman" panose="02020603050405020304" pitchFamily="18" charset="0"/>
-              <a:ea typeface="黑体" panose="02010609060101010101" pitchFamily="49" charset="-122"/>
-              <a:sym typeface="Times New Roman" panose="02020603050405020304" pitchFamily="18" charset="0"/>
-            </a:endParaRPr>
           </a:p>
         </p:txBody>
       </p:sp>
@@ -16291,12 +15694,6 @@
               </a:rPr>
               <a:t>6.3 】</a:t>
             </a:r>
-            <a:endParaRPr lang="en-US" altLang="zh-CN" dirty="0">
-              <a:highlight>
-                <a:srgbClr val="FFFF00"/>
-              </a:highlight>
-              <a:sym typeface="Calibri" panose="020F0502020204030204" pitchFamily="34" charset="0"/>
-            </a:endParaRPr>
           </a:p>
           <a:p>
             <a:pPr>
@@ -16834,13 +16231,6 @@
               </a:rPr>
               <a:t>传递</a:t>
             </a:r>
-            <a:endParaRPr lang="zh-CN" altLang="en-US" sz="1600" b="1" dirty="0">
-              <a:solidFill>
-                <a:srgbClr val="000000"/>
-              </a:solidFill>
-              <a:latin typeface="Times New Roman" panose="02020603050405020304" pitchFamily="18" charset="0"/>
-              <a:sym typeface="Times New Roman" panose="02020603050405020304" pitchFamily="18" charset="0"/>
-            </a:endParaRPr>
           </a:p>
         </p:txBody>
       </p:sp>
@@ -16943,9 +16333,6 @@
               </a:rPr>
               <a:t>函数依赖</a:t>
             </a:r>
-            <a:endParaRPr lang="zh-CN" altLang="en-US">
-              <a:sym typeface="Calibri" panose="020F0502020204030204" pitchFamily="34" charset="0"/>
-            </a:endParaRPr>
           </a:p>
           <a:p>
             <a:pPr>
@@ -16971,12 +16358,6 @@
               </a:rPr>
               <a:t>码</a:t>
             </a:r>
-            <a:endParaRPr lang="zh-CN" altLang="en-US">
-              <a:solidFill>
-                <a:srgbClr val="00B050"/>
-              </a:solidFill>
-              <a:sym typeface="Calibri" panose="020F0502020204030204" pitchFamily="34" charset="0"/>
-            </a:endParaRPr>
           </a:p>
           <a:p>
             <a:pPr>
@@ -16996,9 +16377,6 @@
               </a:rPr>
               <a:t>范式</a:t>
             </a:r>
-            <a:endParaRPr lang="zh-CN" altLang="en-US">
-              <a:sym typeface="Calibri" panose="020F0502020204030204" pitchFamily="34" charset="0"/>
-            </a:endParaRPr>
           </a:p>
           <a:p>
             <a:pPr>
@@ -17066,9 +16444,6 @@
               </a:rPr>
               <a:t>多值依赖</a:t>
             </a:r>
-            <a:endParaRPr lang="zh-CN" altLang="en-US">
-              <a:sym typeface="Calibri" panose="020F0502020204030204" pitchFamily="34" charset="0"/>
-            </a:endParaRPr>
           </a:p>
           <a:p>
             <a:pPr>
@@ -17351,12 +16726,6 @@
               </a:rPr>
               <a:t>6.4 】</a:t>
             </a:r>
-            <a:endParaRPr lang="en-US" altLang="zh-CN" dirty="0">
-              <a:highlight>
-                <a:srgbClr val="FFFF00"/>
-              </a:highlight>
-              <a:sym typeface="Calibri" panose="020F0502020204030204" pitchFamily="34" charset="0"/>
-            </a:endParaRPr>
           </a:p>
           <a:p>
             <a:pPr>
@@ -17616,9 +16985,6 @@
               </a:rPr>
               <a:t> 。</a:t>
             </a:r>
-            <a:endParaRPr lang="zh-CN" altLang="en-US" dirty="0">
-              <a:sym typeface="Calibri" panose="020F0502020204030204" pitchFamily="34" charset="0"/>
-            </a:endParaRPr>
           </a:p>
           <a:p>
             <a:pPr lvl="1" indent="-285750" algn="l">
@@ -17769,14 +17135,6 @@
               </a:rPr>
               <a:t>F</a:t>
             </a:r>
-            <a:endParaRPr lang="en-US" altLang="zh-CN" sz="2000" b="1" i="1" dirty="0">
-              <a:solidFill>
-                <a:srgbClr val="000000"/>
-              </a:solidFill>
-              <a:latin typeface="Times New Roman" panose="02020603050405020304" pitchFamily="18" charset="0"/>
-              <a:ea typeface="黑体" panose="02010609060101010101" pitchFamily="49" charset="-122"/>
-              <a:sym typeface="Times New Roman" panose="02020603050405020304" pitchFamily="18" charset="0"/>
-            </a:endParaRPr>
           </a:p>
         </p:txBody>
       </p:sp>
@@ -17886,7 +17244,7 @@
           <p:nvPr/>
         </p:nvPicPr>
         <p:blipFill>
-          <a:blip r:embed="rId1">
+          <a:blip r:embed="rId2">
             <a:extLst>
               <a:ext uri="{28A0092B-C50C-407E-A947-70E740481C1C}">
                 <a14:useLocalDpi xmlns:a14="http://schemas.microsoft.com/office/drawing/2010/main" val="0"/>
@@ -17917,7 +17275,7 @@
           <p:nvPr/>
         </p:nvPicPr>
         <p:blipFill>
-          <a:blip r:embed="rId2">
+          <a:blip r:embed="rId3">
             <a:extLst>
               <a:ext uri="{28A0092B-C50C-407E-A947-70E740481C1C}">
                 <a14:useLocalDpi xmlns:a14="http://schemas.microsoft.com/office/drawing/2010/main" val="0"/>
@@ -17947,7 +17305,7 @@
           <p:nvPr/>
         </p:nvPicPr>
         <p:blipFill>
-          <a:blip r:embed="rId3">
+          <a:blip r:embed="rId4">
             <a:extLst>
               <a:ext uri="{28A0092B-C50C-407E-A947-70E740481C1C}">
                 <a14:useLocalDpi xmlns:a14="http://schemas.microsoft.com/office/drawing/2010/main" val="0"/>
@@ -18082,13 +17440,6 @@
               </a:rPr>
               <a:t>祝贺大家顺利完成“第一篇 基础篇”</a:t>
             </a:r>
-            <a:endParaRPr lang="zh-CN" altLang="en-US" sz="3600" dirty="0">
-              <a:solidFill>
-                <a:srgbClr val="FFFFFF"/>
-              </a:solidFill>
-              <a:latin typeface="黑体" panose="02010609060101010101" pitchFamily="49" charset="-122"/>
-              <a:ea typeface="黑体" panose="02010609060101010101" pitchFamily="49" charset="-122"/>
-            </a:endParaRPr>
           </a:p>
         </p:txBody>
       </p:sp>
@@ -18307,9 +17658,6 @@
               </a:rPr>
               <a:t>主属性与非主属性</a:t>
             </a:r>
-            <a:endParaRPr lang="zh-CN" altLang="en-US" dirty="0">
-              <a:sym typeface="Calibri" panose="020F0502020204030204" pitchFamily="34" charset="0"/>
-            </a:endParaRPr>
           </a:p>
           <a:p>
             <a:pPr lvl="1" indent="-285750" algn="l">
@@ -18353,9 +17701,6 @@
               </a:rPr>
               <a:t> </a:t>
             </a:r>
-            <a:endParaRPr lang="zh-CN" altLang="en-US" dirty="0">
-              <a:sym typeface="Calibri" panose="020F0502020204030204" pitchFamily="34" charset="0"/>
-            </a:endParaRPr>
           </a:p>
           <a:p>
             <a:pPr lvl="1" indent="-285750" algn="l">
@@ -18378,12 +17723,6 @@
               </a:rPr>
               <a:t>非主属性</a:t>
             </a:r>
-            <a:endParaRPr lang="zh-CN" altLang="en-US" dirty="0">
-              <a:solidFill>
-                <a:srgbClr val="0066FF"/>
-              </a:solidFill>
-              <a:sym typeface="Calibri" panose="020F0502020204030204" pitchFamily="34" charset="0"/>
-            </a:endParaRPr>
           </a:p>
           <a:p>
             <a:pPr lvl="1" indent="-285750" algn="l">
@@ -18397,9 +17736,6 @@
               </a:rPr>
               <a:t> </a:t>
             </a:r>
-            <a:endParaRPr lang="zh-CN" altLang="en-US" dirty="0">
-              <a:sym typeface="Calibri" panose="020F0502020204030204" pitchFamily="34" charset="0"/>
-            </a:endParaRPr>
           </a:p>
           <a:p>
             <a:pPr>
@@ -18741,9 +18077,6 @@
               </a:rPr>
               <a:t>是码</a:t>
             </a:r>
-            <a:endParaRPr lang="zh-CN" altLang="en-US" sz="2400" noProof="1">
-              <a:sym typeface="Calibri" panose="020F0502020204030204" pitchFamily="34" charset="0"/>
-            </a:endParaRPr>
           </a:p>
           <a:p>
             <a:pPr>
@@ -18899,11 +18232,6 @@
               </a:rPr>
               <a:t> </a:t>
             </a:r>
-            <a:endParaRPr lang="zh-CN" altLang="en-US" sz="2050" b="0" noProof="1">
-              <a:latin typeface="Times New Roman" panose="02020603050405020304" pitchFamily="18" charset="0"/>
-              <a:cs typeface="+mn-ea"/>
-              <a:sym typeface="Times New Roman" panose="02020603050405020304" pitchFamily="18" charset="0"/>
-            </a:endParaRPr>
           </a:p>
           <a:p>
             <a:pPr lvl="1" algn="l">
@@ -18975,14 +18303,6 @@
               </a:rPr>
               <a:t>All-Key </a:t>
             </a:r>
-            <a:endParaRPr lang="en-US" altLang="zh-CN" noProof="1">
-              <a:solidFill>
-                <a:srgbClr val="FF0000"/>
-              </a:solidFill>
-              <a:latin typeface="Times New Roman" panose="02020603050405020304" pitchFamily="18" charset="0"/>
-              <a:cs typeface="+mn-ea"/>
-              <a:sym typeface="Times New Roman" panose="02020603050405020304" pitchFamily="18" charset="0"/>
-            </a:endParaRPr>
           </a:p>
         </p:txBody>
       </p:sp>
@@ -19167,9 +18487,6 @@
               </a:rPr>
               <a:t>码（续）</a:t>
             </a:r>
-            <a:endParaRPr lang="zh-CN" altLang="en-US" sz="3600">
-              <a:sym typeface="微软雅黑" panose="020B0503020204020204" pitchFamily="34" charset="-122"/>
-            </a:endParaRPr>
           </a:p>
         </p:txBody>
       </p:sp>
@@ -19225,12 +18542,6 @@
               </a:rPr>
               <a:t>6.5 】</a:t>
             </a:r>
-            <a:endParaRPr lang="en-US" altLang="zh-CN" dirty="0">
-              <a:highlight>
-                <a:srgbClr val="FFFF00"/>
-              </a:highlight>
-              <a:sym typeface="Calibri" panose="020F0502020204030204" pitchFamily="34" charset="0"/>
-            </a:endParaRPr>
           </a:p>
           <a:p>
             <a:pPr>
@@ -19414,9 +18725,6 @@
               </a:rPr>
               <a:t>。</a:t>
             </a:r>
-            <a:endParaRPr lang="zh-CN" altLang="en-US" dirty="0">
-              <a:sym typeface="Calibri" panose="020F0502020204030204" pitchFamily="34" charset="0"/>
-            </a:endParaRPr>
           </a:p>
           <a:p>
             <a:pPr>
@@ -19566,9 +18874,6 @@
               </a:rPr>
               <a:t>主码与外码一起提供了表示关系间联系的手段</a:t>
             </a:r>
-            <a:endParaRPr lang="zh-CN" altLang="en-US" sz="2000" dirty="0">
-              <a:sym typeface="Calibri" panose="020F0502020204030204" pitchFamily="34" charset="0"/>
-            </a:endParaRPr>
           </a:p>
         </p:txBody>
       </p:sp>
@@ -19671,9 +18976,6 @@
               </a:rPr>
               <a:t>函数依赖</a:t>
             </a:r>
-            <a:endParaRPr lang="zh-CN" altLang="en-US">
-              <a:sym typeface="Calibri" panose="020F0502020204030204" pitchFamily="34" charset="0"/>
-            </a:endParaRPr>
           </a:p>
           <a:p>
             <a:pPr>
@@ -19693,9 +18995,6 @@
               </a:rPr>
               <a:t>码</a:t>
             </a:r>
-            <a:endParaRPr lang="zh-CN" altLang="en-US">
-              <a:sym typeface="Calibri" panose="020F0502020204030204" pitchFamily="34" charset="0"/>
-            </a:endParaRPr>
           </a:p>
           <a:p>
             <a:pPr>
@@ -19721,12 +19020,6 @@
               </a:rPr>
               <a:t>范式</a:t>
             </a:r>
-            <a:endParaRPr lang="zh-CN" altLang="en-US">
-              <a:solidFill>
-                <a:srgbClr val="00B050"/>
-              </a:solidFill>
-              <a:sym typeface="Calibri" panose="020F0502020204030204" pitchFamily="34" charset="0"/>
-            </a:endParaRPr>
           </a:p>
           <a:p>
             <a:pPr>
@@ -19794,9 +19087,6 @@
               </a:rPr>
               <a:t>多值依赖</a:t>
             </a:r>
-            <a:endParaRPr lang="zh-CN" altLang="en-US">
-              <a:sym typeface="Calibri" panose="020F0502020204030204" pitchFamily="34" charset="0"/>
-            </a:endParaRPr>
           </a:p>
           <a:p>
             <a:pPr>
@@ -20067,9 +19357,6 @@
               </a:rPr>
               <a:t>是符合某一种级别的关系模式的集合。</a:t>
             </a:r>
-            <a:endParaRPr lang="zh-CN" altLang="en-US">
-              <a:sym typeface="Calibri" panose="020F0502020204030204" pitchFamily="34" charset="0"/>
-            </a:endParaRPr>
           </a:p>
           <a:p>
             <a:pPr>
@@ -20685,7 +19972,7 @@
           <p:nvPr/>
         </p:nvPicPr>
         <p:blipFill>
-          <a:blip r:embed="rId1">
+          <a:blip r:embed="rId2" cstate="print">
             <a:extLst>
               <a:ext uri="{28A0092B-C50C-407E-A947-70E740481C1C}">
                 <a14:useLocalDpi xmlns:a14="http://schemas.microsoft.com/office/drawing/2010/main" val="0"/>
@@ -20739,7 +20026,7 @@
           <p:nvPr/>
         </p:nvPicPr>
         <p:blipFill>
-          <a:blip r:embed="rId2">
+          <a:blip r:embed="rId3">
             <a:extLst>
               <a:ext uri="{28A0092B-C50C-407E-A947-70E740481C1C}">
                 <a14:useLocalDpi xmlns:a14="http://schemas.microsoft.com/office/drawing/2010/main" val="0"/>
@@ -21025,13 +20312,6 @@
               </a:rPr>
               <a:t>。</a:t>
             </a:r>
-            <a:endParaRPr lang="zh-CN" altLang="en-US" sz="2800" b="1" dirty="0">
-              <a:solidFill>
-                <a:srgbClr val="000000"/>
-              </a:solidFill>
-              <a:latin typeface="宋体" panose="02010600030101010101" pitchFamily="2" charset="-122"/>
-              <a:sym typeface="宋体" panose="02010600030101010101" pitchFamily="2" charset="-122"/>
-            </a:endParaRPr>
           </a:p>
         </p:txBody>
       </p:sp>
@@ -21134,9 +20414,6 @@
               </a:rPr>
               <a:t>函数依赖</a:t>
             </a:r>
-            <a:endParaRPr lang="zh-CN" altLang="en-US">
-              <a:sym typeface="Calibri" panose="020F0502020204030204" pitchFamily="34" charset="0"/>
-            </a:endParaRPr>
           </a:p>
           <a:p>
             <a:pPr>
@@ -21156,9 +20433,6 @@
               </a:rPr>
               <a:t>码</a:t>
             </a:r>
-            <a:endParaRPr lang="zh-CN" altLang="en-US">
-              <a:sym typeface="Calibri" panose="020F0502020204030204" pitchFamily="34" charset="0"/>
-            </a:endParaRPr>
           </a:p>
           <a:p>
             <a:pPr>
@@ -21178,9 +20452,6 @@
               </a:rPr>
               <a:t>范式</a:t>
             </a:r>
-            <a:endParaRPr lang="zh-CN" altLang="en-US">
-              <a:sym typeface="Calibri" panose="020F0502020204030204" pitchFamily="34" charset="0"/>
-            </a:endParaRPr>
           </a:p>
           <a:p>
             <a:pPr>
@@ -21254,9 +20525,6 @@
               </a:rPr>
               <a:t>多值依赖</a:t>
             </a:r>
-            <a:endParaRPr lang="zh-CN" altLang="en-US">
-              <a:sym typeface="Calibri" panose="020F0502020204030204" pitchFamily="34" charset="0"/>
-            </a:endParaRPr>
           </a:p>
           <a:p>
             <a:pPr>
@@ -21668,12 +20936,6 @@
               </a:rPr>
               <a:t>2NF</a:t>
             </a:r>
-            <a:endParaRPr lang="en-US" altLang="zh-CN" dirty="0">
-              <a:solidFill>
-                <a:srgbClr val="0066FF"/>
-              </a:solidFill>
-              <a:sym typeface="Calibri" panose="020F0502020204030204" pitchFamily="34" charset="0"/>
-            </a:endParaRPr>
           </a:p>
           <a:p>
             <a:pPr>
@@ -21802,9 +21064,6 @@
               </a:rPr>
               <a:t>。</a:t>
             </a:r>
-            <a:endParaRPr lang="zh-CN" altLang="en-US" dirty="0">
-              <a:sym typeface="Calibri" panose="020F0502020204030204" pitchFamily="34" charset="0"/>
-            </a:endParaRPr>
           </a:p>
           <a:p>
             <a:pPr>
@@ -21864,9 +21123,6 @@
               </a:rPr>
               <a:t>Grade</a:t>
             </a:r>
-            <a:endParaRPr lang="en-US" altLang="zh-CN" sz="2400" dirty="0">
-              <a:sym typeface="Calibri" panose="020F0502020204030204" pitchFamily="34" charset="0"/>
-            </a:endParaRPr>
           </a:p>
           <a:p>
             <a:pPr marL="857250" lvl="2" algn="l">
@@ -22517,9 +21773,6 @@
                 </a:rPr>
                 <a:t>Sno</a:t>
               </a:r>
-              <a:endParaRPr lang="en-US" altLang="zh-CN" sz="2800" b="1">
-                <a:latin typeface="Times New Roman" panose="02020603050405020304" pitchFamily="18" charset="0"/>
-              </a:endParaRPr>
             </a:p>
           </p:txBody>
         </p:sp>
@@ -22574,9 +21827,6 @@
                 </a:rPr>
                 <a:t>Cno</a:t>
               </a:r>
-              <a:endParaRPr lang="en-US" altLang="zh-CN" sz="2800" b="1">
-                <a:latin typeface="Times New Roman" panose="02020603050405020304" pitchFamily="18" charset="0"/>
-              </a:endParaRPr>
             </a:p>
           </p:txBody>
         </p:sp>
@@ -22686,9 +21936,6 @@
                 </a:rPr>
                 <a:t>Sdept</a:t>
               </a:r>
-              <a:endParaRPr lang="en-US" altLang="zh-CN" sz="2800" b="1">
-                <a:latin typeface="Times New Roman" panose="02020603050405020304" pitchFamily="18" charset="0"/>
-              </a:endParaRPr>
             </a:p>
           </p:txBody>
         </p:sp>
@@ -22743,9 +21990,6 @@
                 </a:rPr>
                 <a:t>Sloc</a:t>
               </a:r>
-              <a:endParaRPr lang="en-US" altLang="zh-CN" sz="2800" b="1">
-                <a:latin typeface="Times New Roman" panose="02020603050405020304" pitchFamily="18" charset="0"/>
-              </a:endParaRPr>
             </a:p>
           </p:txBody>
         </p:sp>
@@ -23924,7 +23168,7 @@
           <p:nvPr/>
         </p:nvPicPr>
         <p:blipFill>
-          <a:blip r:embed="rId1">
+          <a:blip r:embed="rId2">
             <a:extLst>
               <a:ext uri="{28A0092B-C50C-407E-A947-70E740481C1C}">
                 <a14:useLocalDpi xmlns:a14="http://schemas.microsoft.com/office/drawing/2010/main" val="0"/>
@@ -23954,7 +23198,7 @@
           <p:nvPr/>
         </p:nvPicPr>
         <p:blipFill>
-          <a:blip r:embed="rId2">
+          <a:blip r:embed="rId3">
             <a:extLst>
               <a:ext uri="{28A0092B-C50C-407E-A947-70E740481C1C}">
                 <a14:useLocalDpi xmlns:a14="http://schemas.microsoft.com/office/drawing/2010/main" val="0"/>
@@ -24199,12 +23443,6 @@
               </a:rPr>
               <a:t>出现这种问题的原因：</a:t>
             </a:r>
-            <a:endParaRPr lang="zh-CN" altLang="en-US">
-              <a:solidFill>
-                <a:srgbClr val="0066FF"/>
-              </a:solidFill>
-              <a:sym typeface="Calibri" panose="020F0502020204030204" pitchFamily="34" charset="0"/>
-            </a:endParaRPr>
           </a:p>
           <a:p>
             <a:pPr lvl="1" indent="-285750" algn="l">
@@ -24309,12 +23547,6 @@
               </a:rPr>
               <a:t>解决方法：</a:t>
             </a:r>
-            <a:endParaRPr lang="zh-CN" altLang="en-US">
-              <a:solidFill>
-                <a:srgbClr val="0066FF"/>
-              </a:solidFill>
-              <a:sym typeface="Calibri" panose="020F0502020204030204" pitchFamily="34" charset="0"/>
-            </a:endParaRPr>
           </a:p>
           <a:p>
             <a:pPr lvl="1" indent="-285750" algn="l">
@@ -24690,9 +23922,6 @@
                 </a:rPr>
                 <a:t>Sno</a:t>
               </a:r>
-              <a:endParaRPr lang="en-US" altLang="zh-CN" sz="2400" b="1">
-                <a:latin typeface="Times New Roman" panose="02020603050405020304" pitchFamily="18" charset="0"/>
-              </a:endParaRPr>
             </a:p>
           </p:txBody>
         </p:sp>
@@ -24747,9 +23976,6 @@
                 </a:rPr>
                 <a:t>Cno</a:t>
               </a:r>
-              <a:endParaRPr lang="en-US" altLang="zh-CN" sz="2400" b="1">
-                <a:latin typeface="Times New Roman" panose="02020603050405020304" pitchFamily="18" charset="0"/>
-              </a:endParaRPr>
             </a:p>
           </p:txBody>
         </p:sp>
@@ -24804,9 +24030,6 @@
                 </a:rPr>
                 <a:t>Grade</a:t>
               </a:r>
-              <a:endParaRPr lang="en-US" altLang="zh-CN" sz="2400" b="1">
-                <a:latin typeface="Times New Roman" panose="02020603050405020304" pitchFamily="18" charset="0"/>
-              </a:endParaRPr>
             </a:p>
           </p:txBody>
         </p:sp>
@@ -24902,9 +24125,6 @@
               </a:rPr>
               <a:t>Sno</a:t>
             </a:r>
-            <a:endParaRPr lang="en-US" altLang="zh-CN" sz="2400" b="1">
-              <a:latin typeface="Times New Roman" panose="02020603050405020304" pitchFamily="18" charset="0"/>
-            </a:endParaRPr>
           </a:p>
         </p:txBody>
       </p:sp>
@@ -24959,9 +24179,6 @@
               </a:rPr>
               <a:t>Sdept</a:t>
             </a:r>
-            <a:endParaRPr lang="en-US" altLang="zh-CN" sz="2400" b="1">
-              <a:latin typeface="Times New Roman" panose="02020603050405020304" pitchFamily="18" charset="0"/>
-            </a:endParaRPr>
           </a:p>
         </p:txBody>
       </p:sp>
@@ -25016,9 +24233,6 @@
               </a:rPr>
               <a:t>Sloc</a:t>
             </a:r>
-            <a:endParaRPr lang="en-US" altLang="zh-CN" sz="2400" b="1">
-              <a:latin typeface="Times New Roman" panose="02020603050405020304" pitchFamily="18" charset="0"/>
-            </a:endParaRPr>
           </a:p>
         </p:txBody>
       </p:sp>
@@ -25200,12 +24414,6 @@
               </a:rPr>
               <a:t>中的函数依赖</a:t>
             </a:r>
-            <a:endParaRPr lang="zh-CN" altLang="en-US" sz="2000" b="1">
-              <a:solidFill>
-                <a:srgbClr val="000000"/>
-              </a:solidFill>
-              <a:sym typeface="Arial" panose="020B0604020202020204" pitchFamily="34" charset="0"/>
-            </a:endParaRPr>
           </a:p>
         </p:txBody>
       </p:sp>
@@ -25282,12 +24490,6 @@
               </a:rPr>
               <a:t>中的函数依赖</a:t>
             </a:r>
-            <a:endParaRPr lang="zh-CN" altLang="en-US" sz="2000" b="1">
-              <a:solidFill>
-                <a:srgbClr val="000000"/>
-              </a:solidFill>
-              <a:sym typeface="Arial" panose="020B0604020202020204" pitchFamily="34" charset="0"/>
-            </a:endParaRPr>
           </a:p>
         </p:txBody>
       </p:sp>
@@ -25389,9 +24591,6 @@
               </a:rPr>
               <a:t>函数依赖</a:t>
             </a:r>
-            <a:endParaRPr lang="zh-CN" altLang="en-US">
-              <a:sym typeface="Calibri" panose="020F0502020204030204" pitchFamily="34" charset="0"/>
-            </a:endParaRPr>
           </a:p>
           <a:p>
             <a:pPr>
@@ -25411,9 +24610,6 @@
               </a:rPr>
               <a:t>码</a:t>
             </a:r>
-            <a:endParaRPr lang="zh-CN" altLang="en-US">
-              <a:sym typeface="Calibri" panose="020F0502020204030204" pitchFamily="34" charset="0"/>
-            </a:endParaRPr>
           </a:p>
           <a:p>
             <a:pPr>
@@ -25433,9 +24629,6 @@
               </a:rPr>
               <a:t>范式</a:t>
             </a:r>
-            <a:endParaRPr lang="zh-CN" altLang="en-US">
-              <a:sym typeface="Calibri" panose="020F0502020204030204" pitchFamily="34" charset="0"/>
-            </a:endParaRPr>
           </a:p>
           <a:p>
             <a:pPr>
@@ -25509,9 +24702,6 @@
               </a:rPr>
               <a:t>多值依赖</a:t>
             </a:r>
-            <a:endParaRPr lang="zh-CN" altLang="en-US">
-              <a:sym typeface="Calibri" panose="020F0502020204030204" pitchFamily="34" charset="0"/>
-            </a:endParaRPr>
           </a:p>
           <a:p>
             <a:pPr>
@@ -26083,9 +25273,6 @@
               </a:rPr>
               <a:t>。</a:t>
             </a:r>
-            <a:endParaRPr lang="zh-CN" altLang="en-US" dirty="0">
-              <a:sym typeface="宋体" panose="02010600030101010101" pitchFamily="2" charset="-122"/>
-            </a:endParaRPr>
           </a:p>
           <a:p>
             <a:pPr marL="800100" lvl="1" indent="-342900" algn="l">
@@ -26251,9 +25438,6 @@
               </a:rPr>
               <a:t>分解成</a:t>
             </a:r>
-            <a:endParaRPr lang="zh-CN" altLang="en-US" dirty="0">
-              <a:sym typeface="Calibri" panose="020F0502020204030204" pitchFamily="34" charset="0"/>
-            </a:endParaRPr>
           </a:p>
           <a:p>
             <a:pPr lvl="2" indent="-228600" algn="l">
@@ -26463,12 +25647,6 @@
               </a:rPr>
               <a:t>传递</a:t>
             </a:r>
-            <a:endParaRPr lang="zh-CN" altLang="en-US" sz="1600" b="1">
-              <a:solidFill>
-                <a:srgbClr val="000000"/>
-              </a:solidFill>
-              <a:sym typeface="Arial" panose="020B0604020202020204" pitchFamily="34" charset="0"/>
-            </a:endParaRPr>
           </a:p>
         </p:txBody>
       </p:sp>
@@ -26571,9 +25749,6 @@
               </a:rPr>
               <a:t>函数依赖</a:t>
             </a:r>
-            <a:endParaRPr lang="zh-CN" altLang="en-US">
-              <a:sym typeface="Calibri" panose="020F0502020204030204" pitchFamily="34" charset="0"/>
-            </a:endParaRPr>
           </a:p>
           <a:p>
             <a:pPr>
@@ -26593,9 +25768,6 @@
               </a:rPr>
               <a:t>码</a:t>
             </a:r>
-            <a:endParaRPr lang="zh-CN" altLang="en-US">
-              <a:sym typeface="Calibri" panose="020F0502020204030204" pitchFamily="34" charset="0"/>
-            </a:endParaRPr>
           </a:p>
           <a:p>
             <a:pPr>
@@ -26615,9 +25787,6 @@
               </a:rPr>
               <a:t>范式</a:t>
             </a:r>
-            <a:endParaRPr lang="zh-CN" altLang="en-US">
-              <a:sym typeface="Calibri" panose="020F0502020204030204" pitchFamily="34" charset="0"/>
-            </a:endParaRPr>
           </a:p>
           <a:p>
             <a:pPr>
@@ -26691,9 +25860,6 @@
               </a:rPr>
               <a:t>多值依赖</a:t>
             </a:r>
-            <a:endParaRPr lang="zh-CN" altLang="en-US">
-              <a:sym typeface="Calibri" panose="020F0502020204030204" pitchFamily="34" charset="0"/>
-            </a:endParaRPr>
           </a:p>
           <a:p>
             <a:pPr>
@@ -26973,9 +26139,6 @@
               </a:rPr>
               <a:t>是修正的第三范式，有时也称为扩充的第三范式。</a:t>
             </a:r>
-            <a:endParaRPr lang="zh-CN" altLang="en-US" dirty="0">
-              <a:sym typeface="Calibri" panose="020F0502020204030204" pitchFamily="34" charset="0"/>
-            </a:endParaRPr>
           </a:p>
           <a:p>
             <a:pPr>
@@ -27347,7 +26510,6 @@
               <a:rPr lang="en-US" altLang="zh-CN"/>
               <a:t>C(Cno,Cname,Pcno)</a:t>
             </a:r>
-            <a:endParaRPr lang="en-US" altLang="zh-CN"/>
           </a:p>
           <a:p>
             <a:pPr algn="just">
@@ -27393,7 +26555,6 @@
               <a:rPr lang="en-US" altLang="zh-CN" sz="2000"/>
               <a:t>Pcno</a:t>
             </a:r>
-            <a:endParaRPr lang="en-US" altLang="zh-CN" sz="2000"/>
           </a:p>
           <a:p>
             <a:pPr marL="914400" lvl="1" indent="-457200" algn="just">
@@ -27609,9 +26770,6 @@
               </a:rPr>
               <a:t>具有唯一性</a:t>
             </a:r>
-            <a:endParaRPr lang="zh-CN" altLang="en-US" noProof="1">
-              <a:cs typeface="+mn-ea"/>
-            </a:endParaRPr>
           </a:p>
           <a:p>
             <a:pPr marL="914400" lvl="1" indent="-457200">
@@ -27676,9 +26834,6 @@
               </a:rPr>
               <a:t>Sage</a:t>
             </a:r>
-            <a:endParaRPr lang="en-US" altLang="zh-CN" sz="2000" noProof="1">
-              <a:cs typeface="+mn-ea"/>
-            </a:endParaRPr>
           </a:p>
           <a:p>
             <a:pPr marL="914400" lvl="1" indent="-457200">
@@ -27787,9 +26942,6 @@
               </a:rPr>
               <a:t>。</a:t>
             </a:r>
-            <a:endParaRPr lang="zh-CN" altLang="en-US" sz="2000" noProof="1">
-              <a:cs typeface="+mn-ea"/>
-            </a:endParaRPr>
           </a:p>
         </p:txBody>
       </p:sp>
@@ -28079,9 +27231,6 @@
               </a:rPr>
               <a:t>S</a:t>
             </a:r>
-            <a:endParaRPr lang="en-US" altLang="zh-CN" sz="2000" kern="1200" noProof="1">
-              <a:cs typeface="+mn-ea"/>
-            </a:endParaRPr>
           </a:p>
           <a:p>
             <a:pPr marL="914400" lvl="1" indent="-457200" algn="l">
@@ -28215,9 +27364,6 @@
               </a:rPr>
               <a:t>。</a:t>
             </a:r>
-            <a:endParaRPr lang="zh-CN" altLang="en-US" sz="2000" kern="1200" noProof="1">
-              <a:cs typeface="+mn-ea"/>
-            </a:endParaRPr>
           </a:p>
           <a:p>
             <a:pPr>
@@ -28401,7 +27547,6 @@
               <a:rPr lang="zh-CN" altLang="en-US" kern="1200" noProof="1"/>
               <a:t>。</a:t>
             </a:r>
-            <a:endParaRPr lang="zh-CN" altLang="en-US" kern="1200" noProof="1"/>
           </a:p>
           <a:p>
             <a:pPr>
@@ -28455,9 +27600,6 @@
               </a:rPr>
               <a:t>T→J</a:t>
             </a:r>
-            <a:endParaRPr lang="en-US" altLang="zh-CN" sz="2000" kern="1200" noProof="1">
-              <a:cs typeface="+mn-ea"/>
-            </a:endParaRPr>
           </a:p>
           <a:p>
             <a:pPr marL="914400" lvl="1" indent="-457200" algn="l">
@@ -28498,9 +27640,6 @@
               </a:rPr>
               <a:t>）；没有非主属性</a:t>
             </a:r>
-            <a:endParaRPr lang="zh-CN" altLang="en-US" sz="2000" kern="1200" noProof="1">
-              <a:cs typeface="+mn-ea"/>
-            </a:endParaRPr>
           </a:p>
           <a:p>
             <a:pPr marL="914400" lvl="1" indent="-457200" algn="l">
@@ -28584,9 +27723,6 @@
               </a:rPr>
               <a:t>。</a:t>
             </a:r>
-            <a:endParaRPr lang="zh-CN" altLang="en-US" sz="2000" kern="1200" noProof="1">
-              <a:cs typeface="+mn-ea"/>
-            </a:endParaRPr>
           </a:p>
           <a:p>
             <a:pPr>
@@ -28605,7 +27741,7 @@
           <p:nvPr/>
         </p:nvPicPr>
         <p:blipFill>
-          <a:blip r:embed="rId1">
+          <a:blip r:embed="rId2">
             <a:extLst>
               <a:ext uri="{28A0092B-C50C-407E-A947-70E740481C1C}">
                 <a14:useLocalDpi xmlns:a14="http://schemas.microsoft.com/office/drawing/2010/main" val="0"/>
@@ -28766,9 +27902,6 @@
               </a:rPr>
               <a:t>。</a:t>
             </a:r>
-            <a:endParaRPr lang="zh-CN" altLang="en-US" b="1">
-              <a:sym typeface="Arial" panose="020B0604020202020204" pitchFamily="34" charset="0"/>
-            </a:endParaRPr>
           </a:p>
           <a:p>
             <a:pPr>
@@ -28950,7 +28083,7 @@
           <p:nvPr/>
         </p:nvPicPr>
         <p:blipFill>
-          <a:blip r:embed="rId1">
+          <a:blip r:embed="rId2">
             <a:lum bright="4000" contrast="-2000"/>
             <a:extLst>
               <a:ext uri="{28A0092B-C50C-407E-A947-70E740481C1C}">
@@ -29113,14 +28246,6 @@
               </a:rPr>
               <a:t>第六章  关系数据理论</a:t>
             </a:r>
-            <a:endParaRPr lang="zh-CN" altLang="en-US" sz="4800" b="1" dirty="0">
-              <a:solidFill>
-                <a:schemeClr val="bg1"/>
-              </a:solidFill>
-              <a:latin typeface="黑体" panose="02010609060101010101" pitchFamily="49" charset="-122"/>
-              <a:ea typeface="黑体" panose="02010609060101010101" pitchFamily="49" charset="-122"/>
-              <a:sym typeface="黑体" panose="02010609060101010101" pitchFamily="49" charset="-122"/>
-            </a:endParaRPr>
           </a:p>
           <a:p>
             <a:pPr algn="ctr">
@@ -29308,9 +28433,6 @@
               </a:rPr>
               <a:t>函数依赖</a:t>
             </a:r>
-            <a:endParaRPr lang="zh-CN" altLang="en-US">
-              <a:sym typeface="Calibri" panose="020F0502020204030204" pitchFamily="34" charset="0"/>
-            </a:endParaRPr>
           </a:p>
           <a:p>
             <a:pPr>
@@ -29330,9 +28452,6 @@
               </a:rPr>
               <a:t>码</a:t>
             </a:r>
-            <a:endParaRPr lang="zh-CN" altLang="en-US">
-              <a:sym typeface="Calibri" panose="020F0502020204030204" pitchFamily="34" charset="0"/>
-            </a:endParaRPr>
           </a:p>
           <a:p>
             <a:pPr>
@@ -29352,9 +28471,6 @@
               </a:rPr>
               <a:t>范式</a:t>
             </a:r>
-            <a:endParaRPr lang="zh-CN" altLang="en-US">
-              <a:sym typeface="Calibri" panose="020F0502020204030204" pitchFamily="34" charset="0"/>
-            </a:endParaRPr>
           </a:p>
           <a:p>
             <a:pPr>
@@ -29428,12 +28544,6 @@
               </a:rPr>
               <a:t>多值依赖</a:t>
             </a:r>
-            <a:endParaRPr lang="zh-CN" altLang="en-US">
-              <a:solidFill>
-                <a:srgbClr val="00B050"/>
-              </a:solidFill>
-              <a:sym typeface="Calibri" panose="020F0502020204030204" pitchFamily="34" charset="0"/>
-            </a:endParaRPr>
           </a:p>
           <a:p>
             <a:pPr>
@@ -31210,12 +30320,6 @@
                     </a:rPr>
                     <a:t>C</a:t>
                   </a:r>
-                  <a:endParaRPr lang="en-US" altLang="zh-CN" sz="2400" b="1">
-                    <a:solidFill>
-                      <a:srgbClr val="000000"/>
-                    </a:solidFill>
-                    <a:sym typeface="宋体" panose="02010600030101010101" pitchFamily="2" charset="-122"/>
-                  </a:endParaRPr>
                 </a:p>
               </p:txBody>
             </p:sp>
@@ -31360,12 +30464,6 @@
                     </a:rPr>
                     <a:t>T</a:t>
                   </a:r>
-                  <a:endParaRPr lang="en-US" altLang="zh-CN" sz="2400" b="1">
-                    <a:solidFill>
-                      <a:srgbClr val="000000"/>
-                    </a:solidFill>
-                    <a:sym typeface="宋体" panose="02010600030101010101" pitchFamily="2" charset="-122"/>
-                  </a:endParaRPr>
                 </a:p>
               </p:txBody>
             </p:sp>
@@ -31510,12 +30608,6 @@
                     </a:rPr>
                     <a:t>B</a:t>
                   </a:r>
-                  <a:endParaRPr lang="en-US" altLang="zh-CN" sz="2400" b="1">
-                    <a:solidFill>
-                      <a:srgbClr val="000000"/>
-                    </a:solidFill>
-                    <a:sym typeface="宋体" panose="02010600030101010101" pitchFamily="2" charset="-122"/>
-                  </a:endParaRPr>
                 </a:p>
               </p:txBody>
             </p:sp>
@@ -31703,13 +30795,6 @@
                     </a:rPr>
                     <a:t>物理</a:t>
                   </a:r>
-                  <a:endParaRPr lang="zh-CN" altLang="en-US" sz="2000" b="1">
-                    <a:solidFill>
-                      <a:srgbClr val="000000"/>
-                    </a:solidFill>
-                    <a:latin typeface="Times New Roman" panose="02020603050405020304" pitchFamily="18" charset="0"/>
-                    <a:sym typeface="Times New Roman" panose="02020603050405020304" pitchFamily="18" charset="0"/>
-                  </a:endParaRPr>
                 </a:p>
                 <a:p>
                   <a:pPr algn="ctr">
@@ -31764,13 +30849,6 @@
                     </a:rPr>
                     <a:t> </a:t>
                   </a:r>
-                  <a:endParaRPr lang="zh-CN" altLang="en-US" sz="2000" b="1">
-                    <a:solidFill>
-                      <a:srgbClr val="000000"/>
-                    </a:solidFill>
-                    <a:latin typeface="Times New Roman" panose="02020603050405020304" pitchFamily="18" charset="0"/>
-                    <a:sym typeface="Times New Roman" panose="02020603050405020304" pitchFamily="18" charset="0"/>
-                  </a:endParaRPr>
                 </a:p>
                 <a:p>
                   <a:pPr algn="ctr">
@@ -31791,13 +30869,6 @@
                     </a:rPr>
                     <a:t>数学</a:t>
                   </a:r>
-                  <a:endParaRPr lang="zh-CN" altLang="en-US" sz="2000" b="1">
-                    <a:solidFill>
-                      <a:srgbClr val="000000"/>
-                    </a:solidFill>
-                    <a:latin typeface="Times New Roman" panose="02020603050405020304" pitchFamily="18" charset="0"/>
-                    <a:sym typeface="Times New Roman" panose="02020603050405020304" pitchFamily="18" charset="0"/>
-                  </a:endParaRPr>
                 </a:p>
                 <a:p>
                   <a:pPr algn="ctr">
@@ -31818,13 +30889,6 @@
                     </a:rPr>
                     <a:t> </a:t>
                   </a:r>
-                  <a:endParaRPr lang="zh-CN" altLang="en-US" sz="2000" b="1">
-                    <a:solidFill>
-                      <a:srgbClr val="000000"/>
-                    </a:solidFill>
-                    <a:latin typeface="Times New Roman" panose="02020603050405020304" pitchFamily="18" charset="0"/>
-                    <a:sym typeface="Times New Roman" panose="02020603050405020304" pitchFamily="18" charset="0"/>
-                  </a:endParaRPr>
                 </a:p>
                 <a:p>
                   <a:pPr algn="ctr">
@@ -32146,13 +31210,6 @@
                     </a:rPr>
                     <a:t>李 勇</a:t>
                   </a:r>
-                  <a:endParaRPr lang="zh-CN" altLang="en-US" sz="2000" b="1">
-                    <a:solidFill>
-                      <a:srgbClr val="000000"/>
-                    </a:solidFill>
-                    <a:latin typeface="Times New Roman" panose="02020603050405020304" pitchFamily="18" charset="0"/>
-                    <a:sym typeface="Times New Roman" panose="02020603050405020304" pitchFamily="18" charset="0"/>
-                  </a:endParaRPr>
                 </a:p>
                 <a:p>
                   <a:pPr algn="ctr">
@@ -32173,13 +31230,6 @@
                     </a:rPr>
                     <a:t>张 平</a:t>
                   </a:r>
-                  <a:endParaRPr lang="zh-CN" altLang="en-US" sz="2000" b="1">
-                    <a:solidFill>
-                      <a:srgbClr val="000000"/>
-                    </a:solidFill>
-                    <a:latin typeface="Times New Roman" panose="02020603050405020304" pitchFamily="18" charset="0"/>
-                    <a:sym typeface="Times New Roman" panose="02020603050405020304" pitchFamily="18" charset="0"/>
-                  </a:endParaRPr>
                 </a:p>
                 <a:p>
                   <a:pPr algn="ctr">
@@ -32468,13 +31518,6 @@
                     </a:rPr>
                     <a:t>  物理习题集</a:t>
                   </a:r>
-                  <a:endParaRPr lang="zh-CN" altLang="en-US" b="1">
-                    <a:solidFill>
-                      <a:srgbClr val="000000"/>
-                    </a:solidFill>
-                    <a:latin typeface="Times New Roman" panose="02020603050405020304" pitchFamily="18" charset="0"/>
-                    <a:sym typeface="Times New Roman" panose="02020603050405020304" pitchFamily="18" charset="0"/>
-                  </a:endParaRPr>
                 </a:p>
                 <a:p>
                   <a:pPr algn="ctr">
@@ -32518,13 +31561,6 @@
                     </a:rPr>
                     <a:t>数学分析</a:t>
                   </a:r>
-                  <a:endParaRPr lang="zh-CN" altLang="en-US" b="1">
-                    <a:solidFill>
-                      <a:srgbClr val="000000"/>
-                    </a:solidFill>
-                    <a:latin typeface="Times New Roman" panose="02020603050405020304" pitchFamily="18" charset="0"/>
-                    <a:sym typeface="Times New Roman" panose="02020603050405020304" pitchFamily="18" charset="0"/>
-                  </a:endParaRPr>
                 </a:p>
                 <a:p>
                   <a:pPr algn="ctr">
@@ -32548,13 +31584,6 @@
                     </a:rPr>
                     <a:t>微分方程</a:t>
                   </a:r>
-                  <a:endParaRPr lang="zh-CN" altLang="en-US" b="1">
-                    <a:solidFill>
-                      <a:srgbClr val="000000"/>
-                    </a:solidFill>
-                    <a:latin typeface="Times New Roman" panose="02020603050405020304" pitchFamily="18" charset="0"/>
-                    <a:sym typeface="Times New Roman" panose="02020603050405020304" pitchFamily="18" charset="0"/>
-                  </a:endParaRPr>
                 </a:p>
                 <a:p>
                   <a:pPr algn="ctr">
@@ -32768,13 +31797,6 @@
                     </a:rPr>
                     <a:t> </a:t>
                   </a:r>
-                  <a:endParaRPr lang="zh-CN" altLang="en-US" sz="1000" b="1">
-                    <a:solidFill>
-                      <a:srgbClr val="000000"/>
-                    </a:solidFill>
-                    <a:latin typeface="Times New Roman" panose="02020603050405020304" pitchFamily="18" charset="0"/>
-                    <a:sym typeface="Times New Roman" panose="02020603050405020304" pitchFamily="18" charset="0"/>
-                  </a:endParaRPr>
                 </a:p>
                 <a:p>
                   <a:pPr algn="ctr">
@@ -33259,9 +32281,27 @@
                 <a:tableStyleId>{5C22544A-7EE6-4342-B048-85BDC9FD1C3A}</a:tableStyleId>
               </a:tblPr>
               <a:tblGrid>
-                <a:gridCol w="2032000"/>
-                <a:gridCol w="2032000"/>
-                <a:gridCol w="2032000"/>
+                <a:gridCol w="2032000">
+                  <a:extLst>
+                    <a:ext uri="{9D8B030D-6E8A-4147-A177-3AD203B41FA5}">
+                      <a16:colId xmlns:a16="http://schemas.microsoft.com/office/drawing/2014/main" val="20000"/>
+                    </a:ext>
+                  </a:extLst>
+                </a:gridCol>
+                <a:gridCol w="2032000">
+                  <a:extLst>
+                    <a:ext uri="{9D8B030D-6E8A-4147-A177-3AD203B41FA5}">
+                      <a16:colId xmlns:a16="http://schemas.microsoft.com/office/drawing/2014/main" val="20001"/>
+                    </a:ext>
+                  </a:extLst>
+                </a:gridCol>
+                <a:gridCol w="2032000">
+                  <a:extLst>
+                    <a:ext uri="{9D8B030D-6E8A-4147-A177-3AD203B41FA5}">
+                      <a16:colId xmlns:a16="http://schemas.microsoft.com/office/drawing/2014/main" val="20002"/>
+                    </a:ext>
+                  </a:extLst>
+                </a:gridCol>
               </a:tblGrid>
               <a:tr h="365805">
                 <a:tc>
@@ -33402,6 +32442,11 @@
                   </a:txBody>
                   <a:tcPr marT="45726" marB="45726"/>
                 </a:tc>
+                <a:extLst>
+                  <a:ext uri="{0D108BD9-81ED-4DB2-BD59-A6C34878D82A}">
+                    <a16:rowId xmlns:a16="http://schemas.microsoft.com/office/drawing/2014/main" val="10000"/>
+                  </a:ext>
+                </a:extLst>
               </a:tr>
               <a:tr h="365805">
                 <a:tc>
@@ -33427,13 +32472,6 @@
                         </a:rPr>
                         <a:t>物 理</a:t>
                       </a:r>
-                      <a:endParaRPr lang="zh-CN" altLang="en-US" sz="1800" b="1" dirty="0">
-                        <a:solidFill>
-                          <a:srgbClr val="000000"/>
-                        </a:solidFill>
-                        <a:latin typeface="Times New Roman" panose="02020603050405020304" pitchFamily="18" charset="0"/>
-                        <a:sym typeface="Times New Roman" panose="02020603050405020304" pitchFamily="18" charset="0"/>
-                      </a:endParaRPr>
                     </a:p>
                   </a:txBody>
                   <a:tcPr marT="45726" marB="45726"/>
@@ -33461,13 +32499,6 @@
                         </a:rPr>
                         <a:t>李 勇</a:t>
                       </a:r>
-                      <a:endParaRPr lang="zh-CN" altLang="en-US" sz="1800" b="1" dirty="0">
-                        <a:solidFill>
-                          <a:srgbClr val="000000"/>
-                        </a:solidFill>
-                        <a:latin typeface="Times New Roman" panose="02020603050405020304" pitchFamily="18" charset="0"/>
-                        <a:sym typeface="Times New Roman" panose="02020603050405020304" pitchFamily="18" charset="0"/>
-                      </a:endParaRPr>
                     </a:p>
                   </a:txBody>
                   <a:tcPr marT="45726" marB="45726"/>
@@ -33508,6 +32539,11 @@
                   </a:txBody>
                   <a:tcPr marT="45726" marB="45726"/>
                 </a:tc>
+                <a:extLst>
+                  <a:ext uri="{0D108BD9-81ED-4DB2-BD59-A6C34878D82A}">
+                    <a16:rowId xmlns:a16="http://schemas.microsoft.com/office/drawing/2014/main" val="10001"/>
+                  </a:ext>
+                </a:extLst>
               </a:tr>
               <a:tr h="365805">
                 <a:tc>
@@ -33533,13 +32569,6 @@
                         </a:rPr>
                         <a:t>物 理</a:t>
                       </a:r>
-                      <a:endParaRPr lang="zh-CN" altLang="en-US" sz="1800" b="1" dirty="0">
-                        <a:solidFill>
-                          <a:srgbClr val="000000"/>
-                        </a:solidFill>
-                        <a:latin typeface="Times New Roman" panose="02020603050405020304" pitchFamily="18" charset="0"/>
-                        <a:sym typeface="Times New Roman" panose="02020603050405020304" pitchFamily="18" charset="0"/>
-                      </a:endParaRPr>
                     </a:p>
                   </a:txBody>
                   <a:tcPr marT="45726" marB="45726"/>
@@ -33567,13 +32596,6 @@
                         </a:rPr>
                         <a:t>李 勇</a:t>
                       </a:r>
-                      <a:endParaRPr lang="zh-CN" altLang="en-US" sz="1800" b="1" dirty="0">
-                        <a:solidFill>
-                          <a:srgbClr val="000000"/>
-                        </a:solidFill>
-                        <a:latin typeface="Times New Roman" panose="02020603050405020304" pitchFamily="18" charset="0"/>
-                        <a:sym typeface="Times New Roman" panose="02020603050405020304" pitchFamily="18" charset="0"/>
-                      </a:endParaRPr>
                     </a:p>
                   </a:txBody>
                   <a:tcPr marT="45726" marB="45726"/>
@@ -33614,6 +32636,11 @@
                   </a:txBody>
                   <a:tcPr marT="45726" marB="45726"/>
                 </a:tc>
+                <a:extLst>
+                  <a:ext uri="{0D108BD9-81ED-4DB2-BD59-A6C34878D82A}">
+                    <a16:rowId xmlns:a16="http://schemas.microsoft.com/office/drawing/2014/main" val="10002"/>
+                  </a:ext>
+                </a:extLst>
               </a:tr>
               <a:tr h="365805">
                 <a:tc>
@@ -33673,13 +32700,6 @@
                         </a:rPr>
                         <a:t>李 勇</a:t>
                       </a:r>
-                      <a:endParaRPr lang="zh-CN" altLang="en-US" sz="1800" b="1" dirty="0">
-                        <a:solidFill>
-                          <a:srgbClr val="000000"/>
-                        </a:solidFill>
-                        <a:latin typeface="Times New Roman" panose="02020603050405020304" pitchFamily="18" charset="0"/>
-                        <a:sym typeface="Times New Roman" panose="02020603050405020304" pitchFamily="18" charset="0"/>
-                      </a:endParaRPr>
                     </a:p>
                   </a:txBody>
                   <a:tcPr marT="45726" marB="45726"/>
@@ -33720,6 +32740,11 @@
                   </a:txBody>
                   <a:tcPr marT="45726" marB="45726"/>
                 </a:tc>
+                <a:extLst>
+                  <a:ext uri="{0D108BD9-81ED-4DB2-BD59-A6C34878D82A}">
+                    <a16:rowId xmlns:a16="http://schemas.microsoft.com/office/drawing/2014/main" val="10003"/>
+                  </a:ext>
+                </a:extLst>
               </a:tr>
               <a:tr h="365805">
                 <a:tc>
@@ -33779,13 +32804,6 @@
                         </a:rPr>
                         <a:t>王 军</a:t>
                       </a:r>
-                      <a:endParaRPr lang="zh-CN" altLang="en-US" sz="1800" b="1" dirty="0">
-                        <a:solidFill>
-                          <a:srgbClr val="000000"/>
-                        </a:solidFill>
-                        <a:latin typeface="Times New Roman" panose="02020603050405020304" pitchFamily="18" charset="0"/>
-                        <a:sym typeface="Times New Roman" panose="02020603050405020304" pitchFamily="18" charset="0"/>
-                      </a:endParaRPr>
                     </a:p>
                   </a:txBody>
                   <a:tcPr marT="45726" marB="45726"/>
@@ -33821,17 +32839,15 @@
                         </a:rPr>
                         <a:t>普通物理学</a:t>
                       </a:r>
-                      <a:endParaRPr lang="zh-CN" altLang="en-US" sz="1800" b="1" dirty="0">
-                        <a:solidFill>
-                          <a:srgbClr val="000000"/>
-                        </a:solidFill>
-                        <a:latin typeface="Times New Roman" panose="02020603050405020304" pitchFamily="18" charset="0"/>
-                        <a:sym typeface="Times New Roman" panose="02020603050405020304" pitchFamily="18" charset="0"/>
-                      </a:endParaRPr>
                     </a:p>
                   </a:txBody>
                   <a:tcPr marT="45726" marB="45726"/>
                 </a:tc>
+                <a:extLst>
+                  <a:ext uri="{0D108BD9-81ED-4DB2-BD59-A6C34878D82A}">
+                    <a16:rowId xmlns:a16="http://schemas.microsoft.com/office/drawing/2014/main" val="10004"/>
+                  </a:ext>
+                </a:extLst>
               </a:tr>
               <a:tr h="365805">
                 <a:tc>
@@ -33891,13 +32907,6 @@
                         </a:rPr>
                         <a:t>王 军</a:t>
                       </a:r>
-                      <a:endParaRPr lang="zh-CN" altLang="en-US" sz="1800" b="1" dirty="0">
-                        <a:solidFill>
-                          <a:srgbClr val="000000"/>
-                        </a:solidFill>
-                        <a:latin typeface="Times New Roman" panose="02020603050405020304" pitchFamily="18" charset="0"/>
-                        <a:sym typeface="Times New Roman" panose="02020603050405020304" pitchFamily="18" charset="0"/>
-                      </a:endParaRPr>
                     </a:p>
                   </a:txBody>
                   <a:tcPr marT="45726" marB="45726"/>
@@ -33933,17 +32942,15 @@
                         </a:rPr>
                         <a:t>光学原理</a:t>
                       </a:r>
-                      <a:endParaRPr lang="zh-CN" altLang="en-US" sz="1800" b="1" dirty="0">
-                        <a:solidFill>
-                          <a:srgbClr val="000000"/>
-                        </a:solidFill>
-                        <a:latin typeface="Times New Roman" panose="02020603050405020304" pitchFamily="18" charset="0"/>
-                        <a:sym typeface="Times New Roman" panose="02020603050405020304" pitchFamily="18" charset="0"/>
-                      </a:endParaRPr>
                     </a:p>
                   </a:txBody>
                   <a:tcPr marT="45726" marB="45726"/>
                 </a:tc>
+                <a:extLst>
+                  <a:ext uri="{0D108BD9-81ED-4DB2-BD59-A6C34878D82A}">
+                    <a16:rowId xmlns:a16="http://schemas.microsoft.com/office/drawing/2014/main" val="10005"/>
+                  </a:ext>
+                </a:extLst>
               </a:tr>
               <a:tr h="365805">
                 <a:tc>
@@ -33969,13 +32976,6 @@
                         </a:rPr>
                         <a:t>物 理</a:t>
                       </a:r>
-                      <a:endParaRPr lang="zh-CN" altLang="en-US" sz="1800" b="1" dirty="0">
-                        <a:solidFill>
-                          <a:srgbClr val="000000"/>
-                        </a:solidFill>
-                        <a:latin typeface="Times New Roman" panose="02020603050405020304" pitchFamily="18" charset="0"/>
-                        <a:sym typeface="Times New Roman" panose="02020603050405020304" pitchFamily="18" charset="0"/>
-                      </a:endParaRPr>
                     </a:p>
                   </a:txBody>
                   <a:tcPr marT="45726" marB="45726"/>
@@ -34003,13 +33003,6 @@
                         </a:rPr>
                         <a:t>王 军</a:t>
                       </a:r>
-                      <a:endParaRPr lang="zh-CN" altLang="en-US" sz="1800" b="1" dirty="0">
-                        <a:solidFill>
-                          <a:srgbClr val="000000"/>
-                        </a:solidFill>
-                        <a:latin typeface="Times New Roman" panose="02020603050405020304" pitchFamily="18" charset="0"/>
-                        <a:sym typeface="Times New Roman" panose="02020603050405020304" pitchFamily="18" charset="0"/>
-                      </a:endParaRPr>
                     </a:p>
                   </a:txBody>
                   <a:tcPr marT="45726" marB="45726"/>
@@ -34045,17 +33038,15 @@
                         </a:rPr>
                         <a:t>物理习题集</a:t>
                       </a:r>
-                      <a:endParaRPr lang="zh-CN" altLang="en-US" sz="1800" b="1" dirty="0">
-                        <a:solidFill>
-                          <a:srgbClr val="000000"/>
-                        </a:solidFill>
-                        <a:latin typeface="Times New Roman" panose="02020603050405020304" pitchFamily="18" charset="0"/>
-                        <a:sym typeface="Times New Roman" panose="02020603050405020304" pitchFamily="18" charset="0"/>
-                      </a:endParaRPr>
                     </a:p>
                   </a:txBody>
                   <a:tcPr marT="45726" marB="45726"/>
                 </a:tc>
+                <a:extLst>
+                  <a:ext uri="{0D108BD9-81ED-4DB2-BD59-A6C34878D82A}">
+                    <a16:rowId xmlns:a16="http://schemas.microsoft.com/office/drawing/2014/main" val="10006"/>
+                  </a:ext>
+                </a:extLst>
               </a:tr>
               <a:tr h="365805">
                 <a:tc>
@@ -34123,13 +33114,6 @@
                         </a:rPr>
                         <a:t>李 勇</a:t>
                       </a:r>
-                      <a:endParaRPr lang="zh-CN" altLang="en-US" sz="1800" b="1" dirty="0">
-                        <a:solidFill>
-                          <a:srgbClr val="000000"/>
-                        </a:solidFill>
-                        <a:latin typeface="Times New Roman" panose="02020603050405020304" pitchFamily="18" charset="0"/>
-                        <a:sym typeface="Times New Roman" panose="02020603050405020304" pitchFamily="18" charset="0"/>
-                      </a:endParaRPr>
                     </a:p>
                   </a:txBody>
                   <a:tcPr marT="45726" marB="45726"/>
@@ -34165,17 +33149,15 @@
                         </a:rPr>
                         <a:t>普通物理学</a:t>
                       </a:r>
-                      <a:endParaRPr lang="zh-CN" altLang="en-US" sz="1800" b="1" dirty="0">
-                        <a:solidFill>
-                          <a:srgbClr val="000000"/>
-                        </a:solidFill>
-                        <a:latin typeface="Times New Roman" panose="02020603050405020304" pitchFamily="18" charset="0"/>
-                        <a:sym typeface="Times New Roman" panose="02020603050405020304" pitchFamily="18" charset="0"/>
-                      </a:endParaRPr>
                     </a:p>
                   </a:txBody>
                   <a:tcPr marT="45726" marB="45726"/>
                 </a:tc>
+                <a:extLst>
+                  <a:ext uri="{0D108BD9-81ED-4DB2-BD59-A6C34878D82A}">
+                    <a16:rowId xmlns:a16="http://schemas.microsoft.com/office/drawing/2014/main" val="10007"/>
+                  </a:ext>
+                </a:extLst>
               </a:tr>
               <a:tr h="365805">
                 <a:tc>
@@ -34243,13 +33225,6 @@
                         </a:rPr>
                         <a:t>李 勇</a:t>
                       </a:r>
-                      <a:endParaRPr lang="zh-CN" altLang="en-US" sz="1800" b="1" dirty="0">
-                        <a:solidFill>
-                          <a:srgbClr val="000000"/>
-                        </a:solidFill>
-                        <a:latin typeface="Times New Roman" panose="02020603050405020304" pitchFamily="18" charset="0"/>
-                        <a:sym typeface="Times New Roman" panose="02020603050405020304" pitchFamily="18" charset="0"/>
-                      </a:endParaRPr>
                     </a:p>
                   </a:txBody>
                   <a:tcPr marT="45726" marB="45726"/>
@@ -34285,17 +33260,15 @@
                         </a:rPr>
                         <a:t>光学原理</a:t>
                       </a:r>
-                      <a:endParaRPr lang="zh-CN" altLang="en-US" sz="1800" b="1" dirty="0">
-                        <a:solidFill>
-                          <a:srgbClr val="000000"/>
-                        </a:solidFill>
-                        <a:latin typeface="Times New Roman" panose="02020603050405020304" pitchFamily="18" charset="0"/>
-                        <a:sym typeface="Times New Roman" panose="02020603050405020304" pitchFamily="18" charset="0"/>
-                      </a:endParaRPr>
                     </a:p>
                   </a:txBody>
                   <a:tcPr marT="45726" marB="45726"/>
                 </a:tc>
+                <a:extLst>
+                  <a:ext uri="{0D108BD9-81ED-4DB2-BD59-A6C34878D82A}">
+                    <a16:rowId xmlns:a16="http://schemas.microsoft.com/office/drawing/2014/main" val="10008"/>
+                  </a:ext>
+                </a:extLst>
               </a:tr>
               <a:tr h="365805">
                 <a:tc>
@@ -34363,13 +33336,6 @@
                         </a:rPr>
                         <a:t>李 勇</a:t>
                       </a:r>
-                      <a:endParaRPr lang="zh-CN" altLang="en-US" sz="1800" b="1" dirty="0">
-                        <a:solidFill>
-                          <a:srgbClr val="000000"/>
-                        </a:solidFill>
-                        <a:latin typeface="Times New Roman" panose="02020603050405020304" pitchFamily="18" charset="0"/>
-                        <a:sym typeface="Times New Roman" panose="02020603050405020304" pitchFamily="18" charset="0"/>
-                      </a:endParaRPr>
                     </a:p>
                   </a:txBody>
                   <a:tcPr marT="45726" marB="45726"/>
@@ -34405,17 +33371,15 @@
                         </a:rPr>
                         <a:t>物理习题集</a:t>
                       </a:r>
-                      <a:endParaRPr lang="zh-CN" altLang="en-US" sz="1800" b="1" dirty="0">
-                        <a:solidFill>
-                          <a:srgbClr val="000000"/>
-                        </a:solidFill>
-                        <a:latin typeface="Times New Roman" panose="02020603050405020304" pitchFamily="18" charset="0"/>
-                        <a:sym typeface="Times New Roman" panose="02020603050405020304" pitchFamily="18" charset="0"/>
-                      </a:endParaRPr>
                     </a:p>
                   </a:txBody>
                   <a:tcPr marT="45726" marB="45726"/>
                 </a:tc>
+                <a:extLst>
+                  <a:ext uri="{0D108BD9-81ED-4DB2-BD59-A6C34878D82A}">
+                    <a16:rowId xmlns:a16="http://schemas.microsoft.com/office/drawing/2014/main" val="10009"/>
+                  </a:ext>
+                </a:extLst>
               </a:tr>
               <a:tr h="365805">
                 <a:tc>
@@ -34483,13 +33447,6 @@
                         </a:rPr>
                         <a:t>张 平</a:t>
                       </a:r>
-                      <a:endParaRPr lang="zh-CN" altLang="en-US" sz="1800" b="1" dirty="0">
-                        <a:solidFill>
-                          <a:srgbClr val="000000"/>
-                        </a:solidFill>
-                        <a:latin typeface="Times New Roman" panose="02020603050405020304" pitchFamily="18" charset="0"/>
-                        <a:sym typeface="Times New Roman" panose="02020603050405020304" pitchFamily="18" charset="0"/>
-                      </a:endParaRPr>
                     </a:p>
                   </a:txBody>
                   <a:tcPr marT="45726" marB="45726"/>
@@ -34525,17 +33482,15 @@
                         </a:rPr>
                         <a:t>普通物理学</a:t>
                       </a:r>
-                      <a:endParaRPr lang="zh-CN" altLang="en-US" sz="1800" b="1" dirty="0">
-                        <a:solidFill>
-                          <a:srgbClr val="000000"/>
-                        </a:solidFill>
-                        <a:latin typeface="Times New Roman" panose="02020603050405020304" pitchFamily="18" charset="0"/>
-                        <a:sym typeface="Times New Roman" panose="02020603050405020304" pitchFamily="18" charset="0"/>
-                      </a:endParaRPr>
                     </a:p>
                   </a:txBody>
                   <a:tcPr marT="45726" marB="45726"/>
                 </a:tc>
+                <a:extLst>
+                  <a:ext uri="{0D108BD9-81ED-4DB2-BD59-A6C34878D82A}">
+                    <a16:rowId xmlns:a16="http://schemas.microsoft.com/office/drawing/2014/main" val="10010"/>
+                  </a:ext>
+                </a:extLst>
               </a:tr>
               <a:tr h="365805">
                 <a:tc>
@@ -34603,13 +33558,6 @@
                         </a:rPr>
                         <a:t>张 平</a:t>
                       </a:r>
-                      <a:endParaRPr lang="zh-CN" altLang="en-US" sz="1800" b="1" dirty="0">
-                        <a:solidFill>
-                          <a:srgbClr val="000000"/>
-                        </a:solidFill>
-                        <a:latin typeface="Times New Roman" panose="02020603050405020304" pitchFamily="18" charset="0"/>
-                        <a:sym typeface="Times New Roman" panose="02020603050405020304" pitchFamily="18" charset="0"/>
-                      </a:endParaRPr>
                     </a:p>
                   </a:txBody>
                   <a:tcPr marT="45726" marB="45726"/>
@@ -34645,17 +33593,15 @@
                         </a:rPr>
                         <a:t>光学原理</a:t>
                       </a:r>
-                      <a:endParaRPr lang="zh-CN" altLang="en-US" sz="1800" b="1" dirty="0">
-                        <a:solidFill>
-                          <a:srgbClr val="000000"/>
-                        </a:solidFill>
-                        <a:latin typeface="Times New Roman" panose="02020603050405020304" pitchFamily="18" charset="0"/>
-                        <a:sym typeface="Times New Roman" panose="02020603050405020304" pitchFamily="18" charset="0"/>
-                      </a:endParaRPr>
                     </a:p>
                   </a:txBody>
                   <a:tcPr marT="45726" marB="45726"/>
                 </a:tc>
+                <a:extLst>
+                  <a:ext uri="{0D108BD9-81ED-4DB2-BD59-A6C34878D82A}">
+                    <a16:rowId xmlns:a16="http://schemas.microsoft.com/office/drawing/2014/main" val="10011"/>
+                  </a:ext>
+                </a:extLst>
               </a:tr>
               <a:tr h="365805">
                 <a:tc>
@@ -34723,13 +33669,6 @@
                         </a:rPr>
                         <a:t>张 平</a:t>
                       </a:r>
-                      <a:endParaRPr lang="zh-CN" altLang="en-US" sz="1800" b="1" dirty="0">
-                        <a:solidFill>
-                          <a:srgbClr val="000000"/>
-                        </a:solidFill>
-                        <a:latin typeface="Times New Roman" panose="02020603050405020304" pitchFamily="18" charset="0"/>
-                        <a:sym typeface="Times New Roman" panose="02020603050405020304" pitchFamily="18" charset="0"/>
-                      </a:endParaRPr>
                     </a:p>
                   </a:txBody>
                   <a:tcPr marT="45726" marB="45726"/>
@@ -34765,17 +33704,15 @@
                         </a:rPr>
                         <a:t>物理习题集</a:t>
                       </a:r>
-                      <a:endParaRPr lang="zh-CN" altLang="en-US" sz="1800" b="1" dirty="0">
-                        <a:solidFill>
-                          <a:srgbClr val="000000"/>
-                        </a:solidFill>
-                        <a:latin typeface="Times New Roman" panose="02020603050405020304" pitchFamily="18" charset="0"/>
-                        <a:sym typeface="Times New Roman" panose="02020603050405020304" pitchFamily="18" charset="0"/>
-                      </a:endParaRPr>
                     </a:p>
                   </a:txBody>
                   <a:tcPr marT="45726" marB="45726"/>
                 </a:tc>
+                <a:extLst>
+                  <a:ext uri="{0D108BD9-81ED-4DB2-BD59-A6C34878D82A}">
+                    <a16:rowId xmlns:a16="http://schemas.microsoft.com/office/drawing/2014/main" val="10012"/>
+                  </a:ext>
+                </a:extLst>
               </a:tr>
               <a:tr h="365805">
                 <a:tc>
@@ -34850,6 +33787,11 @@
                   </a:txBody>
                   <a:tcPr marT="45726" marB="45726"/>
                 </a:tc>
+                <a:extLst>
+                  <a:ext uri="{0D108BD9-81ED-4DB2-BD59-A6C34878D82A}">
+                    <a16:rowId xmlns:a16="http://schemas.microsoft.com/office/drawing/2014/main" val="10013"/>
+                  </a:ext>
+                </a:extLst>
               </a:tr>
             </a:tbl>
           </a:graphicData>
@@ -35036,9 +33978,6 @@
               </a:rPr>
               <a:t>多值依赖（续）</a:t>
             </a:r>
-            <a:endParaRPr lang="zh-CN" altLang="en-US" sz="3600">
-              <a:sym typeface="微软雅黑" panose="020B0503020204020204" pitchFamily="34" charset="-122"/>
-            </a:endParaRPr>
           </a:p>
         </p:txBody>
       </p:sp>
@@ -35333,7 +34272,6 @@
               <a:rPr lang="zh-CN" altLang="en-US" noProof="1"/>
               <a:t>）</a:t>
             </a:r>
-            <a:endParaRPr lang="zh-CN" altLang="en-US" noProof="1"/>
           </a:p>
           <a:p>
             <a:pPr>
@@ -35412,7 +34350,6 @@
               <a:rPr lang="zh-CN" altLang="en-US" sz="2000" noProof="1"/>
               <a:t>取何值。</a:t>
             </a:r>
-            <a:endParaRPr lang="zh-CN" altLang="en-US" sz="2000" noProof="1"/>
           </a:p>
           <a:p>
             <a:pPr>
@@ -35446,7 +34383,6 @@
               <a:rPr lang="zh-CN" altLang="en-US" sz="2000" noProof="1"/>
               <a:t>。 </a:t>
             </a:r>
-            <a:endParaRPr lang="zh-CN" altLang="en-US" sz="2000" noProof="1"/>
           </a:p>
           <a:p>
             <a:pPr marL="342900" indent="-342900">
@@ -35679,9 +34615,6 @@
               </a:rPr>
               <a:t>平凡多值依赖和非平凡的多值依赖</a:t>
             </a:r>
-            <a:endParaRPr lang="zh-CN" altLang="en-US">
-              <a:sym typeface="Calibri" panose="020F0502020204030204" pitchFamily="34" charset="0"/>
-            </a:endParaRPr>
           </a:p>
           <a:p>
             <a:pPr lvl="1" indent="-285750" algn="l">
@@ -35764,9 +34697,6 @@
               </a:rPr>
               <a:t>。</a:t>
             </a:r>
-            <a:endParaRPr lang="zh-CN" altLang="en-US">
-              <a:sym typeface="Calibri" panose="020F0502020204030204" pitchFamily="34" charset="0"/>
-            </a:endParaRPr>
           </a:p>
           <a:p>
             <a:pPr lvl="1" indent="-285750" algn="l">
@@ -35884,9 +34814,27 @@
             <a:tbl>
               <a:tblPr/>
               <a:tblGrid>
-                <a:gridCol w="1416050"/>
-                <a:gridCol w="1416049"/>
-                <a:gridCol w="1416050"/>
+                <a:gridCol w="1416050">
+                  <a:extLst>
+                    <a:ext uri="{9D8B030D-6E8A-4147-A177-3AD203B41FA5}">
+                      <a16:colId xmlns:a16="http://schemas.microsoft.com/office/drawing/2014/main" val="20000"/>
+                    </a:ext>
+                  </a:extLst>
+                </a:gridCol>
+                <a:gridCol w="1416049">
+                  <a:extLst>
+                    <a:ext uri="{9D8B030D-6E8A-4147-A177-3AD203B41FA5}">
+                      <a16:colId xmlns:a16="http://schemas.microsoft.com/office/drawing/2014/main" val="20001"/>
+                    </a:ext>
+                  </a:extLst>
+                </a:gridCol>
+                <a:gridCol w="1416050">
+                  <a:extLst>
+                    <a:ext uri="{9D8B030D-6E8A-4147-A177-3AD203B41FA5}">
+                      <a16:colId xmlns:a16="http://schemas.microsoft.com/office/drawing/2014/main" val="20002"/>
+                    </a:ext>
+                  </a:extLst>
+                </a:gridCol>
               </a:tblGrid>
               <a:tr h="304800">
                 <a:tc>
@@ -36174,6 +35122,11 @@
                     <a:noFill/>
                   </a:tcPr>
                 </a:tc>
+                <a:extLst>
+                  <a:ext uri="{0D108BD9-81ED-4DB2-BD59-A6C34878D82A}">
+                    <a16:rowId xmlns:a16="http://schemas.microsoft.com/office/drawing/2014/main" val="10000"/>
+                  </a:ext>
+                </a:extLst>
               </a:tr>
               <a:tr h="304800">
                 <a:tc>
@@ -36461,6 +35414,11 @@
                     <a:noFill/>
                   </a:tcPr>
                 </a:tc>
+                <a:extLst>
+                  <a:ext uri="{0D108BD9-81ED-4DB2-BD59-A6C34878D82A}">
+                    <a16:rowId xmlns:a16="http://schemas.microsoft.com/office/drawing/2014/main" val="10001"/>
+                  </a:ext>
+                </a:extLst>
               </a:tr>
               <a:tr h="304800">
                 <a:tc>
@@ -36748,6 +35706,11 @@
                     <a:noFill/>
                   </a:tcPr>
                 </a:tc>
+                <a:extLst>
+                  <a:ext uri="{0D108BD9-81ED-4DB2-BD59-A6C34878D82A}">
+                    <a16:rowId xmlns:a16="http://schemas.microsoft.com/office/drawing/2014/main" val="10002"/>
+                  </a:ext>
+                </a:extLst>
               </a:tr>
               <a:tr h="304800">
                 <a:tc>
@@ -37035,6 +35998,11 @@
                     <a:noFill/>
                   </a:tcPr>
                 </a:tc>
+                <a:extLst>
+                  <a:ext uri="{0D108BD9-81ED-4DB2-BD59-A6C34878D82A}">
+                    <a16:rowId xmlns:a16="http://schemas.microsoft.com/office/drawing/2014/main" val="10003"/>
+                  </a:ext>
+                </a:extLst>
               </a:tr>
               <a:tr h="304800">
                 <a:tc>
@@ -37327,6 +36295,11 @@
                     <a:noFill/>
                   </a:tcPr>
                 </a:tc>
+                <a:extLst>
+                  <a:ext uri="{0D108BD9-81ED-4DB2-BD59-A6C34878D82A}">
+                    <a16:rowId xmlns:a16="http://schemas.microsoft.com/office/drawing/2014/main" val="10004"/>
+                  </a:ext>
+                </a:extLst>
               </a:tr>
               <a:tr h="304800">
                 <a:tc>
@@ -37614,6 +36587,11 @@
                     <a:noFill/>
                   </a:tcPr>
                 </a:tc>
+                <a:extLst>
+                  <a:ext uri="{0D108BD9-81ED-4DB2-BD59-A6C34878D82A}">
+                    <a16:rowId xmlns:a16="http://schemas.microsoft.com/office/drawing/2014/main" val="10005"/>
+                  </a:ext>
+                </a:extLst>
               </a:tr>
               <a:tr h="304800">
                 <a:tc>
@@ -37901,6 +36879,11 @@
                     <a:noFill/>
                   </a:tcPr>
                 </a:tc>
+                <a:extLst>
+                  <a:ext uri="{0D108BD9-81ED-4DB2-BD59-A6C34878D82A}">
+                    <a16:rowId xmlns:a16="http://schemas.microsoft.com/office/drawing/2014/main" val="10006"/>
+                  </a:ext>
+                </a:extLst>
               </a:tr>
               <a:tr h="304800">
                 <a:tc>
@@ -38188,6 +37171,11 @@
                     <a:noFill/>
                   </a:tcPr>
                 </a:tc>
+                <a:extLst>
+                  <a:ext uri="{0D108BD9-81ED-4DB2-BD59-A6C34878D82A}">
+                    <a16:rowId xmlns:a16="http://schemas.microsoft.com/office/drawing/2014/main" val="10007"/>
+                  </a:ext>
+                </a:extLst>
               </a:tr>
               <a:tr h="304800">
                 <a:tc>
@@ -38475,6 +37463,11 @@
                     <a:noFill/>
                   </a:tcPr>
                 </a:tc>
+                <a:extLst>
+                  <a:ext uri="{0D108BD9-81ED-4DB2-BD59-A6C34878D82A}">
+                    <a16:rowId xmlns:a16="http://schemas.microsoft.com/office/drawing/2014/main" val="10008"/>
+                  </a:ext>
+                </a:extLst>
               </a:tr>
               <a:tr h="304800">
                 <a:tc>
@@ -38762,6 +37755,11 @@
                     <a:noFill/>
                   </a:tcPr>
                 </a:tc>
+                <a:extLst>
+                  <a:ext uri="{0D108BD9-81ED-4DB2-BD59-A6C34878D82A}">
+                    <a16:rowId xmlns:a16="http://schemas.microsoft.com/office/drawing/2014/main" val="10009"/>
+                  </a:ext>
+                </a:extLst>
               </a:tr>
               <a:tr h="304800">
                 <a:tc>
@@ -39049,6 +38047,11 @@
                     <a:noFill/>
                   </a:tcPr>
                 </a:tc>
+                <a:extLst>
+                  <a:ext uri="{0D108BD9-81ED-4DB2-BD59-A6C34878D82A}">
+                    <a16:rowId xmlns:a16="http://schemas.microsoft.com/office/drawing/2014/main" val="10010"/>
+                  </a:ext>
+                </a:extLst>
               </a:tr>
             </a:tbl>
           </a:graphicData>
@@ -39155,7 +38158,6 @@
               <a:rPr lang="zh-CN" altLang="en-US" sz="2400"/>
               <a:t>有保管员保管。</a:t>
             </a:r>
-            <a:endParaRPr lang="zh-CN" altLang="en-US" sz="2400"/>
           </a:p>
         </p:txBody>
       </p:sp>
@@ -39295,7 +38297,6 @@
               <a:rPr lang="zh-CN" altLang="en-US"/>
               <a:t>。</a:t>
             </a:r>
-            <a:endParaRPr lang="zh-CN" altLang="en-US"/>
           </a:p>
           <a:p>
             <a:pPr>
@@ -39378,7 +38379,7 @@
           <p:nvPr/>
         </p:nvPicPr>
         <p:blipFill>
-          <a:blip r:embed="rId1">
+          <a:blip r:embed="rId2" cstate="print">
             <a:extLst>
               <a:ext uri="{28A0092B-C50C-407E-A947-70E740481C1C}">
                 <a14:useLocalDpi xmlns:a14="http://schemas.microsoft.com/office/drawing/2010/main" val="0"/>
@@ -39878,9 +38879,6 @@
               </a:rPr>
               <a:t>。</a:t>
             </a:r>
-            <a:endParaRPr lang="zh-CN" altLang="en-US" dirty="0">
-              <a:sym typeface="Calibri" panose="020F0502020204030204" pitchFamily="34" charset="0"/>
-            </a:endParaRPr>
           </a:p>
           <a:p>
             <a:pPr>
@@ -39938,9 +38936,6 @@
               </a:rPr>
               <a:t>。</a:t>
             </a:r>
-            <a:endParaRPr lang="zh-CN" altLang="en-US" dirty="0">
-              <a:sym typeface="Calibri" panose="020F0502020204030204" pitchFamily="34" charset="0"/>
-            </a:endParaRPr>
           </a:p>
           <a:p>
             <a:pPr>
@@ -40139,9 +39134,6 @@
               </a:rPr>
               <a:t>（续）</a:t>
             </a:r>
-            <a:endParaRPr lang="zh-CN" altLang="en-US" sz="3600">
-              <a:sym typeface="微软雅黑" panose="020B0503020204020204" pitchFamily="34" charset="-122"/>
-            </a:endParaRPr>
           </a:p>
         </p:txBody>
       </p:sp>
@@ -40304,9 +39296,6 @@
               </a:rPr>
               <a:t>。</a:t>
             </a:r>
-            <a:endParaRPr lang="zh-CN" altLang="en-US">
-              <a:sym typeface="Calibri" panose="020F0502020204030204" pitchFamily="34" charset="0"/>
-            </a:endParaRPr>
           </a:p>
           <a:p>
             <a:pPr>
@@ -40420,7 +39409,6 @@
               <a:rPr lang="zh-CN" altLang="en-US"/>
               <a:t>。</a:t>
             </a:r>
-            <a:endParaRPr lang="zh-CN" altLang="en-US"/>
           </a:p>
         </p:txBody>
       </p:sp>
@@ -40558,12 +39546,6 @@
               </a:rPr>
               <a:t>问题的提出</a:t>
             </a:r>
-            <a:endParaRPr lang="zh-CN" altLang="en-US" sz="2800" dirty="0">
-              <a:solidFill>
-                <a:srgbClr val="0066FF"/>
-              </a:solidFill>
-              <a:sym typeface="Calibri" panose="020F0502020204030204" pitchFamily="34" charset="0"/>
-            </a:endParaRPr>
           </a:p>
           <a:p>
             <a:pPr marL="741680" indent="-284480" eaLnBrk="1" hangingPunct="1">
@@ -40586,9 +39568,6 @@
               </a:rPr>
               <a:t>规范化</a:t>
             </a:r>
-            <a:endParaRPr lang="zh-CN" altLang="en-US" dirty="0">
-              <a:sym typeface="Calibri" panose="020F0502020204030204" pitchFamily="34" charset="0"/>
-            </a:endParaRPr>
           </a:p>
           <a:p>
             <a:pPr marL="741680" indent="-284480" eaLnBrk="1" hangingPunct="1">
@@ -40617,9 +39596,6 @@
               </a:rPr>
               <a:t>数据依赖的公理系统</a:t>
             </a:r>
-            <a:endParaRPr lang="zh-CN" altLang="en-US" strike="sngStrike" dirty="0">
-              <a:sym typeface="Calibri" panose="020F0502020204030204" pitchFamily="34" charset="0"/>
-            </a:endParaRPr>
           </a:p>
           <a:p>
             <a:pPr marL="741680" indent="-284480" eaLnBrk="1" hangingPunct="1">
@@ -40642,9 +39618,6 @@
               </a:rPr>
               <a:t>模式的分解</a:t>
             </a:r>
-            <a:endParaRPr lang="zh-CN" altLang="en-US" strike="sngStrike" dirty="0">
-              <a:sym typeface="Calibri" panose="020F0502020204030204" pitchFamily="34" charset="0"/>
-            </a:endParaRPr>
           </a:p>
           <a:p>
             <a:pPr marL="741680" indent="-284480" eaLnBrk="1" hangingPunct="1">
@@ -40905,9 +39878,6 @@
               </a:rPr>
               <a:t>规范化小结</a:t>
             </a:r>
-            <a:endParaRPr lang="zh-CN" altLang="en-US" sz="3600">
-              <a:sym typeface="微软雅黑" panose="020B0503020204020204" pitchFamily="34" charset="-122"/>
-            </a:endParaRPr>
           </a:p>
         </p:txBody>
       </p:sp>
@@ -41007,9 +39977,6 @@
               </a:rPr>
               <a:t>部分函数依赖</a:t>
             </a:r>
-            <a:endParaRPr lang="zh-CN" altLang="en-US" sz="2400" u="sng">
-              <a:sym typeface="Calibri" panose="020F0502020204030204" pitchFamily="34" charset="0"/>
-            </a:endParaRPr>
           </a:p>
           <a:p>
             <a:r>
@@ -41080,9 +40047,6 @@
               </a:rPr>
               <a:t>传递函数依赖</a:t>
             </a:r>
-            <a:endParaRPr lang="zh-CN" altLang="en-US" sz="2400" u="sng">
-              <a:sym typeface="Calibri" panose="020F0502020204030204" pitchFamily="34" charset="0"/>
-            </a:endParaRPr>
           </a:p>
           <a:p>
             <a:r>
@@ -41144,9 +40108,6 @@
               </a:rPr>
               <a:t>部分和传递函数依赖</a:t>
             </a:r>
-            <a:endParaRPr lang="zh-CN" altLang="en-US" sz="2400" u="sng">
-              <a:sym typeface="Calibri" panose="020F0502020204030204" pitchFamily="34" charset="0"/>
-            </a:endParaRPr>
           </a:p>
           <a:p>
             <a:r>
@@ -41184,9 +40145,6 @@
               </a:rPr>
               <a:t>非平凡且非函数依赖的多值依赖</a:t>
             </a:r>
-            <a:endParaRPr lang="zh-CN" altLang="en-US" sz="2400" u="sng">
-              <a:sym typeface="Calibri" panose="020F0502020204030204" pitchFamily="34" charset="0"/>
-            </a:endParaRPr>
           </a:p>
           <a:p>
             <a:r>
@@ -41372,12 +40330,6 @@
               </a:rPr>
               <a:t>规范化过程</a:t>
             </a:r>
-            <a:endParaRPr lang="zh-CN" altLang="en-US" b="1">
-              <a:solidFill>
-                <a:srgbClr val="000000"/>
-              </a:solidFill>
-              <a:sym typeface="Arial" panose="020B0604020202020204" pitchFamily="34" charset="0"/>
-            </a:endParaRPr>
           </a:p>
         </p:txBody>
       </p:sp>
@@ -41655,7 +40607,6 @@
               <a:rPr lang="en-US" altLang="zh-CN" b="0" dirty="0"/>
               <a:t>d}</a:t>
             </a:r>
-            <a:endParaRPr lang="en-US" altLang="zh-CN" b="0" dirty="0"/>
           </a:p>
           <a:p>
             <a:endParaRPr lang="zh-CN" altLang="en-US" dirty="0"/>
@@ -41811,7 +40762,6 @@
               <a:rPr lang="zh-CN" altLang="en-US" sz="2000" b="0" dirty="0"/>
               <a:t>类     仅出现在函数依赖左部的属性。</a:t>
             </a:r>
-            <a:endParaRPr lang="zh-CN" altLang="en-US" sz="2000" b="0" dirty="0"/>
           </a:p>
           <a:p>
             <a:pPr lvl="1"/>
@@ -41827,7 +40777,6 @@
               <a:rPr lang="zh-CN" altLang="en-US" sz="2000" b="0" dirty="0"/>
               <a:t>类   仅出现在函数依赖右部的属性。</a:t>
             </a:r>
-            <a:endParaRPr lang="zh-CN" altLang="en-US" sz="2000" b="0" dirty="0"/>
           </a:p>
           <a:p>
             <a:pPr lvl="1"/>
@@ -41843,7 +40792,6 @@
               <a:rPr lang="zh-CN" altLang="en-US" sz="2000" b="0" dirty="0"/>
               <a:t>类   在函数依赖左右两边均未出现的属性。</a:t>
             </a:r>
-            <a:endParaRPr lang="zh-CN" altLang="en-US" sz="2000" b="0" dirty="0"/>
           </a:p>
           <a:p>
             <a:pPr lvl="1"/>
@@ -41859,7 +40807,6 @@
               <a:rPr lang="zh-CN" altLang="en-US" sz="2000" b="0" dirty="0"/>
               <a:t>类  在函数依赖左右两边均出现的属性。</a:t>
             </a:r>
-            <a:endParaRPr lang="zh-CN" altLang="en-US" sz="2000" b="0" dirty="0"/>
           </a:p>
           <a:p>
             <a:endParaRPr lang="zh-CN" altLang="en-US" sz="1400" dirty="0"/>
@@ -42531,7 +41478,6 @@
               <a:rPr lang="zh-CN" altLang="en-US" sz="2400" b="0" dirty="0"/>
               <a:t>的唯一候选码。</a:t>
             </a:r>
-            <a:endParaRPr lang="zh-CN" altLang="en-US" sz="2400" b="0" dirty="0"/>
           </a:p>
           <a:p>
             <a:endParaRPr lang="zh-CN" altLang="en-US" dirty="0"/>
@@ -42982,11 +41928,6 @@
               </a:rPr>
               <a:t>的唯一候选码。</a:t>
             </a:r>
-            <a:endParaRPr lang="zh-CN" altLang="en-US" sz="2400" b="0" dirty="0">
-              <a:highlight>
-                <a:srgbClr val="FFFF00"/>
-              </a:highlight>
-            </a:endParaRPr>
           </a:p>
           <a:p>
             <a:endParaRPr lang="zh-CN" altLang="en-US" dirty="0"/>
@@ -43067,7 +42008,6 @@
               <a:rPr lang="en-US" altLang="zh-CN" dirty="0"/>
               <a:t> 1】</a:t>
             </a:r>
-            <a:endParaRPr lang="en-US" altLang="zh-CN" dirty="0"/>
           </a:p>
           <a:p>
             <a:pPr marL="0" indent="0">
@@ -43081,7 +42021,6 @@
               <a:rPr lang="en-US" altLang="zh-CN" dirty="0"/>
               <a:t> U=(A , B , C , D ),</a:t>
             </a:r>
-            <a:endParaRPr lang="en-US" altLang="zh-CN" dirty="0"/>
           </a:p>
           <a:p>
             <a:pPr marL="0" indent="0">
@@ -43095,7 +42034,6 @@
               <a:rPr lang="en-US" altLang="zh-CN" dirty="0"/>
               <a:t> </a:t>
             </a:r>
-            <a:endParaRPr lang="en-US" altLang="zh-CN" dirty="0"/>
           </a:p>
           <a:p>
             <a:pPr marL="0" indent="0">
@@ -43105,7 +42043,6 @@
               <a:rPr lang="en-US" altLang="zh-CN" dirty="0"/>
               <a:t>F={D→ B , B → D , AD → B , AC → D}, </a:t>
             </a:r>
-            <a:endParaRPr lang="en-US" altLang="zh-CN" dirty="0"/>
           </a:p>
           <a:p>
             <a:pPr marL="0" indent="0">
@@ -43163,7 +42100,6 @@
               <a:rPr lang="en-US" altLang="zh-CN" sz="2000" dirty="0"/>
               <a:t>;</a:t>
             </a:r>
-            <a:endParaRPr lang="en-US" altLang="zh-CN" sz="2000" dirty="0"/>
           </a:p>
           <a:p>
             <a:pPr marL="0" indent="0">
@@ -43197,7 +42133,6 @@
               <a:rPr lang="en-US" altLang="zh-CN" sz="2000" dirty="0"/>
               <a:t>= ACBD = U, </a:t>
             </a:r>
-            <a:endParaRPr lang="en-US" altLang="zh-CN" sz="2000" dirty="0"/>
           </a:p>
           <a:p>
             <a:pPr marL="0" indent="0">
@@ -43306,7 +42241,6 @@
               <a:rPr lang="en-US" altLang="zh-CN" dirty="0"/>
               <a:t>2】</a:t>
             </a:r>
-            <a:endParaRPr lang="en-US" altLang="zh-CN" dirty="0"/>
           </a:p>
           <a:p>
             <a:pPr marL="0" indent="0">
@@ -43317,7 +42251,6 @@
               <a:rPr lang="en-US" altLang="zh-CN" dirty="0"/>
               <a:t>R&lt;U,F&gt;,U=(A,B,C,D,E,G),</a:t>
             </a:r>
-            <a:endParaRPr lang="en-US" altLang="zh-CN" dirty="0"/>
           </a:p>
           <a:p>
             <a:pPr marL="0" indent="0">
@@ -43336,7 +42269,6 @@
               <a:rPr lang="en-US" altLang="zh-CN" dirty="0"/>
               <a:t>A→G},</a:t>
             </a:r>
-            <a:endParaRPr lang="en-US" altLang="zh-CN" dirty="0"/>
           </a:p>
           <a:p>
             <a:pPr marL="0" indent="0">
@@ -43369,7 +42301,6 @@
               <a:rPr lang="en-US" altLang="zh-CN" sz="1600" dirty="0"/>
               <a:t>;</a:t>
             </a:r>
-            <a:endParaRPr lang="en-US" altLang="zh-CN" sz="1600" dirty="0"/>
           </a:p>
           <a:p>
             <a:pPr marL="0" indent="0">
@@ -43413,7 +42344,6 @@
               <a:rPr lang="en-US" altLang="zh-CN" sz="1600" dirty="0"/>
               <a:t>AB→C,CD→E, A→G,</a:t>
             </a:r>
-            <a:endParaRPr lang="en-US" altLang="zh-CN" sz="1600" dirty="0"/>
           </a:p>
           <a:p>
             <a:pPr marL="0" indent="0">
@@ -43462,7 +42392,6 @@
               <a:rPr lang="en-US" altLang="zh-CN" sz="1600" dirty="0"/>
               <a:t>CD→E, E→A, A→G</a:t>
             </a:r>
-            <a:endParaRPr lang="en-US" altLang="zh-CN" sz="1600" dirty="0"/>
           </a:p>
           <a:p>
             <a:pPr marL="0" indent="0">
@@ -43499,7 +42428,6 @@
               <a:rPr lang="en-US" altLang="zh-CN" sz="1600" dirty="0"/>
               <a:t>E→A, A→G, AB→C,</a:t>
             </a:r>
-            <a:endParaRPr lang="en-US" altLang="zh-CN" sz="1600" dirty="0"/>
           </a:p>
           <a:p>
             <a:pPr marL="0" indent="0">
@@ -43525,7 +42453,6 @@
               <a:rPr lang="en-US" altLang="zh-CN" sz="1600" dirty="0"/>
               <a:t>= BDEAGC = U</a:t>
             </a:r>
-            <a:endParaRPr lang="en-US" altLang="zh-CN" sz="1600" dirty="0"/>
           </a:p>
           <a:p>
             <a:pPr marL="0" indent="0">
@@ -43630,25 +42557,6 @@
       </p:grpSpPr>
       <p:sp>
         <p:nvSpPr>
-          <p:cNvPr id="2" name="标题 1"/>
-          <p:cNvSpPr>
-            <a:spLocks noGrp="1"/>
-          </p:cNvSpPr>
-          <p:nvPr>
-            <p:ph type="title"/>
-          </p:nvPr>
-        </p:nvSpPr>
-        <p:spPr/>
-        <p:txBody>
-          <a:bodyPr/>
-          <a:lstStyle/>
-          <a:p>
-            <a:endParaRPr lang="zh-CN" altLang="en-US"/>
-          </a:p>
-        </p:txBody>
-      </p:sp>
-      <p:sp>
-        <p:nvSpPr>
           <p:cNvPr id="3" name="内容占位符 2"/>
           <p:cNvSpPr>
             <a:spLocks noGrp="1"/>
@@ -43659,7 +42567,7 @@
         </p:nvSpPr>
         <p:spPr>
           <a:xfrm>
-            <a:off x="179695" y="836820"/>
+            <a:off x="107690" y="281662"/>
             <a:ext cx="8784609" cy="5142595"/>
           </a:xfrm>
         </p:spPr>
@@ -43694,344 +42602,562 @@
               </a:rPr>
               <a:t>3】</a:t>
             </a:r>
-            <a:endParaRPr lang="en-US" altLang="zh-CN" dirty="0">
-              <a:highlight>
-                <a:srgbClr val="FFFF00"/>
-              </a:highlight>
-            </a:endParaRPr>
           </a:p>
           <a:p>
             <a:pPr marL="0" indent="0">
               <a:buNone/>
             </a:pPr>
             <a:r>
-              <a:rPr lang="zh-CN" altLang="zh-CN" dirty="0"/>
+              <a:rPr lang="zh-CN" altLang="zh-CN" sz="2400" dirty="0"/>
               <a:t>设关系模式</a:t>
             </a:r>
             <a:r>
-              <a:rPr lang="en-US" altLang="zh-CN" dirty="0"/>
+              <a:rPr lang="en-US" altLang="zh-CN" sz="2400" dirty="0"/>
               <a:t> U=(A , B , C , D , E , F ),</a:t>
             </a:r>
-            <a:endParaRPr lang="en-US" altLang="zh-CN" dirty="0"/>
           </a:p>
           <a:p>
             <a:pPr marL="0" indent="0">
               <a:buNone/>
             </a:pPr>
             <a:r>
-              <a:rPr lang="zh-CN" altLang="zh-CN" dirty="0"/>
+              <a:rPr lang="zh-CN" altLang="zh-CN" sz="2400" dirty="0"/>
               <a:t>函数依赖集</a:t>
             </a:r>
-            <a:endParaRPr lang="en-US" altLang="zh-CN" dirty="0"/>
+            <a:r>
+              <a:rPr lang="en-US" altLang="zh-CN" sz="2400" dirty="0"/>
+              <a:t> F={A→BC , BC→A , BCD→EF , E→C}, </a:t>
+            </a:r>
           </a:p>
           <a:p>
             <a:pPr marL="0" indent="0">
               <a:buNone/>
             </a:pPr>
             <a:r>
-              <a:rPr lang="en-US" altLang="zh-CN" dirty="0"/>
-              <a:t> F={A→BC , BC→A , BCD→EF , E→C}, </a:t>
-            </a:r>
-            <a:endParaRPr lang="en-US" altLang="zh-CN" dirty="0"/>
+              <a:rPr lang="zh-CN" altLang="zh-CN" sz="2400" dirty="0"/>
+              <a:t>求</a:t>
+            </a:r>
+            <a:r>
+              <a:rPr lang="en-US" altLang="zh-CN" sz="2400" dirty="0"/>
+              <a:t> R </a:t>
+            </a:r>
+            <a:r>
+              <a:rPr lang="zh-CN" altLang="zh-CN" sz="2400" dirty="0"/>
+              <a:t>的候选码。</a:t>
+            </a:r>
           </a:p>
           <a:p>
             <a:pPr marL="0" indent="0">
               <a:buNone/>
             </a:pPr>
             <a:r>
-              <a:rPr lang="zh-CN" altLang="zh-CN" dirty="0"/>
-              <a:t>求</a:t>
-            </a:r>
-            <a:r>
-              <a:rPr lang="en-US" altLang="zh-CN" dirty="0"/>
-              <a:t> R </a:t>
-            </a:r>
-            <a:r>
-              <a:rPr lang="zh-CN" altLang="zh-CN" dirty="0"/>
-              <a:t>的候选码。</a:t>
-            </a:r>
-            <a:endParaRPr lang="zh-CN" altLang="zh-CN" sz="4000" dirty="0"/>
+              <a:rPr lang="zh-CN" altLang="zh-CN" sz="2400" dirty="0"/>
+              <a:t>解</a:t>
+            </a:r>
+            <a:r>
+              <a:rPr lang="en-US" altLang="zh-CN" sz="2400" dirty="0"/>
+              <a:t>:</a:t>
+            </a:r>
           </a:p>
           <a:p>
             <a:pPr marL="0" indent="0">
               <a:buNone/>
             </a:pPr>
             <a:r>
-              <a:rPr lang="zh-CN" altLang="zh-CN" dirty="0"/>
-              <a:t>解</a:t>
-            </a:r>
-            <a:r>
-              <a:rPr lang="en-US" altLang="zh-CN" dirty="0"/>
-              <a:t>:</a:t>
-            </a:r>
-            <a:endParaRPr lang="en-US" altLang="zh-CN" dirty="0"/>
-          </a:p>
-          <a:p>
-            <a:pPr marL="0" indent="0">
-              <a:buNone/>
-            </a:pPr>
-            <a:r>
               <a:rPr lang="en-US" altLang="zh-CN" sz="1600" dirty="0"/>
-              <a:t>(1) L=(D), R=(F), LR=(A , B , C , E ), N=</a:t>
-            </a:r>
-            <a:r>
-              <a:rPr lang="zh-CN" altLang="en-US" sz="1600" dirty="0"/>
-              <a:t>空</a:t>
+              <a:t>(1) L=(</a:t>
+            </a:r>
+            <a:r>
+              <a:rPr lang="en-US" altLang="zh-CN" sz="1600" dirty="0">
+                <a:solidFill>
+                  <a:srgbClr val="FF0000"/>
+                </a:solidFill>
+                <a:highlight>
+                  <a:srgbClr val="0066FF"/>
+                </a:highlight>
+              </a:rPr>
+              <a:t>D</a:t>
             </a:r>
             <a:r>
               <a:rPr lang="en-US" altLang="zh-CN" sz="1600" dirty="0"/>
-              <a:t>;</a:t>
-            </a:r>
-            <a:endParaRPr lang="zh-CN" altLang="zh-CN" sz="1600" dirty="0"/>
-          </a:p>
-          <a:p>
-            <a:pPr marL="0" indent="0">
-              <a:buNone/>
-            </a:pPr>
-            <a:r>
-              <a:rPr lang="en-US" altLang="zh-CN" sz="1600" dirty="0"/>
-              <a:t>(2) L</a:t>
-            </a:r>
-            <a:r>
-              <a:rPr lang="zh-CN" altLang="zh-CN" sz="1600" dirty="0"/>
-              <a:t>∪</a:t>
-            </a:r>
-            <a:r>
-              <a:rPr lang="en-US" altLang="zh-CN" sz="1600" dirty="0"/>
-              <a:t>N=(D) , D</a:t>
-            </a:r>
-            <a:r>
-              <a:rPr lang="en-US" altLang="zh-CN" sz="1600" baseline="30000" dirty="0"/>
-              <a:t>+</a:t>
-            </a:r>
-            <a:r>
-              <a:rPr lang="en-US" altLang="zh-CN" sz="1600" dirty="0"/>
-              <a:t>=D;</a:t>
-            </a:r>
-            <a:endParaRPr lang="zh-CN" altLang="zh-CN" sz="1600" dirty="0"/>
-          </a:p>
-          <a:p>
-            <a:pPr marL="0" indent="0">
-              <a:buNone/>
-            </a:pPr>
-            <a:r>
-              <a:rPr lang="en-US" altLang="zh-CN" sz="1600" dirty="0"/>
-              <a:t>(3)</a:t>
-            </a:r>
-            <a:r>
-              <a:rPr lang="zh-CN" altLang="zh-CN" sz="1600" dirty="0"/>
-              <a:t>因为</a:t>
-            </a:r>
-            <a:r>
-              <a:rPr lang="en-US" altLang="zh-CN" sz="1600" dirty="0"/>
-              <a:t> (DA)</a:t>
-            </a:r>
-            <a:r>
-              <a:rPr lang="en-US" altLang="zh-CN" sz="1600" baseline="30000" dirty="0"/>
-              <a:t>+</a:t>
-            </a:r>
-            <a:r>
-              <a:rPr lang="en-US" altLang="zh-CN" sz="1600" dirty="0"/>
-              <a:t>=DABCEF=U, (DB)</a:t>
-            </a:r>
-            <a:r>
-              <a:rPr lang="en-US" altLang="zh-CN" sz="1600" baseline="30000" dirty="0"/>
-              <a:t>+</a:t>
-            </a:r>
-            <a:r>
-              <a:rPr lang="en-US" altLang="zh-CN" sz="1600" dirty="0"/>
-              <a:t>=DB ,(DC)</a:t>
-            </a:r>
-            <a:r>
-              <a:rPr lang="en-US" altLang="zh-CN" sz="1600" baseline="30000" dirty="0"/>
-              <a:t>+</a:t>
-            </a:r>
-            <a:r>
-              <a:rPr lang="en-US" altLang="zh-CN" sz="1600" dirty="0"/>
-              <a:t>=DC, (DE)</a:t>
-            </a:r>
-            <a:r>
-              <a:rPr lang="en-US" altLang="zh-CN" sz="1600" baseline="30000" dirty="0"/>
-              <a:t>+</a:t>
-            </a:r>
-            <a:r>
-              <a:rPr lang="en-US" altLang="zh-CN" sz="1600" dirty="0"/>
-              <a:t>=DEC, </a:t>
-            </a:r>
-            <a:r>
-              <a:rPr lang="zh-CN" altLang="zh-CN" sz="1600" dirty="0"/>
-              <a:t>所以</a:t>
-            </a:r>
-            <a:r>
-              <a:rPr lang="en-US" altLang="zh-CN" sz="1600" dirty="0"/>
-              <a:t> DA </a:t>
-            </a:r>
-            <a:r>
-              <a:rPr lang="zh-CN" altLang="zh-CN" sz="1600" dirty="0"/>
-              <a:t>是候选码</a:t>
-            </a:r>
-            <a:r>
-              <a:rPr lang="en-US" altLang="zh-CN" sz="1600" dirty="0"/>
-              <a:t>;</a:t>
-            </a:r>
-            <a:endParaRPr lang="zh-CN" altLang="zh-CN" sz="1600" dirty="0"/>
-          </a:p>
-          <a:p>
-            <a:pPr marL="0" indent="0">
-              <a:buNone/>
-            </a:pPr>
-            <a:r>
-              <a:rPr lang="en-US" altLang="zh-CN" sz="1600" dirty="0"/>
-              <a:t>(4)</a:t>
-            </a:r>
-            <a:r>
-              <a:rPr lang="zh-CN" altLang="zh-CN" sz="1600" dirty="0"/>
-              <a:t>因为</a:t>
-            </a:r>
-            <a:r>
-              <a:rPr lang="en-US" altLang="zh-CN" sz="1600" dirty="0"/>
-              <a:t> (DBC)</a:t>
-            </a:r>
-            <a:r>
-              <a:rPr lang="en-US" altLang="zh-CN" sz="1600" baseline="30000" dirty="0"/>
-              <a:t>+</a:t>
-            </a:r>
-            <a:r>
-              <a:rPr lang="en-US" altLang="zh-CN" sz="1600" dirty="0"/>
-              <a:t>=DBCAEF=U, (DBE)</a:t>
-            </a:r>
-            <a:r>
-              <a:rPr lang="en-US" altLang="zh-CN" sz="1600" baseline="30000" dirty="0"/>
-              <a:t>+</a:t>
-            </a:r>
-            <a:r>
-              <a:rPr lang="en-US" altLang="zh-CN" sz="1600" dirty="0"/>
-              <a:t>=DBECAF=U, (DCE)</a:t>
-            </a:r>
-            <a:r>
-              <a:rPr lang="en-US" altLang="zh-CN" sz="1600" baseline="30000" dirty="0"/>
-              <a:t>+</a:t>
-            </a:r>
-            <a:r>
-              <a:rPr lang="en-US" altLang="zh-CN" sz="1600" dirty="0"/>
-              <a:t>=DCE, </a:t>
-            </a:r>
-            <a:r>
-              <a:rPr lang="zh-CN" altLang="zh-CN" sz="1600" dirty="0"/>
-              <a:t>所以</a:t>
-            </a:r>
-            <a:r>
-              <a:rPr lang="en-US" altLang="zh-CN" sz="1600" dirty="0"/>
-              <a:t>DBC</a:t>
-            </a:r>
-            <a:r>
-              <a:rPr lang="zh-CN" altLang="zh-CN" sz="1600" dirty="0"/>
-              <a:t>、</a:t>
-            </a:r>
-            <a:r>
-              <a:rPr lang="en-US" altLang="zh-CN" sz="1600" dirty="0"/>
-              <a:t>DBE </a:t>
-            </a:r>
-            <a:r>
-              <a:rPr lang="zh-CN" altLang="zh-CN" sz="1600" dirty="0"/>
-              <a:t>是候选码</a:t>
-            </a:r>
-            <a:r>
-              <a:rPr lang="en-US" altLang="zh-CN" sz="1600" dirty="0"/>
-              <a:t>;</a:t>
-            </a:r>
-            <a:endParaRPr lang="zh-CN" altLang="zh-CN" sz="1600" dirty="0"/>
-          </a:p>
-          <a:p>
-            <a:pPr marL="0" indent="0">
-              <a:buNone/>
-            </a:pPr>
-            <a:r>
-              <a:rPr lang="en-US" altLang="zh-CN" dirty="0"/>
-              <a:t>(5) </a:t>
-            </a:r>
-            <a:r>
-              <a:rPr lang="en-US" altLang="zh-CN" dirty="0">
-                <a:solidFill>
-                  <a:srgbClr val="FF0000"/>
-                </a:solidFill>
-              </a:rPr>
-              <a:t>U </a:t>
-            </a:r>
-            <a:r>
-              <a:rPr lang="zh-CN" altLang="zh-CN" dirty="0">
-                <a:solidFill>
-                  <a:srgbClr val="FF0000"/>
-                </a:solidFill>
-              </a:rPr>
-              <a:t>的候选码有</a:t>
-            </a:r>
-            <a:r>
-              <a:rPr lang="en-US" altLang="zh-CN" dirty="0">
-                <a:solidFill>
-                  <a:srgbClr val="FF0000"/>
-                </a:solidFill>
-              </a:rPr>
-              <a:t> </a:t>
-            </a:r>
-            <a:r>
-              <a:rPr lang="en-US" altLang="zh-CN" dirty="0">
+              <a:t>), R=(F), LR=(</a:t>
+            </a:r>
+            <a:r>
+              <a:rPr lang="en-US" altLang="zh-CN" sz="1600" dirty="0">
                 <a:highlight>
                   <a:srgbClr val="FFFF00"/>
                 </a:highlight>
               </a:rPr>
-              <a:t>DA</a:t>
-            </a:r>
-            <a:r>
-              <a:rPr lang="zh-CN" altLang="zh-CN" dirty="0">
+              <a:t>A , B , C , E </a:t>
+            </a:r>
+            <a:r>
+              <a:rPr lang="en-US" altLang="zh-CN" sz="1600" dirty="0"/>
+              <a:t>), N=</a:t>
+            </a:r>
+            <a:r>
+              <a:rPr lang="zh-CN" altLang="en-US" sz="1600" dirty="0"/>
+              <a:t>空</a:t>
+            </a:r>
+            <a:r>
+              <a:rPr lang="en-US" altLang="zh-CN" sz="1600" dirty="0"/>
+              <a:t>;</a:t>
+            </a:r>
+            <a:endParaRPr lang="zh-CN" altLang="zh-CN" sz="1600" dirty="0"/>
+          </a:p>
+          <a:p>
+            <a:pPr marL="0" indent="0">
+              <a:buNone/>
+            </a:pPr>
+            <a:r>
+              <a:rPr lang="en-US" altLang="zh-CN" sz="1600" dirty="0"/>
+              <a:t>(2) L</a:t>
+            </a:r>
+            <a:r>
+              <a:rPr lang="zh-CN" altLang="zh-CN" sz="1600" dirty="0"/>
+              <a:t>∪</a:t>
+            </a:r>
+            <a:r>
+              <a:rPr lang="en-US" altLang="zh-CN" sz="1600" dirty="0"/>
+              <a:t>N=(</a:t>
+            </a:r>
+            <a:r>
+              <a:rPr lang="en-US" altLang="zh-CN" sz="1600" dirty="0">
                 <a:solidFill>
                   <a:srgbClr val="FF0000"/>
                 </a:solidFill>
+                <a:highlight>
+                  <a:srgbClr val="0066FF"/>
+                </a:highlight>
+              </a:rPr>
+              <a:t>D</a:t>
+            </a:r>
+            <a:r>
+              <a:rPr lang="en-US" altLang="zh-CN" sz="1600" dirty="0"/>
+              <a:t>) , D</a:t>
+            </a:r>
+            <a:r>
+              <a:rPr lang="en-US" altLang="zh-CN" sz="1600" baseline="30000" dirty="0"/>
+              <a:t>+</a:t>
+            </a:r>
+            <a:r>
+              <a:rPr lang="en-US" altLang="zh-CN" sz="1600" dirty="0"/>
+              <a:t>=D;</a:t>
+            </a:r>
+            <a:endParaRPr lang="zh-CN" altLang="zh-CN" sz="1600" dirty="0"/>
+          </a:p>
+          <a:p>
+            <a:pPr marL="0" indent="0">
+              <a:buNone/>
+            </a:pPr>
+            <a:r>
+              <a:rPr lang="en-US" altLang="zh-CN" sz="1600" dirty="0"/>
+              <a:t>(3)</a:t>
+            </a:r>
+            <a:r>
+              <a:rPr lang="zh-CN" altLang="en-US" sz="1600" dirty="0"/>
+              <a:t>依次给</a:t>
+            </a:r>
+            <a:r>
+              <a:rPr lang="en-US" altLang="zh-CN" sz="1600" dirty="0"/>
+              <a:t>D</a:t>
+            </a:r>
+            <a:r>
+              <a:rPr lang="zh-CN" altLang="en-US" sz="1600" dirty="0"/>
+              <a:t>增加</a:t>
+            </a:r>
+            <a:r>
+              <a:rPr lang="en-US" altLang="zh-CN" sz="1600" dirty="0"/>
+              <a:t>LR</a:t>
+            </a:r>
+            <a:r>
+              <a:rPr lang="zh-CN" altLang="en-US" sz="1600" dirty="0"/>
+              <a:t>类中一个属性：</a:t>
+            </a:r>
+            <a:endParaRPr lang="en-US" altLang="zh-CN" sz="1600" dirty="0"/>
+          </a:p>
+          <a:p>
+            <a:pPr marL="0" indent="0">
+              <a:buNone/>
+            </a:pPr>
+            <a:r>
+              <a:rPr lang="en-US" altLang="zh-CN" sz="1600" dirty="0"/>
+              <a:t>    (</a:t>
+            </a:r>
+            <a:r>
+              <a:rPr lang="en-US" altLang="zh-CN" sz="1600" dirty="0">
+                <a:solidFill>
+                  <a:srgbClr val="FF0000"/>
+                </a:solidFill>
+                <a:highlight>
+                  <a:srgbClr val="0066FF"/>
+                </a:highlight>
+              </a:rPr>
+              <a:t>D</a:t>
+            </a:r>
+            <a:r>
+              <a:rPr lang="en-US" altLang="zh-CN" sz="1600" dirty="0">
                 <a:highlight>
                   <a:srgbClr val="FFFF00"/>
                 </a:highlight>
               </a:rPr>
-              <a:t>、</a:t>
-            </a:r>
-            <a:r>
-              <a:rPr lang="en-US" altLang="zh-CN" dirty="0">
+              <a:t>A</a:t>
+            </a:r>
+            <a:r>
+              <a:rPr lang="en-US" altLang="zh-CN" sz="1600" dirty="0"/>
+              <a:t>)</a:t>
+            </a:r>
+            <a:r>
+              <a:rPr lang="en-US" altLang="zh-CN" sz="1600" baseline="30000" dirty="0"/>
+              <a:t>+</a:t>
+            </a:r>
+            <a:r>
+              <a:rPr lang="en-US" altLang="zh-CN" sz="1600" dirty="0"/>
+              <a:t>=DABCEF=U, (</a:t>
+            </a:r>
+            <a:r>
+              <a:rPr lang="en-US" altLang="zh-CN" sz="1600" dirty="0">
                 <a:solidFill>
                   <a:srgbClr val="FF0000"/>
                 </a:solidFill>
+                <a:highlight>
+                  <a:srgbClr val="0066FF"/>
+                </a:highlight>
+              </a:rPr>
+              <a:t>D</a:t>
+            </a:r>
+            <a:r>
+              <a:rPr lang="en-US" altLang="zh-CN" sz="1600" dirty="0">
                 <a:highlight>
                   <a:srgbClr val="FFFF00"/>
                 </a:highlight>
               </a:rPr>
-              <a:t>DBC</a:t>
-            </a:r>
-            <a:r>
-              <a:rPr lang="zh-CN" altLang="zh-CN" dirty="0">
+              <a:t>B</a:t>
+            </a:r>
+            <a:r>
+              <a:rPr lang="en-US" altLang="zh-CN" sz="1600" dirty="0"/>
+              <a:t>)</a:t>
+            </a:r>
+            <a:r>
+              <a:rPr lang="en-US" altLang="zh-CN" sz="1600" baseline="30000" dirty="0"/>
+              <a:t>+</a:t>
+            </a:r>
+            <a:r>
+              <a:rPr lang="en-US" altLang="zh-CN" sz="1600" dirty="0"/>
+              <a:t>=DB ,(</a:t>
+            </a:r>
+            <a:r>
+              <a:rPr lang="en-US" altLang="zh-CN" sz="1600" dirty="0">
                 <a:solidFill>
                   <a:srgbClr val="FF0000"/>
                 </a:solidFill>
+                <a:highlight>
+                  <a:srgbClr val="0066FF"/>
+                </a:highlight>
+              </a:rPr>
+              <a:t>D</a:t>
+            </a:r>
+            <a:r>
+              <a:rPr lang="en-US" altLang="zh-CN" sz="1600" dirty="0">
                 <a:highlight>
                   <a:srgbClr val="FFFF00"/>
                 </a:highlight>
               </a:rPr>
-              <a:t>、</a:t>
-            </a:r>
-            <a:r>
-              <a:rPr lang="en-US" altLang="zh-CN" dirty="0">
+              <a:t>C</a:t>
+            </a:r>
+            <a:r>
+              <a:rPr lang="en-US" altLang="zh-CN" sz="1600" dirty="0"/>
+              <a:t>)</a:t>
+            </a:r>
+            <a:r>
+              <a:rPr lang="en-US" altLang="zh-CN" sz="1600" baseline="30000" dirty="0"/>
+              <a:t>+</a:t>
+            </a:r>
+            <a:r>
+              <a:rPr lang="en-US" altLang="zh-CN" sz="1600" dirty="0"/>
+              <a:t>=DC, (</a:t>
+            </a:r>
+            <a:r>
+              <a:rPr lang="en-US" altLang="zh-CN" sz="1600" dirty="0">
                 <a:solidFill>
                   <a:srgbClr val="FF0000"/>
                 </a:solidFill>
+                <a:highlight>
+                  <a:srgbClr val="0066FF"/>
+                </a:highlight>
+              </a:rPr>
+              <a:t>D</a:t>
+            </a:r>
+            <a:r>
+              <a:rPr lang="en-US" altLang="zh-CN" sz="1600" dirty="0">
                 <a:highlight>
                   <a:srgbClr val="FFFF00"/>
                 </a:highlight>
               </a:rPr>
+              <a:t>E</a:t>
+            </a:r>
+            <a:r>
+              <a:rPr lang="en-US" altLang="zh-CN" sz="1600" dirty="0"/>
+              <a:t>)</a:t>
+            </a:r>
+            <a:r>
+              <a:rPr lang="en-US" altLang="zh-CN" sz="1600" baseline="30000" dirty="0"/>
+              <a:t>+</a:t>
+            </a:r>
+            <a:r>
+              <a:rPr lang="en-US" altLang="zh-CN" sz="1600" dirty="0"/>
+              <a:t>=DEC, </a:t>
+            </a:r>
+            <a:r>
+              <a:rPr lang="zh-CN" altLang="zh-CN" sz="1600" dirty="0"/>
+              <a:t>所以</a:t>
+            </a:r>
+            <a:r>
+              <a:rPr lang="en-US" altLang="zh-CN" sz="1600" dirty="0"/>
+              <a:t> DA </a:t>
+            </a:r>
+            <a:r>
+              <a:rPr lang="zh-CN" altLang="zh-CN" sz="1600" dirty="0"/>
+              <a:t>是候选码</a:t>
+            </a:r>
+            <a:r>
+              <a:rPr lang="en-US" altLang="zh-CN" sz="1600" dirty="0"/>
+              <a:t>;</a:t>
+            </a:r>
+            <a:endParaRPr lang="zh-CN" altLang="zh-CN" sz="1600" dirty="0"/>
+          </a:p>
+          <a:p>
+            <a:pPr marL="0" indent="0">
+              <a:buNone/>
+            </a:pPr>
+            <a:r>
+              <a:rPr lang="en-US" altLang="zh-CN" sz="1600" dirty="0"/>
+              <a:t>(4) </a:t>
+            </a:r>
+            <a:r>
+              <a:rPr lang="zh-CN" altLang="en-US" sz="1600" dirty="0"/>
+              <a:t>继续给</a:t>
+            </a:r>
+            <a:r>
+              <a:rPr lang="en-US" altLang="zh-CN" sz="1600" dirty="0"/>
+              <a:t>DB</a:t>
+            </a:r>
+            <a:r>
+              <a:rPr lang="zh-CN" altLang="en-US" sz="1600" dirty="0"/>
+              <a:t>、</a:t>
+            </a:r>
+            <a:r>
+              <a:rPr lang="en-US" altLang="zh-CN" sz="1600" dirty="0"/>
+              <a:t>DC</a:t>
+            </a:r>
+            <a:r>
+              <a:rPr lang="zh-CN" altLang="en-US" sz="1600" dirty="0"/>
+              <a:t>增加</a:t>
+            </a:r>
+            <a:r>
+              <a:rPr lang="en-US" altLang="zh-CN" sz="1600" dirty="0"/>
+              <a:t>LR</a:t>
+            </a:r>
+            <a:r>
+              <a:rPr lang="zh-CN" altLang="en-US" sz="1600" dirty="0"/>
+              <a:t>类中的属性：</a:t>
+            </a:r>
+            <a:endParaRPr lang="en-US" altLang="zh-CN" sz="1600" dirty="0"/>
+          </a:p>
+          <a:p>
+            <a:pPr marL="0" indent="0">
+              <a:buNone/>
+            </a:pPr>
+            <a:r>
+              <a:rPr lang="en-US" altLang="zh-CN" sz="1600" dirty="0"/>
+              <a:t>    (</a:t>
+            </a:r>
+            <a:r>
+              <a:rPr lang="en-US" altLang="zh-CN" sz="1600" dirty="0">
+                <a:highlight>
+                  <a:srgbClr val="FF00FF"/>
+                </a:highlight>
+              </a:rPr>
+              <a:t>DB</a:t>
+            </a:r>
+            <a:r>
+              <a:rPr lang="en-US" altLang="zh-CN" sz="1600" dirty="0">
+                <a:highlight>
+                  <a:srgbClr val="FFFF00"/>
+                </a:highlight>
+              </a:rPr>
+              <a:t>C</a:t>
+            </a:r>
+            <a:r>
+              <a:rPr lang="en-US" altLang="zh-CN" sz="1600" dirty="0"/>
+              <a:t>)</a:t>
+            </a:r>
+            <a:r>
+              <a:rPr lang="en-US" altLang="zh-CN" sz="1600" baseline="30000" dirty="0"/>
+              <a:t>+</a:t>
+            </a:r>
+            <a:r>
+              <a:rPr lang="en-US" altLang="zh-CN" sz="1600" dirty="0"/>
+              <a:t>=DBCAEF=U, (</a:t>
+            </a:r>
+            <a:r>
+              <a:rPr lang="en-US" altLang="zh-CN" sz="1600" dirty="0">
+                <a:highlight>
+                  <a:srgbClr val="FF00FF"/>
+                </a:highlight>
+              </a:rPr>
+              <a:t>DB</a:t>
+            </a:r>
+            <a:r>
+              <a:rPr lang="en-US" altLang="zh-CN" sz="1600" dirty="0">
+                <a:highlight>
+                  <a:srgbClr val="FFFF00"/>
+                </a:highlight>
+              </a:rPr>
+              <a:t>E</a:t>
+            </a:r>
+            <a:r>
+              <a:rPr lang="en-US" altLang="zh-CN" sz="1600" dirty="0"/>
+              <a:t>)</a:t>
+            </a:r>
+            <a:r>
+              <a:rPr lang="en-US" altLang="zh-CN" sz="1600" baseline="30000" dirty="0"/>
+              <a:t>+</a:t>
+            </a:r>
+            <a:r>
+              <a:rPr lang="en-US" altLang="zh-CN" sz="1600" dirty="0"/>
+              <a:t>=DBECAF=U, </a:t>
+            </a:r>
+          </a:p>
+          <a:p>
+            <a:pPr marL="0" indent="0">
+              <a:buNone/>
+            </a:pPr>
+            <a:r>
+              <a:rPr lang="en-US" altLang="zh-CN" sz="1600" dirty="0"/>
+              <a:t>    (</a:t>
+            </a:r>
+            <a:r>
+              <a:rPr lang="en-US" altLang="zh-CN" sz="1600" dirty="0">
+                <a:highlight>
+                  <a:srgbClr val="00FF00"/>
+                </a:highlight>
+              </a:rPr>
+              <a:t>DC</a:t>
+            </a:r>
+            <a:r>
+              <a:rPr lang="en-US" altLang="zh-CN" sz="1600" dirty="0">
+                <a:highlight>
+                  <a:srgbClr val="FFFF00"/>
+                </a:highlight>
+              </a:rPr>
+              <a:t>E</a:t>
+            </a:r>
+            <a:r>
+              <a:rPr lang="en-US" altLang="zh-CN" sz="1600" dirty="0"/>
+              <a:t>)</a:t>
+            </a:r>
+            <a:r>
+              <a:rPr lang="en-US" altLang="zh-CN" sz="1600" baseline="30000" dirty="0"/>
+              <a:t>+</a:t>
+            </a:r>
+            <a:r>
+              <a:rPr lang="en-US" altLang="zh-CN" sz="1600" dirty="0"/>
+              <a:t>=DCE, </a:t>
+            </a:r>
+          </a:p>
+          <a:p>
+            <a:pPr marL="0" indent="0">
+              <a:buNone/>
+            </a:pPr>
+            <a:r>
+              <a:rPr lang="en-US" altLang="zh-CN" sz="1600" dirty="0"/>
+              <a:t>    </a:t>
+            </a:r>
+            <a:r>
+              <a:rPr lang="zh-CN" altLang="zh-CN" sz="1600" dirty="0"/>
+              <a:t>所以</a:t>
+            </a:r>
+            <a:r>
+              <a:rPr lang="en-US" altLang="zh-CN" sz="1600" dirty="0"/>
+              <a:t>DBC</a:t>
+            </a:r>
+            <a:r>
+              <a:rPr lang="zh-CN" altLang="zh-CN" sz="1600" dirty="0"/>
+              <a:t>、</a:t>
+            </a:r>
+            <a:r>
+              <a:rPr lang="en-US" altLang="zh-CN" sz="1600" dirty="0"/>
+              <a:t>DBE </a:t>
+            </a:r>
+            <a:r>
+              <a:rPr lang="zh-CN" altLang="zh-CN" sz="1600" dirty="0"/>
+              <a:t>是候选码</a:t>
+            </a:r>
+            <a:r>
+              <a:rPr lang="en-US" altLang="zh-CN" sz="1600" dirty="0"/>
+              <a:t>;</a:t>
+            </a:r>
+            <a:endParaRPr lang="zh-CN" altLang="zh-CN" sz="1600" dirty="0"/>
+          </a:p>
+          <a:p>
+            <a:pPr marL="0" indent="0">
+              <a:buNone/>
+            </a:pPr>
+            <a:r>
+              <a:rPr lang="en-US" altLang="zh-CN" sz="1600" dirty="0"/>
+              <a:t>(5) U </a:t>
+            </a:r>
+            <a:r>
+              <a:rPr lang="zh-CN" altLang="zh-CN" sz="1600" dirty="0"/>
+              <a:t>的候选码有</a:t>
+            </a:r>
+            <a:r>
+              <a:rPr lang="en-US" altLang="zh-CN" sz="1600" dirty="0"/>
+              <a:t> </a:t>
+            </a:r>
+            <a:r>
+              <a:rPr lang="en-US" altLang="zh-CN" sz="1600" dirty="0">
+                <a:highlight>
+                  <a:srgbClr val="D9FDA5"/>
+                </a:highlight>
+              </a:rPr>
+              <a:t>DA</a:t>
+            </a:r>
+            <a:r>
+              <a:rPr lang="zh-CN" altLang="zh-CN" sz="1600" dirty="0">
+                <a:highlight>
+                  <a:srgbClr val="D9FDA5"/>
+                </a:highlight>
+              </a:rPr>
+              <a:t>、</a:t>
+            </a:r>
+            <a:r>
+              <a:rPr lang="en-US" altLang="zh-CN" sz="1600" dirty="0">
+                <a:highlight>
+                  <a:srgbClr val="D9FDA5"/>
+                </a:highlight>
+              </a:rPr>
+              <a:t>DBC</a:t>
+            </a:r>
+            <a:r>
+              <a:rPr lang="zh-CN" altLang="zh-CN" sz="1600" dirty="0">
+                <a:highlight>
+                  <a:srgbClr val="D9FDA5"/>
+                </a:highlight>
+              </a:rPr>
+              <a:t>、</a:t>
+            </a:r>
+            <a:r>
+              <a:rPr lang="en-US" altLang="zh-CN" sz="1600" dirty="0">
+                <a:highlight>
+                  <a:srgbClr val="D9FDA5"/>
+                </a:highlight>
+              </a:rPr>
               <a:t>DBE</a:t>
             </a:r>
-            <a:endParaRPr lang="zh-CN" altLang="zh-CN" sz="4000" dirty="0">
-              <a:solidFill>
-                <a:srgbClr val="FF0000"/>
-              </a:solidFill>
+            <a:endParaRPr lang="zh-CN" altLang="zh-CN" sz="1600" dirty="0">
               <a:highlight>
-                <a:srgbClr val="FFFF00"/>
+                <a:srgbClr val="D9FDA5"/>
               </a:highlight>
             </a:endParaRPr>
           </a:p>
@@ -44158,84 +43284,20 @@
       </p:sp>
       <p:sp>
         <p:nvSpPr>
-          <p:cNvPr id="7" name="星形: 五角 6"/>
-          <p:cNvSpPr/>
-          <p:nvPr/>
-        </p:nvSpPr>
-        <p:spPr bwMode="auto">
-          <a:xfrm>
-            <a:off x="1187765" y="5853143"/>
-            <a:ext cx="600593" cy="562297"/>
-          </a:xfrm>
-          <a:prstGeom prst="star5">
-            <a:avLst>
-              <a:gd name="adj" fmla="val 19646"/>
-              <a:gd name="hf" fmla="val 105146"/>
-              <a:gd name="vf" fmla="val 110557"/>
-            </a:avLst>
-          </a:prstGeom>
-          <a:ln>
-            <a:headEnd type="none" w="med" len="med"/>
-            <a:tailEnd type="none" w="med" len="med"/>
-          </a:ln>
-        </p:spPr>
-        <p:style>
-          <a:lnRef idx="1">
-            <a:schemeClr val="accent6"/>
-          </a:lnRef>
-          <a:fillRef idx="3">
-            <a:schemeClr val="accent6"/>
-          </a:fillRef>
-          <a:effectRef idx="2">
-            <a:schemeClr val="accent6"/>
-          </a:effectRef>
-          <a:fontRef idx="minor">
-            <a:schemeClr val="lt1"/>
-          </a:fontRef>
-        </p:style>
-        <p:txBody>
-          <a:bodyPr vert="horz" wrap="square" lIns="91440" tIns="45720" rIns="91440" bIns="45720" numCol="1" rtlCol="0" anchor="t" anchorCtr="0" compatLnSpc="1"/>
-          <a:lstStyle/>
-          <a:p>
-            <a:pPr marL="0" marR="0" indent="0" algn="l" defTabSz="914400" rtl="0" eaLnBrk="1" fontAlgn="base" latinLnBrk="0" hangingPunct="1">
-              <a:lnSpc>
-                <a:spcPct val="100000"/>
-              </a:lnSpc>
-              <a:spcBef>
-                <a:spcPct val="0"/>
-              </a:spcBef>
-              <a:spcAft>
-                <a:spcPct val="0"/>
-              </a:spcAft>
-              <a:buClrTx/>
-              <a:buSzTx/>
-              <a:buFont typeface="Arial" panose="020B0604020202020204" pitchFamily="34" charset="0"/>
-              <a:buNone/>
-            </a:pPr>
-            <a:endParaRPr kumimoji="0" lang="zh-CN" altLang="en-US" sz="1800" b="0" i="0" u="none" strike="noStrike" cap="none" normalizeH="0" baseline="0" dirty="0">
-              <a:ln>
-                <a:noFill/>
-              </a:ln>
-              <a:solidFill>
-                <a:schemeClr val="tx1"/>
-              </a:solidFill>
-              <a:effectLst/>
-              <a:latin typeface="Arial" panose="020B0604020202020204" pitchFamily="34" charset="0"/>
-              <a:ea typeface="宋体" panose="02010600030101010101" pitchFamily="2" charset="-122"/>
-            </a:endParaRPr>
-          </a:p>
-        </p:txBody>
-      </p:sp>
-      <p:sp>
-        <p:nvSpPr>
-          <p:cNvPr id="8" name="矩形 7"/>
-          <p:cNvSpPr/>
+          <p:cNvPr id="9" name="文本框 8">
+            <a:extLst>
+              <a:ext uri="{FF2B5EF4-FFF2-40B4-BE49-F238E27FC236}">
+                <a16:creationId xmlns:a16="http://schemas.microsoft.com/office/drawing/2014/main" id="{66F66BB6-7475-4B3E-A39E-CB7B577FFC53}"/>
+              </a:ext>
+            </a:extLst>
+          </p:cNvPr>
+          <p:cNvSpPr txBox="1"/>
           <p:nvPr/>
         </p:nvSpPr>
         <p:spPr>
           <a:xfrm>
-            <a:off x="1403780" y="5905040"/>
-            <a:ext cx="2448169" cy="584775"/>
+            <a:off x="323705" y="5949175"/>
+            <a:ext cx="4815840" cy="276999"/>
           </a:xfrm>
           <a:prstGeom prst="rect">
             <a:avLst/>
@@ -44243,73 +43305,16 @@
           <a:noFill/>
         </p:spPr>
         <p:txBody>
-          <a:bodyPr wrap="square" lIns="91440" tIns="45720" rIns="91440" bIns="45720">
+          <a:bodyPr wrap="square">
             <a:spAutoFit/>
           </a:bodyPr>
           <a:lstStyle/>
           <a:p>
-            <a:pPr algn="ctr"/>
-            <a:r>
-              <a:rPr lang="en-US" altLang="zh-CN" sz="3200" b="0" cap="none" spc="0" dirty="0">
-                <a:ln w="0"/>
-                <a:solidFill>
-                  <a:schemeClr val="tx1"/>
-                </a:solidFill>
-                <a:effectLst>
-                  <a:outerShdw blurRad="38100" dist="19050" dir="2700000" algn="tl" rotWithShape="0">
-                    <a:schemeClr val="dk1">
-                      <a:alpha val="40000"/>
-                    </a:schemeClr>
-                  </a:outerShdw>
-                </a:effectLst>
-              </a:rPr>
-              <a:t>A</a:t>
-            </a:r>
-            <a:r>
-              <a:rPr lang="zh-CN" altLang="en-US" sz="3200" b="0" cap="none" spc="0" dirty="0">
-                <a:ln w="0"/>
-                <a:solidFill>
-                  <a:schemeClr val="tx1"/>
-                </a:solidFill>
-                <a:effectLst>
-                  <a:outerShdw blurRad="38100" dist="19050" dir="2700000" algn="tl" rotWithShape="0">
-                    <a:schemeClr val="dk1">
-                      <a:alpha val="40000"/>
-                    </a:schemeClr>
-                  </a:outerShdw>
-                </a:effectLst>
-              </a:rPr>
-              <a:t>←→</a:t>
-            </a:r>
-            <a:r>
-              <a:rPr lang="en-US" altLang="zh-CN" sz="3200" b="0" cap="none" spc="0" dirty="0">
-                <a:ln w="0"/>
-                <a:solidFill>
-                  <a:schemeClr val="tx1"/>
-                </a:solidFill>
-                <a:effectLst>
-                  <a:outerShdw blurRad="38100" dist="19050" dir="2700000" algn="tl" rotWithShape="0">
-                    <a:schemeClr val="dk1">
-                      <a:alpha val="40000"/>
-                    </a:schemeClr>
-                  </a:outerShdw>
-                </a:effectLst>
-              </a:rPr>
-              <a:t>BC</a:t>
-            </a:r>
-            <a:endParaRPr lang="zh-CN" altLang="en-US" sz="3200" b="0" cap="none" spc="0" dirty="0">
-              <a:ln w="0"/>
-              <a:solidFill>
-                <a:schemeClr val="tx1"/>
-              </a:solidFill>
-              <a:effectLst>
-                <a:outerShdw blurRad="38100" dist="19050" dir="2700000" algn="tl" rotWithShape="0">
-                  <a:schemeClr val="dk1">
-                    <a:alpha val="40000"/>
-                  </a:schemeClr>
-                </a:outerShdw>
-              </a:effectLst>
-            </a:endParaRPr>
+            <a:r>
+              <a:rPr lang="en-US" altLang="zh-CN" sz="1200" dirty="0"/>
+              <a:t>https://blog.csdn.net/Game_Zmh/article/details/88059438</a:t>
+            </a:r>
+            <a:endParaRPr lang="zh-CN" altLang="en-US" sz="1200" dirty="0"/>
           </a:p>
         </p:txBody>
       </p:sp>
@@ -44493,9 +43498,6 @@
               </a:rPr>
               <a:t>规范化小结（续）</a:t>
             </a:r>
-            <a:endParaRPr lang="zh-CN" altLang="en-US" sz="3600">
-              <a:sym typeface="微软雅黑" panose="020B0503020204020204" pitchFamily="34" charset="-122"/>
-            </a:endParaRPr>
           </a:p>
         </p:txBody>
       </p:sp>
@@ -44530,9 +43532,6 @@
               </a:rPr>
               <a:t>不能说规范化程度越高的关系模式就越好。</a:t>
             </a:r>
-            <a:endParaRPr lang="zh-CN" altLang="en-US">
-              <a:sym typeface="Calibri" panose="020F0502020204030204" pitchFamily="34" charset="0"/>
-            </a:endParaRPr>
           </a:p>
           <a:p>
             <a:pPr lvl="1" indent="-285750" algn="l">
@@ -44648,7 +43647,6 @@
               <a:rPr lang="en-US" altLang="zh-CN"/>
               <a:t>An Introduction to Database System</a:t>
             </a:r>
-            <a:endParaRPr lang="en-US" altLang="zh-CN"/>
           </a:p>
         </p:txBody>
       </p:sp>
@@ -44675,7 +43673,6 @@
               <a:rPr lang="zh-CN" altLang="en-US"/>
               <a:t>问题的提出</a:t>
             </a:r>
-            <a:endParaRPr lang="zh-CN" altLang="en-US"/>
           </a:p>
         </p:txBody>
       </p:sp>
@@ -44717,7 +43714,6 @@
               <a:rPr lang="zh-CN" altLang="en-US" dirty="0"/>
               <a:t>针对具体问题，构造数据模式</a:t>
             </a:r>
-            <a:endParaRPr lang="zh-CN" altLang="en-US" dirty="0"/>
           </a:p>
           <a:p>
             <a:pPr lvl="1" algn="just">
@@ -44847,20 +43843,6 @@
               </a:rPr>
               <a:t>END</a:t>
             </a:r>
-            <a:endParaRPr lang="en-US" altLang="zh-CN" sz="9600" noProof="1">
-              <a:ln w="22225">
-                <a:solidFill>
-                  <a:schemeClr val="accent2"/>
-                </a:solidFill>
-                <a:prstDash val="solid"/>
-              </a:ln>
-              <a:solidFill>
-                <a:schemeClr val="accent2">
-                  <a:lumMod val="40000"/>
-                  <a:lumOff val="60000"/>
-                </a:schemeClr>
-              </a:solidFill>
-            </a:endParaRPr>
           </a:p>
         </p:txBody>
       </p:sp>
@@ -44873,7 +43855,7 @@
           <p:nvPr/>
         </p:nvPicPr>
         <p:blipFill>
-          <a:blip r:embed="rId1">
+          <a:blip r:embed="rId2">
             <a:extLst>
               <a:ext uri="{28A0092B-C50C-407E-A947-70E740481C1C}">
                 <a14:useLocalDpi xmlns:a14="http://schemas.microsoft.com/office/drawing/2010/main" val="0"/>
@@ -44903,7 +43885,7 @@
           <p:nvPr/>
         </p:nvPicPr>
         <p:blipFill>
-          <a:blip r:embed="rId2">
+          <a:blip r:embed="rId3">
             <a:extLst>
               <a:ext uri="{28A0092B-C50C-407E-A947-70E740481C1C}">
                 <a14:useLocalDpi xmlns:a14="http://schemas.microsoft.com/office/drawing/2010/main" val="0"/>
@@ -45104,9 +44086,6 @@
               </a:rPr>
               <a:t>问题的提出（续）</a:t>
             </a:r>
-            <a:endParaRPr lang="zh-CN" altLang="en-US" sz="3600">
-              <a:sym typeface="微软雅黑" panose="020B0503020204020204" pitchFamily="34" charset="-122"/>
-            </a:endParaRPr>
           </a:p>
         </p:txBody>
       </p:sp>
@@ -45356,9 +44335,6 @@
               </a:rPr>
               <a:t>问题的提出（续）</a:t>
             </a:r>
-            <a:endParaRPr lang="zh-CN" altLang="en-US" sz="3600">
-              <a:sym typeface="微软雅黑" panose="020B0503020204020204" pitchFamily="34" charset="-122"/>
-            </a:endParaRPr>
           </a:p>
         </p:txBody>
       </p:sp>
@@ -45446,11 +44422,6 @@
               </a:rPr>
               <a:t>每个分量必须是不可分开的数据项。</a:t>
             </a:r>
-            <a:endParaRPr lang="zh-CN" altLang="en-US" dirty="0">
-              <a:solidFill>
-                <a:srgbClr val="0066FF"/>
-              </a:solidFill>
-            </a:endParaRPr>
           </a:p>
           <a:p>
             <a:pPr marL="800100" lvl="1" indent="-342900" algn="l">
@@ -45505,14 +44476,6 @@
               </a:rPr>
               <a:t>）</a:t>
             </a:r>
-            <a:endParaRPr lang="zh-CN" altLang="en-US" dirty="0">
-              <a:solidFill>
-                <a:srgbClr val="FF0000"/>
-              </a:solidFill>
-              <a:highlight>
-                <a:srgbClr val="FFFF00"/>
-              </a:highlight>
-            </a:endParaRPr>
           </a:p>
         </p:txBody>
       </p:sp>
@@ -46632,6 +45595,8 @@
       </a:bgFillStyleLst>
     </a:fmtScheme>
   </a:themeElements>
+  <a:objectDefaults/>
+  <a:extraClrSchemeLst/>
   <a:extLst>
     <a:ext uri="{05A4C25C-085E-4340-85A3-A5531E510DB2}">
       <thm15:themeFamily xmlns:thm15="http://schemas.microsoft.com/office/thememl/2012/main" name="Office Theme" id="{62F939B6-93AF-4DB8-9C6B-D6C7DFDC589F}" vid="{4A3C46E8-61CC-4603-A589-7422A47A8E4A}"/>
